--- a/CAA/00_doc/Architecture_20220907.pptx
+++ b/CAA/00_doc/Architecture_20220907.pptx
@@ -9,6 +9,8 @@
     <p:sldId id="305" r:id="rId3"/>
     <p:sldId id="303" r:id="rId4"/>
     <p:sldId id="304" r:id="rId5"/>
+    <p:sldId id="307" r:id="rId6"/>
+    <p:sldId id="308" r:id="rId7"/>
   </p:sldIdLst>
   <p:sldSz cx="12192000" cy="6858000"/>
   <p:notesSz cx="7010400" cy="9296400"/>
@@ -2996,8 +2998,8 @@
           </a:extLst>
         </p:spPr>
       </p:pic>
-      <mc:AlternateContent xmlns:mc="http://schemas.openxmlformats.org/markup-compatibility/2006">
-        <mc:Choice xmlns:a14="http://schemas.microsoft.com/office/drawing/2010/main" Requires="a14">
+      <mc:AlternateContent xmlns:mc="http://schemas.openxmlformats.org/markup-compatibility/2006" xmlns:a14="http://schemas.microsoft.com/office/drawing/2010/main">
+        <mc:Choice Requires="a14">
           <p:sp>
             <p:nvSpPr>
               <p:cNvPr id="3" name="TextBox 2">
@@ -4493,7 +4495,7 @@
             </p:txBody>
           </p:sp>
         </mc:Choice>
-        <mc:Fallback>
+        <mc:Fallback xmlns="">
           <p:sp>
             <p:nvSpPr>
               <p:cNvPr id="3" name="TextBox 2">
@@ -4610,8 +4612,8 @@
             <a:chExt cx="2520925" cy="662759"/>
           </a:xfrm>
         </p:grpSpPr>
-        <mc:AlternateContent xmlns:mc="http://schemas.openxmlformats.org/markup-compatibility/2006">
-          <mc:Choice xmlns:a14="http://schemas.microsoft.com/office/drawing/2010/main" Requires="a14">
+        <mc:AlternateContent xmlns:mc="http://schemas.openxmlformats.org/markup-compatibility/2006" xmlns:a14="http://schemas.microsoft.com/office/drawing/2010/main">
+          <mc:Choice Requires="a14">
             <p:sp>
               <p:nvSpPr>
                 <p:cNvPr id="5" name="TextBox 4">
@@ -4693,7 +4695,7 @@
               </p:txBody>
             </p:sp>
           </mc:Choice>
-          <mc:Fallback>
+          <mc:Fallback xmlns="">
             <p:sp>
               <p:nvSpPr>
                 <p:cNvPr id="5" name="TextBox 4">
@@ -4832,8 +4834,8 @@
           </p:spPr>
         </p:pic>
       </p:grpSp>
-      <mc:AlternateContent xmlns:mc="http://schemas.openxmlformats.org/markup-compatibility/2006">
-        <mc:Choice xmlns:a14="http://schemas.microsoft.com/office/drawing/2010/main" Requires="a14">
+      <mc:AlternateContent xmlns:mc="http://schemas.openxmlformats.org/markup-compatibility/2006" xmlns:a14="http://schemas.microsoft.com/office/drawing/2010/main">
+        <mc:Choice Requires="a14">
           <p:sp>
             <p:nvSpPr>
               <p:cNvPr id="8" name="TextBox 7">
@@ -4981,7 +4983,7 @@
             </p:txBody>
           </p:sp>
         </mc:Choice>
-        <mc:Fallback>
+        <mc:Fallback xmlns="">
           <p:sp>
             <p:nvSpPr>
               <p:cNvPr id="8" name="TextBox 7">
@@ -5029,8 +5031,8 @@
           </p:sp>
         </mc:Fallback>
       </mc:AlternateContent>
-      <mc:AlternateContent xmlns:mc="http://schemas.openxmlformats.org/markup-compatibility/2006">
-        <mc:Choice xmlns:a14="http://schemas.microsoft.com/office/drawing/2010/main" Requires="a14">
+      <mc:AlternateContent xmlns:mc="http://schemas.openxmlformats.org/markup-compatibility/2006" xmlns:a14="http://schemas.microsoft.com/office/drawing/2010/main">
+        <mc:Choice Requires="a14">
           <p:sp>
             <p:nvSpPr>
               <p:cNvPr id="18" name="TextBox 17">
@@ -5145,14 +5147,7 @@
                         <a:latin typeface="Cambria Math" panose="02040503050406030204" pitchFamily="18" charset="0"/>
                         <a:ea typeface="Microsoft JhengHei" panose="020B0604030504040204" pitchFamily="34" charset="-120"/>
                       </a:rPr>
-                      <m:t>…</m:t>
-                    </m:r>
-                    <m:r>
-                      <a:rPr lang="en-US" altLang="zh-TW" sz="1200" b="0" i="1" smtClean="0">
-                        <a:latin typeface="Cambria Math" panose="02040503050406030204" pitchFamily="18" charset="0"/>
-                        <a:ea typeface="Microsoft JhengHei" panose="020B0604030504040204" pitchFamily="34" charset="-120"/>
-                      </a:rPr>
-                      <m:t>}</m:t>
+                      <m:t>…}</m:t>
                     </m:r>
                   </m:oMath>
                 </a14:m>
@@ -5171,7 +5166,7 @@
             </p:txBody>
           </p:sp>
         </mc:Choice>
-        <mc:Fallback>
+        <mc:Fallback xmlns="">
           <p:sp>
             <p:nvSpPr>
               <p:cNvPr id="18" name="TextBox 17">
@@ -5219,8 +5214,8 @@
           </p:sp>
         </mc:Fallback>
       </mc:AlternateContent>
-      <mc:AlternateContent xmlns:mc="http://schemas.openxmlformats.org/markup-compatibility/2006">
-        <mc:Choice xmlns:a14="http://schemas.microsoft.com/office/drawing/2010/main" Requires="a14">
+      <mc:AlternateContent xmlns:mc="http://schemas.openxmlformats.org/markup-compatibility/2006" xmlns:a14="http://schemas.microsoft.com/office/drawing/2010/main">
+        <mc:Choice Requires="a14">
           <p:sp>
             <p:nvSpPr>
               <p:cNvPr id="32" name="TextBox 31">
@@ -5373,7 +5368,7 @@
             </p:txBody>
           </p:sp>
         </mc:Choice>
-        <mc:Fallback>
+        <mc:Fallback xmlns="">
           <p:sp>
             <p:nvSpPr>
               <p:cNvPr id="32" name="TextBox 31">
@@ -5798,8 +5793,8 @@
             <a:chExt cx="3202537" cy="1868928"/>
           </a:xfrm>
         </p:grpSpPr>
-        <mc:AlternateContent xmlns:mc="http://schemas.openxmlformats.org/markup-compatibility/2006">
-          <mc:Choice xmlns:a14="http://schemas.microsoft.com/office/drawing/2010/main" Requires="a14">
+        <mc:AlternateContent xmlns:mc="http://schemas.openxmlformats.org/markup-compatibility/2006" xmlns:a14="http://schemas.microsoft.com/office/drawing/2010/main">
+          <mc:Choice Requires="a14">
             <p:sp>
               <p:nvSpPr>
                 <p:cNvPr id="21" name="TextBox 20">
@@ -5886,7 +5881,7 @@
               </p:txBody>
             </p:sp>
           </mc:Choice>
-          <mc:Fallback>
+          <mc:Fallback xmlns="">
             <p:sp>
               <p:nvSpPr>
                 <p:cNvPr id="21" name="TextBox 20">
@@ -6192,8 +6187,8 @@
             </a:p>
           </p:txBody>
         </p:sp>
-        <mc:AlternateContent xmlns:mc="http://schemas.openxmlformats.org/markup-compatibility/2006">
-          <mc:Choice xmlns:a14="http://schemas.microsoft.com/office/drawing/2010/main" Requires="a14">
+        <mc:AlternateContent xmlns:mc="http://schemas.openxmlformats.org/markup-compatibility/2006" xmlns:a14="http://schemas.microsoft.com/office/drawing/2010/main">
+          <mc:Choice Requires="a14">
             <p:sp>
               <p:nvSpPr>
                 <p:cNvPr id="14" name="TextBox 13">
@@ -6355,7 +6350,7 @@
               </p:txBody>
             </p:sp>
           </mc:Choice>
-          <mc:Fallback>
+          <mc:Fallback xmlns="">
             <p:sp>
               <p:nvSpPr>
                 <p:cNvPr id="14" name="TextBox 13">
@@ -6765,8 +6760,8 @@
           </a:p>
         </p:txBody>
       </p:sp>
-      <mc:AlternateContent xmlns:mc="http://schemas.openxmlformats.org/markup-compatibility/2006">
-        <mc:Choice xmlns:a14="http://schemas.microsoft.com/office/drawing/2010/main" Requires="a14">
+      <mc:AlternateContent xmlns:mc="http://schemas.openxmlformats.org/markup-compatibility/2006" xmlns:a14="http://schemas.microsoft.com/office/drawing/2010/main">
+        <mc:Choice Requires="a14">
           <p:sp>
             <p:nvSpPr>
               <p:cNvPr id="3" name="TextBox 2">
@@ -7591,7 +7586,7 @@
             </p:txBody>
           </p:sp>
         </mc:Choice>
-        <mc:Fallback>
+        <mc:Fallback xmlns="">
           <p:sp>
             <p:nvSpPr>
               <p:cNvPr id="3" name="TextBox 2">
@@ -7641,8 +7636,8 @@
           </p:sp>
         </mc:Fallback>
       </mc:AlternateContent>
-      <mc:AlternateContent xmlns:mc="http://schemas.openxmlformats.org/markup-compatibility/2006">
-        <mc:Choice xmlns:a14="http://schemas.microsoft.com/office/drawing/2010/main" Requires="a14">
+      <mc:AlternateContent xmlns:mc="http://schemas.openxmlformats.org/markup-compatibility/2006" xmlns:a14="http://schemas.microsoft.com/office/drawing/2010/main">
+        <mc:Choice Requires="a14">
           <p:sp>
             <p:nvSpPr>
               <p:cNvPr id="5" name="TextBox 4">
@@ -9138,7 +9133,7 @@
             </p:txBody>
           </p:sp>
         </mc:Choice>
-        <mc:Fallback>
+        <mc:Fallback xmlns="">
           <p:sp>
             <p:nvSpPr>
               <p:cNvPr id="5" name="TextBox 4">
@@ -9188,8 +9183,8 @@
           </p:sp>
         </mc:Fallback>
       </mc:AlternateContent>
-      <mc:AlternateContent xmlns:mc="http://schemas.openxmlformats.org/markup-compatibility/2006">
-        <mc:Choice xmlns:a14="http://schemas.microsoft.com/office/drawing/2010/main" Requires="a14">
+      <mc:AlternateContent xmlns:mc="http://schemas.openxmlformats.org/markup-compatibility/2006" xmlns:a14="http://schemas.microsoft.com/office/drawing/2010/main">
+        <mc:Choice Requires="a14">
           <p:sp>
             <p:nvSpPr>
               <p:cNvPr id="7" name="TextBox 6">
@@ -9513,7 +9508,9 @@
                           </m:dPr>
                           <m:e>
                             <m:r>
-                              <a:rPr lang="en-US" sz="1400"/>
+                              <a:rPr lang="en-US" sz="1400">
+                                <a:latin typeface="Cambria Math" panose="02040503050406030204" pitchFamily="18" charset="0"/>
+                              </a:rPr>
                               <m:t>​</m:t>
                             </m:r>
                           </m:e>
@@ -10282,7 +10279,7 @@
             </p:txBody>
           </p:sp>
         </mc:Choice>
-        <mc:Fallback>
+        <mc:Fallback xmlns="">
           <p:sp>
             <p:nvSpPr>
               <p:cNvPr id="7" name="TextBox 6">
@@ -10397,8 +10394,8 @@
           </a:p>
         </p:txBody>
       </p:sp>
-      <mc:AlternateContent xmlns:mc="http://schemas.openxmlformats.org/markup-compatibility/2006">
-        <mc:Choice xmlns:a14="http://schemas.microsoft.com/office/drawing/2010/main" Requires="a14">
+      <mc:AlternateContent xmlns:mc="http://schemas.openxmlformats.org/markup-compatibility/2006" xmlns:a14="http://schemas.microsoft.com/office/drawing/2010/main">
+        <mc:Choice Requires="a14">
           <p:sp>
             <p:nvSpPr>
               <p:cNvPr id="3" name="TextBox 2">
@@ -11242,7 +11239,7 @@
             </p:txBody>
           </p:sp>
         </mc:Choice>
-        <mc:Fallback>
+        <mc:Fallback xmlns="">
           <p:sp>
             <p:nvSpPr>
               <p:cNvPr id="3" name="TextBox 2">
@@ -11292,8 +11289,8 @@
           </p:sp>
         </mc:Fallback>
       </mc:AlternateContent>
-      <mc:AlternateContent xmlns:mc="http://schemas.openxmlformats.org/markup-compatibility/2006">
-        <mc:Choice xmlns:a14="http://schemas.microsoft.com/office/drawing/2010/main" Requires="a14">
+      <mc:AlternateContent xmlns:mc="http://schemas.openxmlformats.org/markup-compatibility/2006" xmlns:a14="http://schemas.microsoft.com/office/drawing/2010/main">
+        <mc:Choice Requires="a14">
           <p:sp>
             <p:nvSpPr>
               <p:cNvPr id="5" name="TextBox 4">
@@ -12129,7 +12126,7 @@
             </p:txBody>
           </p:sp>
         </mc:Choice>
-        <mc:Fallback>
+        <mc:Fallback xmlns="">
           <p:sp>
             <p:nvSpPr>
               <p:cNvPr id="5" name="TextBox 4">
@@ -12179,8 +12176,8 @@
           </p:sp>
         </mc:Fallback>
       </mc:AlternateContent>
-      <mc:AlternateContent xmlns:mc="http://schemas.openxmlformats.org/markup-compatibility/2006">
-        <mc:Choice xmlns:a14="http://schemas.microsoft.com/office/drawing/2010/main" Requires="a14">
+      <mc:AlternateContent xmlns:mc="http://schemas.openxmlformats.org/markup-compatibility/2006" xmlns:a14="http://schemas.microsoft.com/office/drawing/2010/main">
+        <mc:Choice Requires="a14">
           <p:sp>
             <p:nvSpPr>
               <p:cNvPr id="7" name="TextBox 6">
@@ -12408,7 +12405,9 @@
                           </m:dPr>
                           <m:e>
                             <m:r>
-                              <a:rPr lang="en-US" sz="1600"/>
+                              <a:rPr lang="en-US" sz="1600">
+                                <a:latin typeface="Cambria Math" panose="02040503050406030204" pitchFamily="18" charset="0"/>
+                              </a:rPr>
                               <m:t>​</m:t>
                             </m:r>
                           </m:e>
@@ -13056,7 +13055,7 @@
             </p:txBody>
           </p:sp>
         </mc:Choice>
-        <mc:Fallback>
+        <mc:Fallback xmlns="">
           <p:sp>
             <p:nvSpPr>
               <p:cNvPr id="7" name="TextBox 6">
@@ -15999,6 +15998,3100 @@
 </p:sld>
 </file>
 
+<file path=ppt/slides/slide5.xml><?xml version="1.0" encoding="utf-8"?>
+<p:sld xmlns:a="http://schemas.openxmlformats.org/drawingml/2006/main" xmlns:r="http://schemas.openxmlformats.org/officeDocument/2006/relationships" xmlns:p="http://schemas.openxmlformats.org/presentationml/2006/main">
+  <p:cSld>
+    <p:spTree>
+      <p:nvGrpSpPr>
+        <p:cNvPr id="1" name=""/>
+        <p:cNvGrpSpPr/>
+        <p:nvPr/>
+      </p:nvGrpSpPr>
+      <p:grpSpPr>
+        <a:xfrm>
+          <a:off x="0" y="0"/>
+          <a:ext cx="0" cy="0"/>
+          <a:chOff x="0" y="0"/>
+          <a:chExt cx="0" cy="0"/>
+        </a:xfrm>
+      </p:grpSpPr>
+      <p:sp>
+        <p:nvSpPr>
+          <p:cNvPr id="2" name="TextBox 1">
+            <a:extLst>
+              <a:ext uri="{FF2B5EF4-FFF2-40B4-BE49-F238E27FC236}">
+                <a16:creationId xmlns:a16="http://schemas.microsoft.com/office/drawing/2014/main" id="{08529FE1-B5E9-7AF4-8140-09440796D611}"/>
+              </a:ext>
+            </a:extLst>
+          </p:cNvPr>
+          <p:cNvSpPr txBox="1"/>
+          <p:nvPr/>
+        </p:nvSpPr>
+        <p:spPr>
+          <a:xfrm>
+            <a:off x="6597446" y="182103"/>
+            <a:ext cx="1192955" cy="400110"/>
+          </a:xfrm>
+          <a:prstGeom prst="rect">
+            <a:avLst/>
+          </a:prstGeom>
+          <a:noFill/>
+        </p:spPr>
+        <p:txBody>
+          <a:bodyPr wrap="none" rtlCol="0">
+            <a:spAutoFit/>
+          </a:bodyPr>
+          <a:lstStyle/>
+          <a:p>
+            <a:r>
+              <a:rPr lang="en-US" sz="2000" b="1" dirty="0"/>
+              <a:t>CAA_USR</a:t>
+            </a:r>
+          </a:p>
+        </p:txBody>
+      </p:sp>
+      <p:sp>
+        <p:nvSpPr>
+          <p:cNvPr id="4" name="TextBox 3">
+            <a:extLst>
+              <a:ext uri="{FF2B5EF4-FFF2-40B4-BE49-F238E27FC236}">
+                <a16:creationId xmlns:a16="http://schemas.microsoft.com/office/drawing/2014/main" id="{2A9F7BD4-2174-0903-B362-F72B66720D74}"/>
+              </a:ext>
+            </a:extLst>
+          </p:cNvPr>
+          <p:cNvSpPr txBox="1"/>
+          <p:nvPr/>
+        </p:nvSpPr>
+        <p:spPr>
+          <a:xfrm>
+            <a:off x="6910027" y="665616"/>
+            <a:ext cx="2487540" cy="954107"/>
+          </a:xfrm>
+          <a:prstGeom prst="rect">
+            <a:avLst/>
+          </a:prstGeom>
+          <a:noFill/>
+        </p:spPr>
+        <p:txBody>
+          <a:bodyPr wrap="none" rtlCol="0">
+            <a:spAutoFit/>
+          </a:bodyPr>
+          <a:lstStyle/>
+          <a:p>
+            <a:r>
+              <a:rPr lang="en-US" sz="1400" dirty="0" err="1"/>
+              <a:t>Base_Data_Folder</a:t>
+            </a:r>
+            <a:endParaRPr lang="en-US" sz="1400" dirty="0"/>
+          </a:p>
+          <a:p>
+            <a:r>
+              <a:rPr lang="en-US" sz="1400" dirty="0" err="1"/>
+              <a:t>Current_working_Folder</a:t>
+            </a:r>
+            <a:endParaRPr lang="en-US" sz="1400" dirty="0"/>
+          </a:p>
+          <a:p>
+            <a:r>
+              <a:rPr lang="en-US" sz="1400" dirty="0" err="1"/>
+              <a:t>WeightingFile_title</a:t>
+            </a:r>
+            <a:r>
+              <a:rPr lang="en-US" sz="1400" dirty="0"/>
+              <a:t>() as string</a:t>
+            </a:r>
+          </a:p>
+          <a:p>
+            <a:r>
+              <a:rPr lang="en-US" sz="1400" dirty="0" err="1"/>
+              <a:t>WeightingFile_name</a:t>
+            </a:r>
+            <a:r>
+              <a:rPr lang="en-US" sz="1400" dirty="0"/>
+              <a:t>() as string</a:t>
+            </a:r>
+          </a:p>
+        </p:txBody>
+      </p:sp>
+      <p:grpSp>
+        <p:nvGrpSpPr>
+          <p:cNvPr id="9" name="Group 8">
+            <a:extLst>
+              <a:ext uri="{FF2B5EF4-FFF2-40B4-BE49-F238E27FC236}">
+                <a16:creationId xmlns:a16="http://schemas.microsoft.com/office/drawing/2014/main" id="{0C4A766E-D77B-DCBC-3E37-9479FE7BA5DA}"/>
+              </a:ext>
+            </a:extLst>
+          </p:cNvPr>
+          <p:cNvGrpSpPr/>
+          <p:nvPr/>
+        </p:nvGrpSpPr>
+        <p:grpSpPr>
+          <a:xfrm>
+            <a:off x="9646547" y="0"/>
+            <a:ext cx="2426946" cy="1547849"/>
+            <a:chOff x="3934956" y="189787"/>
+            <a:chExt cx="2426946" cy="1547849"/>
+          </a:xfrm>
+        </p:grpSpPr>
+        <p:sp>
+          <p:nvSpPr>
+            <p:cNvPr id="6" name="TextBox 5">
+              <a:extLst>
+                <a:ext uri="{FF2B5EF4-FFF2-40B4-BE49-F238E27FC236}">
+                  <a16:creationId xmlns:a16="http://schemas.microsoft.com/office/drawing/2014/main" id="{357766B7-605B-75DA-EAD9-3A082381E8D3}"/>
+                </a:ext>
+              </a:extLst>
+            </p:cNvPr>
+            <p:cNvSpPr txBox="1"/>
+            <p:nvPr/>
+          </p:nvSpPr>
+          <p:spPr>
+            <a:xfrm>
+              <a:off x="3934956" y="189787"/>
+              <a:ext cx="2426946" cy="400110"/>
+            </a:xfrm>
+            <a:prstGeom prst="rect">
+              <a:avLst/>
+            </a:prstGeom>
+            <a:noFill/>
+          </p:spPr>
+          <p:txBody>
+            <a:bodyPr wrap="none" rtlCol="0">
+              <a:spAutoFit/>
+            </a:bodyPr>
+            <a:lstStyle/>
+            <a:p>
+              <a:r>
+                <a:rPr lang="en-US" sz="2000" b="1" dirty="0" err="1">
+                  <a:solidFill>
+                    <a:schemeClr val="accent4">
+                      <a:lumMod val="50000"/>
+                    </a:schemeClr>
+                  </a:solidFill>
+                </a:rPr>
+                <a:t>CAA_const_structure</a:t>
+              </a:r>
+              <a:endParaRPr lang="en-US" sz="2000" b="1" dirty="0">
+                <a:solidFill>
+                  <a:schemeClr val="accent4">
+                    <a:lumMod val="50000"/>
+                  </a:schemeClr>
+                </a:solidFill>
+              </a:endParaRPr>
+            </a:p>
+          </p:txBody>
+        </p:sp>
+        <p:sp>
+          <p:nvSpPr>
+            <p:cNvPr id="8" name="TextBox 7">
+              <a:extLst>
+                <a:ext uri="{FF2B5EF4-FFF2-40B4-BE49-F238E27FC236}">
+                  <a16:creationId xmlns:a16="http://schemas.microsoft.com/office/drawing/2014/main" id="{BAF9B5C6-F15D-3C85-6F16-CAA91B40FC34}"/>
+                </a:ext>
+              </a:extLst>
+            </p:cNvPr>
+            <p:cNvSpPr txBox="1"/>
+            <p:nvPr/>
+          </p:nvSpPr>
+          <p:spPr>
+            <a:xfrm>
+              <a:off x="4280558" y="568085"/>
+              <a:ext cx="1996380" cy="1169551"/>
+            </a:xfrm>
+            <a:prstGeom prst="rect">
+              <a:avLst/>
+            </a:prstGeom>
+            <a:noFill/>
+          </p:spPr>
+          <p:txBody>
+            <a:bodyPr wrap="none" rtlCol="0">
+              <a:spAutoFit/>
+            </a:bodyPr>
+            <a:lstStyle/>
+            <a:p>
+              <a:r>
+                <a:rPr lang="en-US" sz="1400" dirty="0" err="1"/>
+                <a:t>CAA_copyright</a:t>
+              </a:r>
+              <a:endParaRPr lang="en-US" sz="1400" dirty="0"/>
+            </a:p>
+            <a:p>
+              <a:r>
+                <a:rPr lang="en-US" sz="1400" dirty="0" err="1"/>
+                <a:t>MultithreadSetting</a:t>
+              </a:r>
+              <a:endParaRPr lang="en-US" sz="1400" dirty="0"/>
+            </a:p>
+            <a:p>
+              <a:r>
+                <a:rPr lang="en-US" sz="1400" dirty="0" err="1"/>
+                <a:t>KeyWindowStartPosition</a:t>
+              </a:r>
+              <a:endParaRPr lang="en-US" sz="1400" dirty="0"/>
+            </a:p>
+            <a:p>
+              <a:r>
+                <a:rPr lang="en-US" sz="1400" dirty="0" err="1"/>
+                <a:t>CAA_const</a:t>
+              </a:r>
+              <a:endParaRPr lang="en-US" sz="1400" dirty="0"/>
+            </a:p>
+            <a:p>
+              <a:r>
+                <a:rPr lang="en-US" sz="1400" dirty="0"/>
+                <a:t>   </a:t>
+              </a:r>
+              <a:r>
+                <a:rPr lang="en-US" sz="1400" dirty="0" err="1"/>
+                <a:t>CAA_profile_name</a:t>
+              </a:r>
+              <a:endParaRPr lang="en-US" sz="1400" dirty="0"/>
+            </a:p>
+          </p:txBody>
+        </p:sp>
+      </p:grpSp>
+      <p:sp>
+        <p:nvSpPr>
+          <p:cNvPr id="11" name="TextBox 10">
+            <a:extLst>
+              <a:ext uri="{FF2B5EF4-FFF2-40B4-BE49-F238E27FC236}">
+                <a16:creationId xmlns:a16="http://schemas.microsoft.com/office/drawing/2014/main" id="{CB48FEDB-38CC-7B87-4CCD-9F5FE0CC0F26}"/>
+              </a:ext>
+            </a:extLst>
+          </p:cNvPr>
+          <p:cNvSpPr txBox="1"/>
+          <p:nvPr/>
+        </p:nvSpPr>
+        <p:spPr>
+          <a:xfrm>
+            <a:off x="9642766" y="3510807"/>
+            <a:ext cx="1678665" cy="400110"/>
+          </a:xfrm>
+          <a:prstGeom prst="rect">
+            <a:avLst/>
+          </a:prstGeom>
+          <a:noFill/>
+        </p:spPr>
+        <p:txBody>
+          <a:bodyPr wrap="none" rtlCol="0">
+            <a:spAutoFit/>
+          </a:bodyPr>
+          <a:lstStyle/>
+          <a:p>
+            <a:r>
+              <a:rPr lang="en-US" sz="2000" b="1" dirty="0"/>
+              <a:t>Some lib/</a:t>
+            </a:r>
+            <a:r>
+              <a:rPr lang="en-US" sz="2000" b="1" dirty="0" err="1"/>
+              <a:t>func</a:t>
+            </a:r>
+            <a:endParaRPr lang="en-US" sz="2000" b="1" dirty="0"/>
+          </a:p>
+        </p:txBody>
+      </p:sp>
+      <p:sp>
+        <p:nvSpPr>
+          <p:cNvPr id="13" name="TextBox 12">
+            <a:extLst>
+              <a:ext uri="{FF2B5EF4-FFF2-40B4-BE49-F238E27FC236}">
+                <a16:creationId xmlns:a16="http://schemas.microsoft.com/office/drawing/2014/main" id="{DFC60B8A-8D6C-CCE3-4AE9-36087D91C827}"/>
+              </a:ext>
+            </a:extLst>
+          </p:cNvPr>
+          <p:cNvSpPr txBox="1"/>
+          <p:nvPr/>
+        </p:nvSpPr>
+        <p:spPr>
+          <a:xfrm>
+            <a:off x="10030692" y="3862026"/>
+            <a:ext cx="2321469" cy="738664"/>
+          </a:xfrm>
+          <a:prstGeom prst="rect">
+            <a:avLst/>
+          </a:prstGeom>
+          <a:noFill/>
+        </p:spPr>
+        <p:txBody>
+          <a:bodyPr wrap="none" rtlCol="0">
+            <a:spAutoFit/>
+          </a:bodyPr>
+          <a:lstStyle/>
+          <a:p>
+            <a:r>
+              <a:rPr lang="en-US" altLang="zh-TW" sz="1400" dirty="0" err="1"/>
+              <a:t>attachDateTimeSurfix</a:t>
+            </a:r>
+            <a:endParaRPr lang="en-US" altLang="zh-TW" sz="1400" dirty="0"/>
+          </a:p>
+          <a:p>
+            <a:r>
+              <a:rPr lang="en-US" sz="1400" dirty="0" err="1"/>
+              <a:t>CAA_JsonRW</a:t>
+            </a:r>
+            <a:r>
+              <a:rPr lang="en-US" sz="1400" dirty="0"/>
+              <a:t> : </a:t>
+            </a:r>
+            <a:r>
+              <a:rPr lang="en-US" sz="800" dirty="0"/>
+              <a:t>with indented </a:t>
+            </a:r>
+            <a:r>
+              <a:rPr lang="en-US" sz="800" dirty="0" err="1"/>
+              <a:t>json</a:t>
+            </a:r>
+            <a:r>
+              <a:rPr lang="en-US" sz="800" dirty="0"/>
+              <a:t> string</a:t>
+            </a:r>
+          </a:p>
+          <a:p>
+            <a:r>
+              <a:rPr lang="en-US" sz="1400" dirty="0"/>
+              <a:t>CALA</a:t>
+            </a:r>
+          </a:p>
+        </p:txBody>
+      </p:sp>
+      <p:sp>
+        <p:nvSpPr>
+          <p:cNvPr id="14" name="TextBox 13">
+            <a:extLst>
+              <a:ext uri="{FF2B5EF4-FFF2-40B4-BE49-F238E27FC236}">
+                <a16:creationId xmlns:a16="http://schemas.microsoft.com/office/drawing/2014/main" id="{4145FD48-0561-ECD1-CB4C-5E6F256BE4FE}"/>
+              </a:ext>
+            </a:extLst>
+          </p:cNvPr>
+          <p:cNvSpPr txBox="1"/>
+          <p:nvPr/>
+        </p:nvSpPr>
+        <p:spPr>
+          <a:xfrm>
+            <a:off x="7996265" y="1727104"/>
+            <a:ext cx="1757847" cy="430887"/>
+          </a:xfrm>
+          <a:prstGeom prst="rect">
+            <a:avLst/>
+          </a:prstGeom>
+          <a:noFill/>
+        </p:spPr>
+        <p:txBody>
+          <a:bodyPr wrap="square" rtlCol="0">
+            <a:spAutoFit/>
+          </a:bodyPr>
+          <a:lstStyle/>
+          <a:p>
+            <a:r>
+              <a:rPr lang="en-US" sz="1100" b="1" dirty="0">
+                <a:solidFill>
+                  <a:srgbClr val="C00000"/>
+                </a:solidFill>
+              </a:rPr>
+              <a:t>Each </a:t>
+            </a:r>
+            <a:r>
+              <a:rPr lang="en-US" sz="1100" b="1" dirty="0" err="1">
+                <a:solidFill>
+                  <a:srgbClr val="C00000"/>
+                </a:solidFill>
+              </a:rPr>
+              <a:t>setupfile</a:t>
+            </a:r>
+            <a:r>
+              <a:rPr lang="en-US" sz="1100" b="1" dirty="0">
+                <a:solidFill>
+                  <a:srgbClr val="C00000"/>
+                </a:solidFill>
+              </a:rPr>
+              <a:t> should be defined one by one</a:t>
+            </a:r>
+          </a:p>
+        </p:txBody>
+      </p:sp>
+      <p:sp>
+        <p:nvSpPr>
+          <p:cNvPr id="16" name="TextBox 15">
+            <a:extLst>
+              <a:ext uri="{FF2B5EF4-FFF2-40B4-BE49-F238E27FC236}">
+                <a16:creationId xmlns:a16="http://schemas.microsoft.com/office/drawing/2014/main" id="{0C0970BE-3791-F31D-867D-8795F7BCE6C2}"/>
+              </a:ext>
+            </a:extLst>
+          </p:cNvPr>
+          <p:cNvSpPr txBox="1"/>
+          <p:nvPr/>
+        </p:nvSpPr>
+        <p:spPr>
+          <a:xfrm>
+            <a:off x="9657330" y="1485231"/>
+            <a:ext cx="2144754" cy="400110"/>
+          </a:xfrm>
+          <a:prstGeom prst="rect">
+            <a:avLst/>
+          </a:prstGeom>
+          <a:noFill/>
+        </p:spPr>
+        <p:txBody>
+          <a:bodyPr wrap="none" rtlCol="0">
+            <a:spAutoFit/>
+          </a:bodyPr>
+          <a:lstStyle/>
+          <a:p>
+            <a:r>
+              <a:rPr lang="en-US" sz="2000" b="1" dirty="0" err="1">
+                <a:solidFill>
+                  <a:schemeClr val="accent4">
+                    <a:lumMod val="50000"/>
+                  </a:schemeClr>
+                </a:solidFill>
+              </a:rPr>
+              <a:t>CAA_general_func</a:t>
+            </a:r>
+            <a:endParaRPr lang="en-US" sz="2000" b="1" dirty="0">
+              <a:solidFill>
+                <a:schemeClr val="accent4">
+                  <a:lumMod val="50000"/>
+                </a:schemeClr>
+              </a:solidFill>
+            </a:endParaRPr>
+          </a:p>
+        </p:txBody>
+      </p:sp>
+      <p:sp>
+        <p:nvSpPr>
+          <p:cNvPr id="18" name="TextBox 17">
+            <a:extLst>
+              <a:ext uri="{FF2B5EF4-FFF2-40B4-BE49-F238E27FC236}">
+                <a16:creationId xmlns:a16="http://schemas.microsoft.com/office/drawing/2014/main" id="{171EDA48-E46C-B68E-60FF-3A830155F0EF}"/>
+              </a:ext>
+            </a:extLst>
+          </p:cNvPr>
+          <p:cNvSpPr txBox="1"/>
+          <p:nvPr/>
+        </p:nvSpPr>
+        <p:spPr>
+          <a:xfrm>
+            <a:off x="6611062" y="396245"/>
+            <a:ext cx="1550424" cy="400110"/>
+          </a:xfrm>
+          <a:prstGeom prst="rect">
+            <a:avLst/>
+          </a:prstGeom>
+          <a:noFill/>
+        </p:spPr>
+        <p:txBody>
+          <a:bodyPr wrap="none" rtlCol="0">
+            <a:spAutoFit/>
+          </a:bodyPr>
+          <a:lstStyle/>
+          <a:p>
+            <a:r>
+              <a:rPr lang="en-US" sz="2000" b="1" i="1" dirty="0">
+                <a:solidFill>
+                  <a:schemeClr val="accent6">
+                    <a:lumMod val="50000"/>
+                  </a:schemeClr>
+                </a:solidFill>
+              </a:rPr>
+              <a:t>CAA_USR_UI</a:t>
+            </a:r>
+          </a:p>
+        </p:txBody>
+      </p:sp>
+      <p:sp>
+        <p:nvSpPr>
+          <p:cNvPr id="20" name="TextBox 19">
+            <a:extLst>
+              <a:ext uri="{FF2B5EF4-FFF2-40B4-BE49-F238E27FC236}">
+                <a16:creationId xmlns:a16="http://schemas.microsoft.com/office/drawing/2014/main" id="{F4146FF3-E890-57DE-6544-9C8072F5524B}"/>
+              </a:ext>
+            </a:extLst>
+          </p:cNvPr>
+          <p:cNvSpPr txBox="1"/>
+          <p:nvPr/>
+        </p:nvSpPr>
+        <p:spPr>
+          <a:xfrm>
+            <a:off x="192688" y="222300"/>
+            <a:ext cx="1508746" cy="400110"/>
+          </a:xfrm>
+          <a:prstGeom prst="rect">
+            <a:avLst/>
+          </a:prstGeom>
+          <a:noFill/>
+        </p:spPr>
+        <p:txBody>
+          <a:bodyPr wrap="none" rtlCol="0">
+            <a:spAutoFit/>
+          </a:bodyPr>
+          <a:lstStyle/>
+          <a:p>
+            <a:r>
+              <a:rPr lang="en-US" sz="2000" b="1" dirty="0"/>
+              <a:t>CAA_ORDER</a:t>
+            </a:r>
+          </a:p>
+        </p:txBody>
+      </p:sp>
+      <p:sp>
+        <p:nvSpPr>
+          <p:cNvPr id="22" name="TextBox 21">
+            <a:extLst>
+              <a:ext uri="{FF2B5EF4-FFF2-40B4-BE49-F238E27FC236}">
+                <a16:creationId xmlns:a16="http://schemas.microsoft.com/office/drawing/2014/main" id="{784AEE5D-8D81-3799-FBD2-48142129EC53}"/>
+              </a:ext>
+            </a:extLst>
+          </p:cNvPr>
+          <p:cNvSpPr txBox="1"/>
+          <p:nvPr/>
+        </p:nvSpPr>
+        <p:spPr>
+          <a:xfrm>
+            <a:off x="756252" y="486313"/>
+            <a:ext cx="1823641" cy="338554"/>
+          </a:xfrm>
+          <a:prstGeom prst="rect">
+            <a:avLst/>
+          </a:prstGeom>
+          <a:noFill/>
+        </p:spPr>
+        <p:txBody>
+          <a:bodyPr wrap="none" rtlCol="0">
+            <a:spAutoFit/>
+          </a:bodyPr>
+          <a:lstStyle/>
+          <a:p>
+            <a:r>
+              <a:rPr lang="en-US" sz="1600" dirty="0"/>
+              <a:t>Implemented as OR</a:t>
+            </a:r>
+          </a:p>
+        </p:txBody>
+      </p:sp>
+      <p:sp>
+        <p:nvSpPr>
+          <p:cNvPr id="24" name="TextBox 23">
+            <a:extLst>
+              <a:ext uri="{FF2B5EF4-FFF2-40B4-BE49-F238E27FC236}">
+                <a16:creationId xmlns:a16="http://schemas.microsoft.com/office/drawing/2014/main" id="{A8AE0917-D32B-2A7F-31B1-7A1D6509C03B}"/>
+              </a:ext>
+            </a:extLst>
+          </p:cNvPr>
+          <p:cNvSpPr txBox="1"/>
+          <p:nvPr/>
+        </p:nvSpPr>
+        <p:spPr>
+          <a:xfrm>
+            <a:off x="552419" y="704320"/>
+            <a:ext cx="824265" cy="400110"/>
+          </a:xfrm>
+          <a:prstGeom prst="rect">
+            <a:avLst/>
+          </a:prstGeom>
+          <a:noFill/>
+        </p:spPr>
+        <p:txBody>
+          <a:bodyPr wrap="none" rtlCol="0">
+            <a:spAutoFit/>
+          </a:bodyPr>
+          <a:lstStyle/>
+          <a:p>
+            <a:r>
+              <a:rPr lang="en-US" sz="2000" dirty="0"/>
+              <a:t>ORD()</a:t>
+            </a:r>
+          </a:p>
+        </p:txBody>
+      </p:sp>
+      <p:grpSp>
+        <p:nvGrpSpPr>
+          <p:cNvPr id="42" name="Group 41">
+            <a:extLst>
+              <a:ext uri="{FF2B5EF4-FFF2-40B4-BE49-F238E27FC236}">
+                <a16:creationId xmlns:a16="http://schemas.microsoft.com/office/drawing/2014/main" id="{CB1109F7-6680-BC0E-CA38-F270EBCC6A90}"/>
+              </a:ext>
+            </a:extLst>
+          </p:cNvPr>
+          <p:cNvGrpSpPr/>
+          <p:nvPr/>
+        </p:nvGrpSpPr>
+        <p:grpSpPr>
+          <a:xfrm>
+            <a:off x="528253" y="3053843"/>
+            <a:ext cx="1670201" cy="569387"/>
+            <a:chOff x="557955" y="4552675"/>
+            <a:chExt cx="1670201" cy="569387"/>
+          </a:xfrm>
+        </p:grpSpPr>
+        <p:sp>
+          <p:nvSpPr>
+            <p:cNvPr id="28" name="TextBox 27">
+              <a:extLst>
+                <a:ext uri="{FF2B5EF4-FFF2-40B4-BE49-F238E27FC236}">
+                  <a16:creationId xmlns:a16="http://schemas.microsoft.com/office/drawing/2014/main" id="{4B64A48D-6346-95AA-113A-F4A42A38CD82}"/>
+                </a:ext>
+              </a:extLst>
+            </p:cNvPr>
+            <p:cNvSpPr txBox="1"/>
+            <p:nvPr/>
+          </p:nvSpPr>
+          <p:spPr>
+            <a:xfrm>
+              <a:off x="557955" y="4552675"/>
+              <a:ext cx="1670201" cy="400110"/>
+            </a:xfrm>
+            <a:prstGeom prst="rect">
+              <a:avLst/>
+            </a:prstGeom>
+            <a:noFill/>
+          </p:spPr>
+          <p:txBody>
+            <a:bodyPr wrap="none" rtlCol="0">
+              <a:spAutoFit/>
+            </a:bodyPr>
+            <a:lstStyle/>
+            <a:p>
+              <a:r>
+                <a:rPr lang="en-US" sz="2000" b="1" dirty="0"/>
+                <a:t>SP </a:t>
+              </a:r>
+              <a:r>
+                <a:rPr lang="en-US" sz="1600" dirty="0"/>
+                <a:t>(specification)</a:t>
+              </a:r>
+              <a:endParaRPr lang="en-US" sz="2000" dirty="0"/>
+            </a:p>
+          </p:txBody>
+        </p:sp>
+        <p:sp>
+          <p:nvSpPr>
+            <p:cNvPr id="30" name="TextBox 29">
+              <a:extLst>
+                <a:ext uri="{FF2B5EF4-FFF2-40B4-BE49-F238E27FC236}">
+                  <a16:creationId xmlns:a16="http://schemas.microsoft.com/office/drawing/2014/main" id="{9AAA2CCE-91E1-A993-02EF-B5AC795623E3}"/>
+                </a:ext>
+              </a:extLst>
+            </p:cNvPr>
+            <p:cNvSpPr txBox="1"/>
+            <p:nvPr/>
+          </p:nvSpPr>
+          <p:spPr>
+            <a:xfrm>
+              <a:off x="798138" y="4814285"/>
+              <a:ext cx="1297086" cy="307777"/>
+            </a:xfrm>
+            <a:prstGeom prst="rect">
+              <a:avLst/>
+            </a:prstGeom>
+            <a:noFill/>
+          </p:spPr>
+          <p:txBody>
+            <a:bodyPr wrap="none" rtlCol="0">
+              <a:spAutoFit/>
+            </a:bodyPr>
+            <a:lstStyle/>
+            <a:p>
+              <a:r>
+                <a:rPr lang="en-US" sz="1400" dirty="0"/>
+                <a:t>ART, SZ, MJ, CO</a:t>
+              </a:r>
+            </a:p>
+          </p:txBody>
+        </p:sp>
+      </p:grpSp>
+      <p:sp>
+        <p:nvSpPr>
+          <p:cNvPr id="34" name="TextBox 33">
+            <a:extLst>
+              <a:ext uri="{FF2B5EF4-FFF2-40B4-BE49-F238E27FC236}">
+                <a16:creationId xmlns:a16="http://schemas.microsoft.com/office/drawing/2014/main" id="{5A3CD777-B6C5-9C74-6C7B-FCB5A1C87134}"/>
+              </a:ext>
+            </a:extLst>
+          </p:cNvPr>
+          <p:cNvSpPr txBox="1"/>
+          <p:nvPr/>
+        </p:nvSpPr>
+        <p:spPr>
+          <a:xfrm>
+            <a:off x="497245" y="988687"/>
+            <a:ext cx="1550424" cy="1169551"/>
+          </a:xfrm>
+          <a:prstGeom prst="rect">
+            <a:avLst/>
+          </a:prstGeom>
+          <a:noFill/>
+        </p:spPr>
+        <p:txBody>
+          <a:bodyPr wrap="none" rtlCol="0">
+            <a:spAutoFit/>
+          </a:bodyPr>
+          <a:lstStyle/>
+          <a:p>
+            <a:r>
+              <a:rPr lang="en-US" sz="1400" dirty="0">
+                <a:solidFill>
+                  <a:schemeClr val="accent1">
+                    <a:lumMod val="50000"/>
+                  </a:schemeClr>
+                </a:solidFill>
+              </a:rPr>
+              <a:t>.</a:t>
+            </a:r>
+            <a:r>
+              <a:rPr lang="en-US" sz="1400" dirty="0" err="1">
+                <a:solidFill>
+                  <a:schemeClr val="accent1">
+                    <a:lumMod val="50000"/>
+                  </a:schemeClr>
+                </a:solidFill>
+              </a:rPr>
+              <a:t>import_OrderFile</a:t>
+            </a:r>
+            <a:endParaRPr lang="en-US" sz="1400" dirty="0">
+              <a:solidFill>
+                <a:schemeClr val="accent1">
+                  <a:lumMod val="50000"/>
+                </a:schemeClr>
+              </a:solidFill>
+            </a:endParaRPr>
+          </a:p>
+          <a:p>
+            <a:r>
+              <a:rPr lang="en-US" sz="1400" dirty="0">
+                <a:solidFill>
+                  <a:schemeClr val="accent1">
+                    <a:lumMod val="50000"/>
+                  </a:schemeClr>
+                </a:solidFill>
+              </a:rPr>
+              <a:t>.</a:t>
+            </a:r>
+            <a:r>
+              <a:rPr lang="en-US" sz="1400" dirty="0" err="1">
+                <a:solidFill>
+                  <a:schemeClr val="accent1">
+                    <a:lumMod val="50000"/>
+                  </a:schemeClr>
+                </a:solidFill>
+              </a:rPr>
+              <a:t>assign_Price</a:t>
+            </a:r>
+            <a:endParaRPr lang="en-US" sz="1400" dirty="0">
+              <a:solidFill>
+                <a:schemeClr val="accent1">
+                  <a:lumMod val="50000"/>
+                </a:schemeClr>
+              </a:solidFill>
+            </a:endParaRPr>
+          </a:p>
+          <a:p>
+            <a:r>
+              <a:rPr lang="en-US" sz="1400" dirty="0">
+                <a:solidFill>
+                  <a:schemeClr val="accent1">
+                    <a:lumMod val="50000"/>
+                  </a:schemeClr>
+                </a:solidFill>
+              </a:rPr>
+              <a:t>.</a:t>
+            </a:r>
+            <a:r>
+              <a:rPr lang="en-US" sz="1400" dirty="0" err="1">
+                <a:solidFill>
+                  <a:schemeClr val="accent1">
+                    <a:lumMod val="50000"/>
+                  </a:schemeClr>
+                </a:solidFill>
+              </a:rPr>
+              <a:t>update_Order</a:t>
+            </a:r>
+            <a:r>
+              <a:rPr lang="en-US" sz="1400" dirty="0">
+                <a:solidFill>
+                  <a:schemeClr val="accent1">
+                    <a:lumMod val="50000"/>
+                  </a:schemeClr>
+                </a:solidFill>
+              </a:rPr>
+              <a:t> </a:t>
+            </a:r>
+          </a:p>
+          <a:p>
+            <a:r>
+              <a:rPr lang="en-US" sz="1400" dirty="0">
+                <a:solidFill>
+                  <a:schemeClr val="accent1">
+                    <a:lumMod val="50000"/>
+                  </a:schemeClr>
+                </a:solidFill>
+              </a:rPr>
+              <a:t>.</a:t>
+            </a:r>
+            <a:r>
+              <a:rPr lang="en-US" sz="1400" dirty="0" err="1">
+                <a:solidFill>
+                  <a:schemeClr val="accent1">
+                    <a:lumMod val="50000"/>
+                  </a:schemeClr>
+                </a:solidFill>
+              </a:rPr>
+              <a:t>export_ORDER</a:t>
+            </a:r>
+            <a:endParaRPr lang="en-US" sz="1400" dirty="0">
+              <a:solidFill>
+                <a:schemeClr val="accent1">
+                  <a:lumMod val="50000"/>
+                </a:schemeClr>
+              </a:solidFill>
+            </a:endParaRPr>
+          </a:p>
+          <a:p>
+            <a:r>
+              <a:rPr lang="en-US" sz="1400" dirty="0">
+                <a:solidFill>
+                  <a:schemeClr val="accent1">
+                    <a:lumMod val="50000"/>
+                  </a:schemeClr>
+                </a:solidFill>
+              </a:rPr>
+              <a:t>.</a:t>
+            </a:r>
+            <a:r>
+              <a:rPr lang="en-US" sz="1400" dirty="0" err="1">
+                <a:solidFill>
+                  <a:schemeClr val="accent1">
+                    <a:lumMod val="50000"/>
+                  </a:schemeClr>
+                </a:solidFill>
+              </a:rPr>
+              <a:t>import_ORDER</a:t>
+            </a:r>
+            <a:endParaRPr lang="en-US" sz="1400" dirty="0">
+              <a:solidFill>
+                <a:schemeClr val="accent1">
+                  <a:lumMod val="50000"/>
+                </a:schemeClr>
+              </a:solidFill>
+            </a:endParaRPr>
+          </a:p>
+        </p:txBody>
+      </p:sp>
+      <p:grpSp>
+        <p:nvGrpSpPr>
+          <p:cNvPr id="41" name="Group 40">
+            <a:extLst>
+              <a:ext uri="{FF2B5EF4-FFF2-40B4-BE49-F238E27FC236}">
+                <a16:creationId xmlns:a16="http://schemas.microsoft.com/office/drawing/2014/main" id="{4ECC54D0-FAC8-CE5B-C27A-BF89CC9EBEF3}"/>
+              </a:ext>
+            </a:extLst>
+          </p:cNvPr>
+          <p:cNvGrpSpPr/>
+          <p:nvPr/>
+        </p:nvGrpSpPr>
+        <p:grpSpPr>
+          <a:xfrm>
+            <a:off x="538587" y="2125229"/>
+            <a:ext cx="1378967" cy="1023085"/>
+            <a:chOff x="568791" y="3518028"/>
+            <a:chExt cx="1378967" cy="1023085"/>
+          </a:xfrm>
+        </p:grpSpPr>
+        <p:sp>
+          <p:nvSpPr>
+            <p:cNvPr id="38" name="TextBox 37">
+              <a:extLst>
+                <a:ext uri="{FF2B5EF4-FFF2-40B4-BE49-F238E27FC236}">
+                  <a16:creationId xmlns:a16="http://schemas.microsoft.com/office/drawing/2014/main" id="{6249B7B5-D3A3-8C25-31D8-C5E7EEAF56AF}"/>
+                </a:ext>
+              </a:extLst>
+            </p:cNvPr>
+            <p:cNvSpPr txBox="1"/>
+            <p:nvPr/>
+          </p:nvSpPr>
+          <p:spPr>
+            <a:xfrm>
+              <a:off x="568791" y="3518028"/>
+              <a:ext cx="1378967" cy="400110"/>
+            </a:xfrm>
+            <a:prstGeom prst="rect">
+              <a:avLst/>
+            </a:prstGeom>
+            <a:noFill/>
+          </p:spPr>
+          <p:txBody>
+            <a:bodyPr wrap="none" rtlCol="0">
+              <a:spAutoFit/>
+            </a:bodyPr>
+            <a:lstStyle/>
+            <a:p>
+              <a:r>
+                <a:rPr lang="en-US" sz="2000" b="1" dirty="0"/>
+                <a:t>ORD </a:t>
+              </a:r>
+              <a:r>
+                <a:rPr lang="en-US" dirty="0"/>
+                <a:t>(order)</a:t>
+              </a:r>
+            </a:p>
+          </p:txBody>
+        </p:sp>
+        <p:sp>
+          <p:nvSpPr>
+            <p:cNvPr id="40" name="TextBox 39">
+              <a:extLst>
+                <a:ext uri="{FF2B5EF4-FFF2-40B4-BE49-F238E27FC236}">
+                  <a16:creationId xmlns:a16="http://schemas.microsoft.com/office/drawing/2014/main" id="{A6650091-6240-8B26-82E7-1684190ADE49}"/>
+                </a:ext>
+              </a:extLst>
+            </p:cNvPr>
+            <p:cNvSpPr txBox="1"/>
+            <p:nvPr/>
+          </p:nvSpPr>
+          <p:spPr>
+            <a:xfrm>
+              <a:off x="900773" y="3802449"/>
+              <a:ext cx="405880" cy="738664"/>
+            </a:xfrm>
+            <a:prstGeom prst="rect">
+              <a:avLst/>
+            </a:prstGeom>
+            <a:noFill/>
+          </p:spPr>
+          <p:txBody>
+            <a:bodyPr wrap="none" rtlCol="0">
+              <a:spAutoFit/>
+            </a:bodyPr>
+            <a:lstStyle/>
+            <a:p>
+              <a:r>
+                <a:rPr lang="en-US" sz="1400" dirty="0"/>
+                <a:t>SP</a:t>
+              </a:r>
+            </a:p>
+            <a:p>
+              <a:r>
+                <a:rPr lang="en-US" sz="1400" dirty="0"/>
+                <a:t>VE</a:t>
+              </a:r>
+            </a:p>
+            <a:p>
+              <a:r>
+                <a:rPr lang="en-US" sz="1400" dirty="0"/>
+                <a:t>DD</a:t>
+              </a:r>
+            </a:p>
+          </p:txBody>
+        </p:sp>
+      </p:grpSp>
+      <p:sp>
+        <p:nvSpPr>
+          <p:cNvPr id="44" name="TextBox 43">
+            <a:extLst>
+              <a:ext uri="{FF2B5EF4-FFF2-40B4-BE49-F238E27FC236}">
+                <a16:creationId xmlns:a16="http://schemas.microsoft.com/office/drawing/2014/main" id="{43681C19-9688-2D7C-A68A-4C9CB06EB4A2}"/>
+              </a:ext>
+            </a:extLst>
+          </p:cNvPr>
+          <p:cNvSpPr txBox="1"/>
+          <p:nvPr/>
+        </p:nvSpPr>
+        <p:spPr>
+          <a:xfrm>
+            <a:off x="6617110" y="2319228"/>
+            <a:ext cx="2600712" cy="400110"/>
+          </a:xfrm>
+          <a:prstGeom prst="rect">
+            <a:avLst/>
+          </a:prstGeom>
+          <a:noFill/>
+        </p:spPr>
+        <p:txBody>
+          <a:bodyPr wrap="none" rtlCol="0">
+            <a:spAutoFit/>
+          </a:bodyPr>
+          <a:lstStyle/>
+          <a:p>
+            <a:r>
+              <a:rPr lang="en-US" sz="2000" b="1" dirty="0" err="1"/>
+              <a:t>CAA_PriceNCostAssign</a:t>
+            </a:r>
+            <a:endParaRPr lang="en-US" sz="2000" b="1" dirty="0"/>
+          </a:p>
+        </p:txBody>
+      </p:sp>
+      <p:sp>
+        <p:nvSpPr>
+          <p:cNvPr id="46" name="TextBox 45">
+            <a:extLst>
+              <a:ext uri="{FF2B5EF4-FFF2-40B4-BE49-F238E27FC236}">
+                <a16:creationId xmlns:a16="http://schemas.microsoft.com/office/drawing/2014/main" id="{272A46A6-EB6B-E3A0-FACC-360779660E91}"/>
+              </a:ext>
+            </a:extLst>
+          </p:cNvPr>
+          <p:cNvSpPr txBox="1"/>
+          <p:nvPr/>
+        </p:nvSpPr>
+        <p:spPr>
+          <a:xfrm>
+            <a:off x="6591162" y="2822889"/>
+            <a:ext cx="3162949" cy="400110"/>
+          </a:xfrm>
+          <a:prstGeom prst="rect">
+            <a:avLst/>
+          </a:prstGeom>
+          <a:noFill/>
+        </p:spPr>
+        <p:txBody>
+          <a:bodyPr wrap="square" rtlCol="0">
+            <a:spAutoFit/>
+          </a:bodyPr>
+          <a:lstStyle/>
+          <a:p>
+            <a:r>
+              <a:rPr lang="en-US" sz="2000" b="1" i="1" dirty="0" err="1">
+                <a:solidFill>
+                  <a:schemeClr val="accent6">
+                    <a:lumMod val="50000"/>
+                  </a:schemeClr>
+                </a:solidFill>
+              </a:rPr>
+              <a:t>CAA_PriceNCost_Assign_UI</a:t>
+            </a:r>
+            <a:endParaRPr lang="en-US" sz="2000" b="1" i="1" dirty="0">
+              <a:solidFill>
+                <a:schemeClr val="accent6">
+                  <a:lumMod val="50000"/>
+                </a:schemeClr>
+              </a:solidFill>
+            </a:endParaRPr>
+          </a:p>
+        </p:txBody>
+      </p:sp>
+      <p:sp>
+        <p:nvSpPr>
+          <p:cNvPr id="48" name="TextBox 47">
+            <a:extLst>
+              <a:ext uri="{FF2B5EF4-FFF2-40B4-BE49-F238E27FC236}">
+                <a16:creationId xmlns:a16="http://schemas.microsoft.com/office/drawing/2014/main" id="{412BEC16-6D0B-3D9C-4E90-CD98FC24F937}"/>
+              </a:ext>
+            </a:extLst>
+          </p:cNvPr>
+          <p:cNvSpPr txBox="1"/>
+          <p:nvPr/>
+        </p:nvSpPr>
+        <p:spPr>
+          <a:xfrm>
+            <a:off x="6882304" y="3140432"/>
+            <a:ext cx="2902077" cy="954107"/>
+          </a:xfrm>
+          <a:prstGeom prst="rect">
+            <a:avLst/>
+          </a:prstGeom>
+          <a:noFill/>
+        </p:spPr>
+        <p:txBody>
+          <a:bodyPr wrap="none" rtlCol="0">
+            <a:spAutoFit/>
+          </a:bodyPr>
+          <a:lstStyle/>
+          <a:p>
+            <a:r>
+              <a:rPr lang="en-US" sz="1400" dirty="0">
+                <a:solidFill>
+                  <a:schemeClr val="accent1">
+                    <a:lumMod val="50000"/>
+                  </a:schemeClr>
+                </a:solidFill>
+              </a:rPr>
+              <a:t>.</a:t>
+            </a:r>
+            <a:r>
+              <a:rPr lang="en-US" sz="1400" dirty="0" err="1">
+                <a:solidFill>
+                  <a:schemeClr val="accent1">
+                    <a:lumMod val="50000"/>
+                  </a:schemeClr>
+                </a:solidFill>
+              </a:rPr>
+              <a:t>Compute_Price_Wei_DueDay</a:t>
+            </a:r>
+            <a:endParaRPr lang="en-US" sz="1400" dirty="0">
+              <a:solidFill>
+                <a:schemeClr val="accent1">
+                  <a:lumMod val="50000"/>
+                </a:schemeClr>
+              </a:solidFill>
+            </a:endParaRPr>
+          </a:p>
+          <a:p>
+            <a:r>
+              <a:rPr lang="en-US" sz="1400" dirty="0">
+                <a:solidFill>
+                  <a:schemeClr val="accent1">
+                    <a:lumMod val="50000"/>
+                  </a:schemeClr>
+                </a:solidFill>
+              </a:rPr>
+              <a:t>.</a:t>
+            </a:r>
+            <a:r>
+              <a:rPr lang="en-US" sz="1400" dirty="0" err="1">
+                <a:solidFill>
+                  <a:schemeClr val="accent1">
+                    <a:lumMod val="50000"/>
+                  </a:schemeClr>
+                </a:solidFill>
+              </a:rPr>
+              <a:t>Compute_Price_Wei_MachineStatus</a:t>
+            </a:r>
+            <a:endParaRPr lang="en-US" sz="1400" dirty="0">
+              <a:solidFill>
+                <a:schemeClr val="accent1">
+                  <a:lumMod val="50000"/>
+                </a:schemeClr>
+              </a:solidFill>
+            </a:endParaRPr>
+          </a:p>
+          <a:p>
+            <a:r>
+              <a:rPr lang="en-US" sz="1400" dirty="0">
+                <a:solidFill>
+                  <a:schemeClr val="accent1">
+                    <a:lumMod val="50000"/>
+                  </a:schemeClr>
+                </a:solidFill>
+              </a:rPr>
+              <a:t>.</a:t>
+            </a:r>
+            <a:r>
+              <a:rPr lang="en-US" sz="1400" dirty="0" err="1">
+                <a:solidFill>
+                  <a:schemeClr val="accent1">
+                    <a:lumMod val="50000"/>
+                  </a:schemeClr>
+                </a:solidFill>
+              </a:rPr>
+              <a:t>Compute_Price_Wei_Inventory</a:t>
+            </a:r>
+            <a:endParaRPr lang="en-US" sz="1400" dirty="0">
+              <a:solidFill>
+                <a:schemeClr val="accent1">
+                  <a:lumMod val="50000"/>
+                </a:schemeClr>
+              </a:solidFill>
+            </a:endParaRPr>
+          </a:p>
+          <a:p>
+            <a:r>
+              <a:rPr lang="en-US" sz="1400" dirty="0">
+                <a:solidFill>
+                  <a:schemeClr val="accent1">
+                    <a:lumMod val="50000"/>
+                  </a:schemeClr>
+                </a:solidFill>
+              </a:rPr>
+              <a:t>.</a:t>
+            </a:r>
+            <a:r>
+              <a:rPr lang="en-US" sz="1400" dirty="0" err="1">
+                <a:solidFill>
+                  <a:schemeClr val="accent1">
+                    <a:lumMod val="50000"/>
+                  </a:schemeClr>
+                </a:solidFill>
+              </a:rPr>
+              <a:t>Compute_Price</a:t>
+            </a:r>
+            <a:endParaRPr lang="en-US" sz="1400" dirty="0">
+              <a:solidFill>
+                <a:schemeClr val="accent1">
+                  <a:lumMod val="50000"/>
+                </a:schemeClr>
+              </a:solidFill>
+            </a:endParaRPr>
+          </a:p>
+        </p:txBody>
+      </p:sp>
+      <p:sp>
+        <p:nvSpPr>
+          <p:cNvPr id="50" name="TextBox 49">
+            <a:extLst>
+              <a:ext uri="{FF2B5EF4-FFF2-40B4-BE49-F238E27FC236}">
+                <a16:creationId xmlns:a16="http://schemas.microsoft.com/office/drawing/2014/main" id="{9BC3DBE9-DD79-AC19-CC44-F7F9CB52F4C3}"/>
+              </a:ext>
+            </a:extLst>
+          </p:cNvPr>
+          <p:cNvSpPr txBox="1"/>
+          <p:nvPr/>
+        </p:nvSpPr>
+        <p:spPr>
+          <a:xfrm>
+            <a:off x="8073515" y="-78536"/>
+            <a:ext cx="1525097" cy="738664"/>
+          </a:xfrm>
+          <a:prstGeom prst="rect">
+            <a:avLst/>
+          </a:prstGeom>
+          <a:noFill/>
+        </p:spPr>
+        <p:txBody>
+          <a:bodyPr wrap="none" rtlCol="0">
+            <a:spAutoFit/>
+          </a:bodyPr>
+          <a:lstStyle/>
+          <a:p>
+            <a:r>
+              <a:rPr lang="en-US" sz="1400" dirty="0">
+                <a:solidFill>
+                  <a:schemeClr val="accent1">
+                    <a:lumMod val="50000"/>
+                  </a:schemeClr>
+                </a:solidFill>
+              </a:rPr>
+              <a:t>.</a:t>
+            </a:r>
+            <a:r>
+              <a:rPr lang="en-US" sz="1400" dirty="0" err="1">
+                <a:solidFill>
+                  <a:schemeClr val="accent1">
+                    <a:lumMod val="50000"/>
+                  </a:schemeClr>
+                </a:solidFill>
+              </a:rPr>
+              <a:t>USR_read</a:t>
+            </a:r>
+            <a:endParaRPr lang="en-US" sz="1400" dirty="0">
+              <a:solidFill>
+                <a:schemeClr val="accent1">
+                  <a:lumMod val="50000"/>
+                </a:schemeClr>
+              </a:solidFill>
+            </a:endParaRPr>
+          </a:p>
+          <a:p>
+            <a:r>
+              <a:rPr lang="en-US" sz="1400" dirty="0">
+                <a:solidFill>
+                  <a:schemeClr val="accent1">
+                    <a:lumMod val="50000"/>
+                  </a:schemeClr>
+                </a:solidFill>
+              </a:rPr>
+              <a:t>.</a:t>
+            </a:r>
+            <a:r>
+              <a:rPr lang="en-US" sz="1400" dirty="0" err="1">
+                <a:solidFill>
+                  <a:schemeClr val="accent1">
+                    <a:lumMod val="50000"/>
+                  </a:schemeClr>
+                </a:solidFill>
+              </a:rPr>
+              <a:t>USR_write</a:t>
+            </a:r>
+            <a:endParaRPr lang="en-US" sz="1400" dirty="0">
+              <a:solidFill>
+                <a:schemeClr val="accent1">
+                  <a:lumMod val="50000"/>
+                </a:schemeClr>
+              </a:solidFill>
+            </a:endParaRPr>
+          </a:p>
+          <a:p>
+            <a:r>
+              <a:rPr lang="en-US" sz="1400" dirty="0">
+                <a:solidFill>
+                  <a:schemeClr val="accent1">
+                    <a:lumMod val="50000"/>
+                  </a:schemeClr>
+                </a:solidFill>
+              </a:rPr>
+              <a:t>.</a:t>
+            </a:r>
+            <a:r>
+              <a:rPr lang="en-US" sz="1400" dirty="0" err="1">
+                <a:solidFill>
+                  <a:schemeClr val="accent1">
+                    <a:lumMod val="50000"/>
+                  </a:schemeClr>
+                </a:solidFill>
+              </a:rPr>
+              <a:t>show_USR_folder</a:t>
+            </a:r>
+            <a:endParaRPr lang="en-US" sz="1400" dirty="0">
+              <a:solidFill>
+                <a:schemeClr val="accent1">
+                  <a:lumMod val="50000"/>
+                </a:schemeClr>
+              </a:solidFill>
+            </a:endParaRPr>
+          </a:p>
+        </p:txBody>
+      </p:sp>
+      <p:graphicFrame>
+        <p:nvGraphicFramePr>
+          <p:cNvPr id="51" name="Table 51">
+            <a:extLst>
+              <a:ext uri="{FF2B5EF4-FFF2-40B4-BE49-F238E27FC236}">
+                <a16:creationId xmlns:a16="http://schemas.microsoft.com/office/drawing/2014/main" id="{0BB7EF4C-A77C-8BEF-D965-C1293AAF6950}"/>
+              </a:ext>
+            </a:extLst>
+          </p:cNvPr>
+          <p:cNvGraphicFramePr>
+            <a:graphicFrameLocks noGrp="1"/>
+          </p:cNvGraphicFramePr>
+          <p:nvPr>
+            <p:extLst>
+              <p:ext uri="{D42A27DB-BD31-4B8C-83A1-F6EECF244321}">
+                <p14:modId xmlns:p14="http://schemas.microsoft.com/office/powerpoint/2010/main" val="890866227"/>
+              </p:ext>
+            </p:extLst>
+          </p:nvPr>
+        </p:nvGraphicFramePr>
+        <p:xfrm>
+          <a:off x="4169682" y="654221"/>
+          <a:ext cx="2480582" cy="1524000"/>
+        </p:xfrm>
+        <a:graphic>
+          <a:graphicData uri="http://schemas.openxmlformats.org/drawingml/2006/table">
+            <a:tbl>
+              <a:tblPr firstRow="1" bandRow="1">
+                <a:tableStyleId>{5940675A-B579-460E-94D1-54222C63F5DA}</a:tableStyleId>
+              </a:tblPr>
+              <a:tblGrid>
+                <a:gridCol w="310782">
+                  <a:extLst>
+                    <a:ext uri="{9D8B030D-6E8A-4147-A177-3AD203B41FA5}">
+                      <a16:colId xmlns:a16="http://schemas.microsoft.com/office/drawing/2014/main" val="1442251203"/>
+                    </a:ext>
+                  </a:extLst>
+                </a:gridCol>
+                <a:gridCol w="2169800">
+                  <a:extLst>
+                    <a:ext uri="{9D8B030D-6E8A-4147-A177-3AD203B41FA5}">
+                      <a16:colId xmlns:a16="http://schemas.microsoft.com/office/drawing/2014/main" val="18418633"/>
+                    </a:ext>
+                  </a:extLst>
+                </a:gridCol>
+              </a:tblGrid>
+              <a:tr h="145378">
+                <a:tc>
+                  <a:txBody>
+                    <a:bodyPr/>
+                    <a:lstStyle/>
+                    <a:p>
+                      <a:r>
+                        <a:rPr lang="en-US" sz="1000" dirty="0"/>
+                        <a:t>1</a:t>
+                      </a:r>
+                    </a:p>
+                  </a:txBody>
+                  <a:tcPr/>
+                </a:tc>
+                <a:tc>
+                  <a:txBody>
+                    <a:bodyPr/>
+                    <a:lstStyle/>
+                    <a:p>
+                      <a:r>
+                        <a:rPr lang="en-US" sz="1000" dirty="0" err="1"/>
+                        <a:t>Dueday</a:t>
+                      </a:r>
+                      <a:r>
+                        <a:rPr lang="en-US" sz="1000" dirty="0"/>
+                        <a:t>(3):(</a:t>
+                      </a:r>
+                      <a:r>
+                        <a:rPr lang="en-US" sz="1000" dirty="0" err="1"/>
+                        <a:t>a,b</a:t>
+                      </a:r>
+                      <a:r>
+                        <a:rPr lang="en-US" sz="1000" dirty="0"/>
+                        <a:t>),weighting</a:t>
+                      </a:r>
+                    </a:p>
+                  </a:txBody>
+                  <a:tcPr/>
+                </a:tc>
+                <a:extLst>
+                  <a:ext uri="{0D108BD9-81ED-4DB2-BD59-A6C34878D82A}">
+                    <a16:rowId xmlns:a16="http://schemas.microsoft.com/office/drawing/2014/main" val="2813331785"/>
+                  </a:ext>
+                </a:extLst>
+              </a:tr>
+              <a:tr h="145378">
+                <a:tc>
+                  <a:txBody>
+                    <a:bodyPr/>
+                    <a:lstStyle/>
+                    <a:p>
+                      <a:r>
+                        <a:rPr lang="en-US" sz="1000" dirty="0"/>
+                        <a:t>2</a:t>
+                      </a:r>
+                    </a:p>
+                  </a:txBody>
+                  <a:tcPr/>
+                </a:tc>
+                <a:tc>
+                  <a:txBody>
+                    <a:bodyPr/>
+                    <a:lstStyle/>
+                    <a:p>
+                      <a:r>
+                        <a:rPr lang="en-US" sz="1000" dirty="0" err="1"/>
+                        <a:t>MachineStatus</a:t>
+                      </a:r>
+                      <a:r>
+                        <a:rPr lang="en-US" sz="1000" dirty="0"/>
+                        <a:t>: (</a:t>
+                      </a:r>
+                      <a:r>
+                        <a:rPr lang="en-US" sz="1000" dirty="0" err="1"/>
+                        <a:t>dCO</a:t>
+                      </a:r>
+                      <a:r>
+                        <a:rPr lang="en-US" sz="1000" dirty="0"/>
+                        <a:t>, </a:t>
+                      </a:r>
+                      <a:r>
+                        <a:rPr lang="en-US" sz="1000" dirty="0" err="1"/>
+                        <a:t>dSO</a:t>
+                      </a:r>
+                      <a:r>
+                        <a:rPr lang="en-US" sz="1000" dirty="0"/>
+                        <a:t>, </a:t>
+                      </a:r>
+                      <a:r>
+                        <a:rPr lang="en-US" sz="1000" dirty="0" err="1"/>
+                        <a:t>dSZ</a:t>
+                      </a:r>
+                      <a:r>
+                        <a:rPr lang="en-US" sz="1000" dirty="0"/>
+                        <a:t>), weighting </a:t>
+                      </a:r>
+                    </a:p>
+                  </a:txBody>
+                  <a:tcPr/>
+                </a:tc>
+                <a:extLst>
+                  <a:ext uri="{0D108BD9-81ED-4DB2-BD59-A6C34878D82A}">
+                    <a16:rowId xmlns:a16="http://schemas.microsoft.com/office/drawing/2014/main" val="3978974283"/>
+                  </a:ext>
+                </a:extLst>
+              </a:tr>
+              <a:tr h="145378">
+                <a:tc>
+                  <a:txBody>
+                    <a:bodyPr/>
+                    <a:lstStyle/>
+                    <a:p>
+                      <a:r>
+                        <a:rPr lang="en-US" sz="1000" dirty="0"/>
+                        <a:t>3</a:t>
+                      </a:r>
+                    </a:p>
+                  </a:txBody>
+                  <a:tcPr/>
+                </a:tc>
+                <a:tc>
+                  <a:txBody>
+                    <a:bodyPr/>
+                    <a:lstStyle/>
+                    <a:p>
+                      <a:r>
+                        <a:rPr lang="en-US" sz="1000" dirty="0"/>
+                        <a:t>Inventory: (</a:t>
+                      </a:r>
+                      <a:r>
+                        <a:rPr lang="en-US" sz="1000" dirty="0" err="1"/>
+                        <a:t>a,b</a:t>
+                      </a:r>
+                      <a:r>
+                        <a:rPr lang="en-US" sz="1000" dirty="0"/>
+                        <a:t>), weighting </a:t>
+                      </a:r>
+                    </a:p>
+                  </a:txBody>
+                  <a:tcPr/>
+                </a:tc>
+                <a:extLst>
+                  <a:ext uri="{0D108BD9-81ED-4DB2-BD59-A6C34878D82A}">
+                    <a16:rowId xmlns:a16="http://schemas.microsoft.com/office/drawing/2014/main" val="3977041109"/>
+                  </a:ext>
+                </a:extLst>
+              </a:tr>
+              <a:tr h="145378">
+                <a:tc>
+                  <a:txBody>
+                    <a:bodyPr/>
+                    <a:lstStyle/>
+                    <a:p>
+                      <a:r>
+                        <a:rPr lang="en-US" sz="1000" dirty="0"/>
+                        <a:t>4</a:t>
+                      </a:r>
+                    </a:p>
+                  </a:txBody>
+                  <a:tcPr/>
+                </a:tc>
+                <a:tc>
+                  <a:txBody>
+                    <a:bodyPr/>
+                    <a:lstStyle/>
+                    <a:p>
+                      <a:r>
+                        <a:rPr lang="en-US" sz="1000" dirty="0" err="1"/>
+                        <a:t>MachineStatus</a:t>
+                      </a:r>
+                      <a:r>
+                        <a:rPr lang="en-US" sz="1000" dirty="0"/>
+                        <a:t> (</a:t>
+                      </a:r>
+                      <a:r>
+                        <a:rPr lang="en-US" sz="1000" dirty="0" err="1"/>
+                        <a:t>dCO</a:t>
+                      </a:r>
+                      <a:r>
+                        <a:rPr lang="en-US" sz="1000" dirty="0"/>
+                        <a:t>, </a:t>
+                      </a:r>
+                      <a:r>
+                        <a:rPr lang="en-US" sz="1000" dirty="0" err="1"/>
+                        <a:t>dSO</a:t>
+                      </a:r>
+                      <a:r>
+                        <a:rPr lang="en-US" sz="1000" dirty="0"/>
+                        <a:t>, </a:t>
+                      </a:r>
+                      <a:r>
+                        <a:rPr lang="en-US" sz="1000" dirty="0" err="1"/>
+                        <a:t>dSZ</a:t>
+                      </a:r>
+                      <a:r>
+                        <a:rPr lang="en-US" sz="1000" dirty="0"/>
+                        <a:t>), weighting</a:t>
+                      </a:r>
+                    </a:p>
+                  </a:txBody>
+                  <a:tcPr/>
+                </a:tc>
+                <a:extLst>
+                  <a:ext uri="{0D108BD9-81ED-4DB2-BD59-A6C34878D82A}">
+                    <a16:rowId xmlns:a16="http://schemas.microsoft.com/office/drawing/2014/main" val="3147914941"/>
+                  </a:ext>
+                </a:extLst>
+              </a:tr>
+              <a:tr h="145378">
+                <a:tc>
+                  <a:txBody>
+                    <a:bodyPr/>
+                    <a:lstStyle/>
+                    <a:p>
+                      <a:r>
+                        <a:rPr lang="en-US" sz="1000" dirty="0"/>
+                        <a:t>5</a:t>
+                      </a:r>
+                    </a:p>
+                  </a:txBody>
+                  <a:tcPr/>
+                </a:tc>
+                <a:tc>
+                  <a:txBody>
+                    <a:bodyPr/>
+                    <a:lstStyle/>
+                    <a:p>
+                      <a:r>
+                        <a:rPr lang="en-US" sz="1000" dirty="0"/>
+                        <a:t>Previous Earning (dT1 dT2), weighting</a:t>
+                      </a:r>
+                    </a:p>
+                  </a:txBody>
+                  <a:tcPr/>
+                </a:tc>
+                <a:extLst>
+                  <a:ext uri="{0D108BD9-81ED-4DB2-BD59-A6C34878D82A}">
+                    <a16:rowId xmlns:a16="http://schemas.microsoft.com/office/drawing/2014/main" val="35760990"/>
+                  </a:ext>
+                </a:extLst>
+              </a:tr>
+            </a:tbl>
+          </a:graphicData>
+        </a:graphic>
+      </p:graphicFrame>
+      <p:sp>
+        <p:nvSpPr>
+          <p:cNvPr id="53" name="TextBox 52">
+            <a:extLst>
+              <a:ext uri="{FF2B5EF4-FFF2-40B4-BE49-F238E27FC236}">
+                <a16:creationId xmlns:a16="http://schemas.microsoft.com/office/drawing/2014/main" id="{CA3BE8DB-4307-FFE1-FA4C-BF7DF3C75904}"/>
+              </a:ext>
+            </a:extLst>
+          </p:cNvPr>
+          <p:cNvSpPr txBox="1"/>
+          <p:nvPr/>
+        </p:nvSpPr>
+        <p:spPr>
+          <a:xfrm>
+            <a:off x="4068253" y="139077"/>
+            <a:ext cx="2400785" cy="523220"/>
+          </a:xfrm>
+          <a:prstGeom prst="rect">
+            <a:avLst/>
+          </a:prstGeom>
+          <a:noFill/>
+        </p:spPr>
+        <p:txBody>
+          <a:bodyPr wrap="none" rtlCol="0">
+            <a:spAutoFit/>
+          </a:bodyPr>
+          <a:lstStyle/>
+          <a:p>
+            <a:r>
+              <a:rPr lang="en-US" sz="1400" dirty="0"/>
+              <a:t>Weighting file id </a:t>
+            </a:r>
+            <a:r>
+              <a:rPr lang="en-US" sz="1400" dirty="0" err="1"/>
+              <a:t>v.s</a:t>
+            </a:r>
+            <a:r>
+              <a:rPr lang="en-US" sz="1400" dirty="0"/>
+              <a:t>. title</a:t>
+            </a:r>
+          </a:p>
+          <a:p>
+            <a:r>
+              <a:rPr lang="en-US" sz="1400" dirty="0"/>
+              <a:t>Format: (condition), weighting</a:t>
+            </a:r>
+          </a:p>
+        </p:txBody>
+      </p:sp>
+      <p:grpSp>
+        <p:nvGrpSpPr>
+          <p:cNvPr id="71" name="Group 70">
+            <a:extLst>
+              <a:ext uri="{FF2B5EF4-FFF2-40B4-BE49-F238E27FC236}">
+                <a16:creationId xmlns:a16="http://schemas.microsoft.com/office/drawing/2014/main" id="{13AB3E90-0093-133A-E382-E0E4F062070B}"/>
+              </a:ext>
+            </a:extLst>
+          </p:cNvPr>
+          <p:cNvGrpSpPr/>
+          <p:nvPr/>
+        </p:nvGrpSpPr>
+        <p:grpSpPr>
+          <a:xfrm>
+            <a:off x="9801737" y="4524861"/>
+            <a:ext cx="2631041" cy="2126349"/>
+            <a:chOff x="4416857" y="4340785"/>
+            <a:chExt cx="2631041" cy="2126349"/>
+          </a:xfrm>
+        </p:grpSpPr>
+        <p:sp>
+          <p:nvSpPr>
+            <p:cNvPr id="32" name="TextBox 31">
+              <a:extLst>
+                <a:ext uri="{FF2B5EF4-FFF2-40B4-BE49-F238E27FC236}">
+                  <a16:creationId xmlns:a16="http://schemas.microsoft.com/office/drawing/2014/main" id="{4CD1008B-6509-3264-03DA-17C52ED188DF}"/>
+                </a:ext>
+              </a:extLst>
+            </p:cNvPr>
+            <p:cNvSpPr txBox="1"/>
+            <p:nvPr/>
+          </p:nvSpPr>
+          <p:spPr>
+            <a:xfrm>
+              <a:off x="4416857" y="4340785"/>
+              <a:ext cx="2631041" cy="400110"/>
+            </a:xfrm>
+            <a:prstGeom prst="rect">
+              <a:avLst/>
+            </a:prstGeom>
+            <a:noFill/>
+          </p:spPr>
+          <p:txBody>
+            <a:bodyPr wrap="none" rtlCol="0">
+              <a:spAutoFit/>
+            </a:bodyPr>
+            <a:lstStyle/>
+            <a:p>
+              <a:r>
+                <a:rPr lang="en-US" sz="2000" b="1" dirty="0"/>
+                <a:t>CAA_WT </a:t>
+              </a:r>
+              <a:r>
+                <a:rPr lang="en-US" sz="1600" dirty="0"/>
+                <a:t>(Weighting Table)</a:t>
+              </a:r>
+            </a:p>
+          </p:txBody>
+        </p:sp>
+        <p:sp>
+          <p:nvSpPr>
+            <p:cNvPr id="55" name="TextBox 54">
+              <a:extLst>
+                <a:ext uri="{FF2B5EF4-FFF2-40B4-BE49-F238E27FC236}">
+                  <a16:creationId xmlns:a16="http://schemas.microsoft.com/office/drawing/2014/main" id="{0793641C-759C-68E2-E579-9A7A569F7827}"/>
+                </a:ext>
+              </a:extLst>
+            </p:cNvPr>
+            <p:cNvSpPr txBox="1"/>
+            <p:nvPr/>
+          </p:nvSpPr>
+          <p:spPr>
+            <a:xfrm>
+              <a:off x="4788130" y="4641872"/>
+              <a:ext cx="2043508" cy="1384995"/>
+            </a:xfrm>
+            <a:prstGeom prst="rect">
+              <a:avLst/>
+            </a:prstGeom>
+            <a:noFill/>
+          </p:spPr>
+          <p:txBody>
+            <a:bodyPr wrap="none" rtlCol="0">
+              <a:spAutoFit/>
+            </a:bodyPr>
+            <a:lstStyle/>
+            <a:p>
+              <a:r>
+                <a:rPr lang="en-US" sz="1400" dirty="0"/>
+                <a:t>Name as string</a:t>
+              </a:r>
+            </a:p>
+            <a:p>
+              <a:r>
+                <a:rPr lang="en-US" sz="1400" dirty="0" err="1"/>
+                <a:t>FileName</a:t>
+              </a:r>
+              <a:r>
+                <a:rPr lang="en-US" sz="1400" dirty="0"/>
+                <a:t> as string</a:t>
+              </a:r>
+            </a:p>
+            <a:p>
+              <a:r>
+                <a:rPr lang="en-US" sz="1400" dirty="0" err="1"/>
+                <a:t>FullFileName</a:t>
+              </a:r>
+              <a:r>
+                <a:rPr lang="en-US" sz="1400" dirty="0"/>
+                <a:t> as string</a:t>
+              </a:r>
+            </a:p>
+            <a:p>
+              <a:r>
+                <a:rPr lang="en-US" sz="1400" dirty="0"/>
+                <a:t>ID as integer</a:t>
+              </a:r>
+            </a:p>
+            <a:p>
+              <a:r>
+                <a:rPr lang="en-US" sz="1400" dirty="0" err="1"/>
+                <a:t>lstCondition</a:t>
+              </a:r>
+              <a:r>
+                <a:rPr lang="en-US" sz="1400" dirty="0"/>
+                <a:t>() as integer()</a:t>
+              </a:r>
+            </a:p>
+            <a:p>
+              <a:r>
+                <a:rPr lang="en-US" sz="1400" dirty="0" err="1"/>
+                <a:t>lstWeight</a:t>
+              </a:r>
+              <a:r>
+                <a:rPr lang="en-US" sz="1400" dirty="0"/>
+                <a:t>() as double </a:t>
+              </a:r>
+            </a:p>
+          </p:txBody>
+        </p:sp>
+        <p:sp>
+          <p:nvSpPr>
+            <p:cNvPr id="57" name="TextBox 56">
+              <a:extLst>
+                <a:ext uri="{FF2B5EF4-FFF2-40B4-BE49-F238E27FC236}">
+                  <a16:creationId xmlns:a16="http://schemas.microsoft.com/office/drawing/2014/main" id="{477E35FE-B1C1-56D2-CD96-93AACB970C18}"/>
+                </a:ext>
+              </a:extLst>
+            </p:cNvPr>
+            <p:cNvSpPr txBox="1"/>
+            <p:nvPr/>
+          </p:nvSpPr>
+          <p:spPr>
+            <a:xfrm>
+              <a:off x="4788130" y="5943914"/>
+              <a:ext cx="955390" cy="523220"/>
+            </a:xfrm>
+            <a:prstGeom prst="rect">
+              <a:avLst/>
+            </a:prstGeom>
+            <a:noFill/>
+          </p:spPr>
+          <p:txBody>
+            <a:bodyPr wrap="none" rtlCol="0">
+              <a:spAutoFit/>
+            </a:bodyPr>
+            <a:lstStyle/>
+            <a:p>
+              <a:r>
+                <a:rPr lang="en-US" sz="1400" dirty="0">
+                  <a:solidFill>
+                    <a:schemeClr val="accent1">
+                      <a:lumMod val="50000"/>
+                    </a:schemeClr>
+                  </a:solidFill>
+                </a:rPr>
+                <a:t>.</a:t>
+              </a:r>
+              <a:r>
+                <a:rPr lang="en-US" sz="1400" dirty="0" err="1">
+                  <a:solidFill>
+                    <a:schemeClr val="accent1">
+                      <a:lumMod val="50000"/>
+                    </a:schemeClr>
+                  </a:solidFill>
+                </a:rPr>
+                <a:t>File_read</a:t>
+              </a:r>
+              <a:endParaRPr lang="en-US" sz="1400" dirty="0">
+                <a:solidFill>
+                  <a:schemeClr val="accent1">
+                    <a:lumMod val="50000"/>
+                  </a:schemeClr>
+                </a:solidFill>
+              </a:endParaRPr>
+            </a:p>
+            <a:p>
+              <a:r>
+                <a:rPr lang="en-US" sz="1400" dirty="0">
+                  <a:solidFill>
+                    <a:schemeClr val="accent1">
+                      <a:lumMod val="50000"/>
+                    </a:schemeClr>
+                  </a:solidFill>
+                </a:rPr>
+                <a:t>.</a:t>
+              </a:r>
+              <a:r>
+                <a:rPr lang="en-US" sz="1400" dirty="0" err="1">
+                  <a:solidFill>
+                    <a:schemeClr val="accent1">
+                      <a:lumMod val="50000"/>
+                    </a:schemeClr>
+                  </a:solidFill>
+                </a:rPr>
+                <a:t>File_write</a:t>
+              </a:r>
+              <a:endParaRPr lang="en-US" sz="1400" dirty="0">
+                <a:solidFill>
+                  <a:schemeClr val="accent1">
+                    <a:lumMod val="50000"/>
+                  </a:schemeClr>
+                </a:solidFill>
+              </a:endParaRPr>
+            </a:p>
+          </p:txBody>
+        </p:sp>
+      </p:grpSp>
+      <p:sp>
+        <p:nvSpPr>
+          <p:cNvPr id="60" name="TextBox 59">
+            <a:extLst>
+              <a:ext uri="{FF2B5EF4-FFF2-40B4-BE49-F238E27FC236}">
+                <a16:creationId xmlns:a16="http://schemas.microsoft.com/office/drawing/2014/main" id="{7009FFA8-8445-8EAE-3927-D9997997662F}"/>
+              </a:ext>
+            </a:extLst>
+          </p:cNvPr>
+          <p:cNvSpPr txBox="1"/>
+          <p:nvPr/>
+        </p:nvSpPr>
+        <p:spPr>
+          <a:xfrm>
+            <a:off x="673046" y="4906712"/>
+            <a:ext cx="758797" cy="307777"/>
+          </a:xfrm>
+          <a:prstGeom prst="rect">
+            <a:avLst/>
+          </a:prstGeom>
+          <a:noFill/>
+        </p:spPr>
+        <p:txBody>
+          <a:bodyPr wrap="none" rtlCol="0">
+            <a:spAutoFit/>
+          </a:bodyPr>
+          <a:lstStyle/>
+          <a:p>
+            <a:r>
+              <a:rPr lang="en-US" sz="1400" dirty="0"/>
+              <a:t>MACH()</a:t>
+            </a:r>
+          </a:p>
+        </p:txBody>
+      </p:sp>
+      <p:grpSp>
+        <p:nvGrpSpPr>
+          <p:cNvPr id="61" name="Group 60">
+            <a:extLst>
+              <a:ext uri="{FF2B5EF4-FFF2-40B4-BE49-F238E27FC236}">
+                <a16:creationId xmlns:a16="http://schemas.microsoft.com/office/drawing/2014/main" id="{E907EFB3-CCDD-929B-FD30-C2EF0B2097AB}"/>
+              </a:ext>
+            </a:extLst>
+          </p:cNvPr>
+          <p:cNvGrpSpPr/>
+          <p:nvPr/>
+        </p:nvGrpSpPr>
+        <p:grpSpPr>
+          <a:xfrm>
+            <a:off x="228099" y="6153680"/>
+            <a:ext cx="2435207" cy="569387"/>
+            <a:chOff x="557955" y="4552675"/>
+            <a:chExt cx="2435207" cy="569387"/>
+          </a:xfrm>
+        </p:grpSpPr>
+        <p:sp>
+          <p:nvSpPr>
+            <p:cNvPr id="62" name="TextBox 61">
+              <a:extLst>
+                <a:ext uri="{FF2B5EF4-FFF2-40B4-BE49-F238E27FC236}">
+                  <a16:creationId xmlns:a16="http://schemas.microsoft.com/office/drawing/2014/main" id="{6FAF0D17-6D96-5DE9-B28C-D6100BDEB9DD}"/>
+                </a:ext>
+              </a:extLst>
+            </p:cNvPr>
+            <p:cNvSpPr txBox="1"/>
+            <p:nvPr/>
+          </p:nvSpPr>
+          <p:spPr>
+            <a:xfrm>
+              <a:off x="557955" y="4552675"/>
+              <a:ext cx="2279983" cy="400110"/>
+            </a:xfrm>
+            <a:prstGeom prst="rect">
+              <a:avLst/>
+            </a:prstGeom>
+            <a:noFill/>
+          </p:spPr>
+          <p:txBody>
+            <a:bodyPr wrap="none" rtlCol="0">
+              <a:spAutoFit/>
+            </a:bodyPr>
+            <a:lstStyle/>
+            <a:p>
+              <a:r>
+                <a:rPr lang="en-US" sz="2000" b="1" dirty="0"/>
+                <a:t>MACH </a:t>
+              </a:r>
+              <a:r>
+                <a:rPr lang="en-US" sz="1600" dirty="0"/>
+                <a:t>(single machine)</a:t>
+              </a:r>
+              <a:endParaRPr lang="en-US" sz="2000" dirty="0"/>
+            </a:p>
+          </p:txBody>
+        </p:sp>
+        <p:sp>
+          <p:nvSpPr>
+            <p:cNvPr id="63" name="TextBox 62">
+              <a:extLst>
+                <a:ext uri="{FF2B5EF4-FFF2-40B4-BE49-F238E27FC236}">
+                  <a16:creationId xmlns:a16="http://schemas.microsoft.com/office/drawing/2014/main" id="{6C258477-FD64-AF17-86B5-6E643A8CB903}"/>
+                </a:ext>
+              </a:extLst>
+            </p:cNvPr>
+            <p:cNvSpPr txBox="1"/>
+            <p:nvPr/>
+          </p:nvSpPr>
+          <p:spPr>
+            <a:xfrm>
+              <a:off x="798138" y="4814285"/>
+              <a:ext cx="2195024" cy="307777"/>
+            </a:xfrm>
+            <a:prstGeom prst="rect">
+              <a:avLst/>
+            </a:prstGeom>
+            <a:noFill/>
+          </p:spPr>
+          <p:txBody>
+            <a:bodyPr wrap="none" rtlCol="0">
+              <a:spAutoFit/>
+            </a:bodyPr>
+            <a:lstStyle/>
+            <a:p>
+              <a:r>
+                <a:rPr lang="en-US" sz="1400" dirty="0"/>
+                <a:t>MS,SO, SZ, MJ,CP,ORD,VM,T</a:t>
+              </a:r>
+            </a:p>
+          </p:txBody>
+        </p:sp>
+      </p:grpSp>
+      <p:sp>
+        <p:nvSpPr>
+          <p:cNvPr id="65" name="TextBox 64">
+            <a:extLst>
+              <a:ext uri="{FF2B5EF4-FFF2-40B4-BE49-F238E27FC236}">
+                <a16:creationId xmlns:a16="http://schemas.microsoft.com/office/drawing/2014/main" id="{4292E3F5-A25A-F43F-D353-43E015CE2500}"/>
+              </a:ext>
+            </a:extLst>
+          </p:cNvPr>
+          <p:cNvSpPr txBox="1"/>
+          <p:nvPr/>
+        </p:nvSpPr>
+        <p:spPr>
+          <a:xfrm>
+            <a:off x="213412" y="4324806"/>
+            <a:ext cx="2404761" cy="400110"/>
+          </a:xfrm>
+          <a:prstGeom prst="rect">
+            <a:avLst/>
+          </a:prstGeom>
+          <a:noFill/>
+        </p:spPr>
+        <p:txBody>
+          <a:bodyPr wrap="none" rtlCol="0">
+            <a:spAutoFit/>
+          </a:bodyPr>
+          <a:lstStyle/>
+          <a:p>
+            <a:r>
+              <a:rPr lang="en-US" sz="2000" b="1" dirty="0" err="1"/>
+              <a:t>CAA_MachineStatus</a:t>
+            </a:r>
+            <a:r>
+              <a:rPr lang="en-US" sz="2000" b="1" dirty="0"/>
+              <a:t> </a:t>
+            </a:r>
+          </a:p>
+        </p:txBody>
+      </p:sp>
+      <p:sp>
+        <p:nvSpPr>
+          <p:cNvPr id="69" name="TextBox 68">
+            <a:extLst>
+              <a:ext uri="{FF2B5EF4-FFF2-40B4-BE49-F238E27FC236}">
+                <a16:creationId xmlns:a16="http://schemas.microsoft.com/office/drawing/2014/main" id="{141B8CC7-02F8-91AC-1C9E-78AB4E6AFCAA}"/>
+              </a:ext>
+            </a:extLst>
+          </p:cNvPr>
+          <p:cNvSpPr txBox="1"/>
+          <p:nvPr/>
+        </p:nvSpPr>
+        <p:spPr>
+          <a:xfrm>
+            <a:off x="748211" y="4637408"/>
+            <a:ext cx="1868525" cy="338554"/>
+          </a:xfrm>
+          <a:prstGeom prst="rect">
+            <a:avLst/>
+          </a:prstGeom>
+          <a:noFill/>
+        </p:spPr>
+        <p:txBody>
+          <a:bodyPr wrap="none" rtlCol="0">
+            <a:spAutoFit/>
+          </a:bodyPr>
+          <a:lstStyle/>
+          <a:p>
+            <a:r>
+              <a:rPr lang="en-US" sz="1600" dirty="0"/>
+              <a:t>Implemented as MA</a:t>
+            </a:r>
+          </a:p>
+        </p:txBody>
+      </p:sp>
+      <p:sp>
+        <p:nvSpPr>
+          <p:cNvPr id="73" name="TextBox 72">
+            <a:extLst>
+              <a:ext uri="{FF2B5EF4-FFF2-40B4-BE49-F238E27FC236}">
+                <a16:creationId xmlns:a16="http://schemas.microsoft.com/office/drawing/2014/main" id="{12F5DA4D-B6AC-CFAA-FD1C-82FB5827A397}"/>
+              </a:ext>
+            </a:extLst>
+          </p:cNvPr>
+          <p:cNvSpPr txBox="1"/>
+          <p:nvPr/>
+        </p:nvSpPr>
+        <p:spPr>
+          <a:xfrm>
+            <a:off x="645732" y="5115680"/>
+            <a:ext cx="2383858" cy="954107"/>
+          </a:xfrm>
+          <a:prstGeom prst="rect">
+            <a:avLst/>
+          </a:prstGeom>
+          <a:noFill/>
+        </p:spPr>
+        <p:txBody>
+          <a:bodyPr wrap="none" rtlCol="0">
+            <a:spAutoFit/>
+          </a:bodyPr>
+          <a:lstStyle/>
+          <a:p>
+            <a:r>
+              <a:rPr lang="en-US" sz="1400" dirty="0">
+                <a:solidFill>
+                  <a:schemeClr val="accent1">
+                    <a:lumMod val="50000"/>
+                  </a:schemeClr>
+                </a:solidFill>
+              </a:rPr>
+              <a:t>.</a:t>
+            </a:r>
+            <a:r>
+              <a:rPr lang="en-US" sz="1400" dirty="0" err="1">
+                <a:solidFill>
+                  <a:schemeClr val="accent1">
+                    <a:lumMod val="50000"/>
+                  </a:schemeClr>
+                </a:solidFill>
+              </a:rPr>
+              <a:t>import_MachineStatus_JSON</a:t>
+            </a:r>
+            <a:endParaRPr lang="en-US" sz="1400" dirty="0">
+              <a:solidFill>
+                <a:schemeClr val="accent1">
+                  <a:lumMod val="50000"/>
+                </a:schemeClr>
+              </a:solidFill>
+            </a:endParaRPr>
+          </a:p>
+          <a:p>
+            <a:r>
+              <a:rPr lang="en-US" sz="1400" dirty="0">
+                <a:solidFill>
+                  <a:schemeClr val="accent1">
+                    <a:lumMod val="50000"/>
+                  </a:schemeClr>
+                </a:solidFill>
+              </a:rPr>
+              <a:t>.</a:t>
+            </a:r>
+            <a:r>
+              <a:rPr lang="en-US" sz="1400" dirty="0" err="1">
+                <a:solidFill>
+                  <a:schemeClr val="accent1">
+                    <a:lumMod val="50000"/>
+                  </a:schemeClr>
+                </a:solidFill>
+              </a:rPr>
+              <a:t>import_MachineStatus_CSV</a:t>
+            </a:r>
+            <a:endParaRPr lang="en-US" sz="1400" dirty="0">
+              <a:solidFill>
+                <a:schemeClr val="accent1">
+                  <a:lumMod val="50000"/>
+                </a:schemeClr>
+              </a:solidFill>
+            </a:endParaRPr>
+          </a:p>
+          <a:p>
+            <a:r>
+              <a:rPr lang="en-US" sz="1400" dirty="0">
+                <a:solidFill>
+                  <a:schemeClr val="accent1">
+                    <a:lumMod val="50000"/>
+                  </a:schemeClr>
+                </a:solidFill>
+              </a:rPr>
+              <a:t>.</a:t>
+            </a:r>
+            <a:r>
+              <a:rPr lang="en-US" sz="1400" dirty="0" err="1">
+                <a:solidFill>
+                  <a:schemeClr val="accent1">
+                    <a:lumMod val="50000"/>
+                  </a:schemeClr>
+                </a:solidFill>
+              </a:rPr>
+              <a:t>export_MachineStatus</a:t>
+            </a:r>
+            <a:r>
+              <a:rPr lang="en-US" sz="1400" dirty="0">
+                <a:solidFill>
+                  <a:schemeClr val="accent1">
+                    <a:lumMod val="50000"/>
+                  </a:schemeClr>
+                </a:solidFill>
+              </a:rPr>
+              <a:t>, JSON </a:t>
+            </a:r>
+          </a:p>
+          <a:p>
+            <a:r>
+              <a:rPr lang="en-US" sz="1400" dirty="0">
+                <a:solidFill>
+                  <a:schemeClr val="accent1">
+                    <a:lumMod val="50000"/>
+                  </a:schemeClr>
+                </a:solidFill>
+              </a:rPr>
+              <a:t>.</a:t>
+            </a:r>
+            <a:r>
+              <a:rPr lang="en-US" sz="1400" dirty="0" err="1">
+                <a:solidFill>
+                  <a:schemeClr val="accent1">
+                    <a:lumMod val="50000"/>
+                  </a:schemeClr>
+                </a:solidFill>
+              </a:rPr>
+              <a:t>export_MachineStatus_CSV</a:t>
+            </a:r>
+            <a:r>
+              <a:rPr lang="en-US" sz="1400" dirty="0">
+                <a:solidFill>
+                  <a:schemeClr val="accent1">
+                    <a:lumMod val="50000"/>
+                  </a:schemeClr>
+                </a:solidFill>
+              </a:rPr>
+              <a:t> </a:t>
+            </a:r>
+          </a:p>
+        </p:txBody>
+      </p:sp>
+      <p:sp>
+        <p:nvSpPr>
+          <p:cNvPr id="75" name="TextBox 74">
+            <a:extLst>
+              <a:ext uri="{FF2B5EF4-FFF2-40B4-BE49-F238E27FC236}">
+                <a16:creationId xmlns:a16="http://schemas.microsoft.com/office/drawing/2014/main" id="{F6D63005-7B78-9FF3-5426-1C897E6FA7B0}"/>
+              </a:ext>
+            </a:extLst>
+          </p:cNvPr>
+          <p:cNvSpPr txBox="1"/>
+          <p:nvPr/>
+        </p:nvSpPr>
+        <p:spPr>
+          <a:xfrm>
+            <a:off x="2873543" y="5400373"/>
+            <a:ext cx="2113337" cy="415498"/>
+          </a:xfrm>
+          <a:prstGeom prst="rect">
+            <a:avLst/>
+          </a:prstGeom>
+          <a:noFill/>
+        </p:spPr>
+        <p:txBody>
+          <a:bodyPr wrap="square" rtlCol="0">
+            <a:spAutoFit/>
+          </a:bodyPr>
+          <a:lstStyle/>
+          <a:p>
+            <a:r>
+              <a:rPr lang="en-US" altLang="zh-TW" sz="1050" dirty="0"/>
+              <a:t>This is because, you got ORD inside, and ORD is an object, not a value</a:t>
+            </a:r>
+            <a:endParaRPr lang="en-US" sz="1050" dirty="0"/>
+          </a:p>
+        </p:txBody>
+      </p:sp>
+      <p:sp>
+        <p:nvSpPr>
+          <p:cNvPr id="77" name="TextBox 76">
+            <a:extLst>
+              <a:ext uri="{FF2B5EF4-FFF2-40B4-BE49-F238E27FC236}">
+                <a16:creationId xmlns:a16="http://schemas.microsoft.com/office/drawing/2014/main" id="{0717C1DC-C5F8-A8D3-1FEC-92C213067180}"/>
+              </a:ext>
+            </a:extLst>
+          </p:cNvPr>
+          <p:cNvSpPr txBox="1"/>
+          <p:nvPr/>
+        </p:nvSpPr>
+        <p:spPr>
+          <a:xfrm>
+            <a:off x="2856454" y="5804397"/>
+            <a:ext cx="2113337" cy="253916"/>
+          </a:xfrm>
+          <a:prstGeom prst="rect">
+            <a:avLst/>
+          </a:prstGeom>
+          <a:noFill/>
+        </p:spPr>
+        <p:txBody>
+          <a:bodyPr wrap="square" rtlCol="0">
+            <a:spAutoFit/>
+          </a:bodyPr>
+          <a:lstStyle/>
+          <a:p>
+            <a:r>
+              <a:rPr lang="en-US" altLang="zh-TW" sz="1050" dirty="0"/>
+              <a:t>For the last machine status output</a:t>
+            </a:r>
+            <a:endParaRPr lang="en-US" sz="1050" dirty="0"/>
+          </a:p>
+        </p:txBody>
+      </p:sp>
+      <p:sp>
+        <p:nvSpPr>
+          <p:cNvPr id="79" name="TextBox 78">
+            <a:extLst>
+              <a:ext uri="{FF2B5EF4-FFF2-40B4-BE49-F238E27FC236}">
+                <a16:creationId xmlns:a16="http://schemas.microsoft.com/office/drawing/2014/main" id="{2659D824-B002-DC09-8C26-19CB3CE7B4D9}"/>
+              </a:ext>
+            </a:extLst>
+          </p:cNvPr>
+          <p:cNvSpPr txBox="1"/>
+          <p:nvPr/>
+        </p:nvSpPr>
+        <p:spPr>
+          <a:xfrm>
+            <a:off x="6729717" y="4889526"/>
+            <a:ext cx="2687595" cy="400110"/>
+          </a:xfrm>
+          <a:prstGeom prst="rect">
+            <a:avLst/>
+          </a:prstGeom>
+          <a:noFill/>
+        </p:spPr>
+        <p:txBody>
+          <a:bodyPr wrap="none" rtlCol="0">
+            <a:spAutoFit/>
+          </a:bodyPr>
+          <a:lstStyle/>
+          <a:p>
+            <a:r>
+              <a:rPr lang="en-US" sz="2000" b="1" dirty="0" err="1">
+                <a:solidFill>
+                  <a:schemeClr val="accent4">
+                    <a:lumMod val="50000"/>
+                  </a:schemeClr>
+                </a:solidFill>
+              </a:rPr>
+              <a:t>CAA_MatchingFunction</a:t>
+            </a:r>
+            <a:endParaRPr lang="en-US" sz="2000" b="1" dirty="0">
+              <a:solidFill>
+                <a:schemeClr val="accent4">
+                  <a:lumMod val="50000"/>
+                </a:schemeClr>
+              </a:solidFill>
+            </a:endParaRPr>
+          </a:p>
+        </p:txBody>
+      </p:sp>
+      <p:sp>
+        <p:nvSpPr>
+          <p:cNvPr id="83" name="TextBox 82">
+            <a:extLst>
+              <a:ext uri="{FF2B5EF4-FFF2-40B4-BE49-F238E27FC236}">
+                <a16:creationId xmlns:a16="http://schemas.microsoft.com/office/drawing/2014/main" id="{976F60A5-7292-6BE4-78CC-69E7416FB05F}"/>
+              </a:ext>
+            </a:extLst>
+          </p:cNvPr>
+          <p:cNvSpPr txBox="1"/>
+          <p:nvPr/>
+        </p:nvSpPr>
+        <p:spPr>
+          <a:xfrm>
+            <a:off x="6977547" y="5190827"/>
+            <a:ext cx="2123402" cy="307777"/>
+          </a:xfrm>
+          <a:prstGeom prst="rect">
+            <a:avLst/>
+          </a:prstGeom>
+          <a:noFill/>
+        </p:spPr>
+        <p:txBody>
+          <a:bodyPr wrap="none" rtlCol="0">
+            <a:spAutoFit/>
+          </a:bodyPr>
+          <a:lstStyle/>
+          <a:p>
+            <a:r>
+              <a:rPr lang="en-US" sz="1400" dirty="0">
+                <a:solidFill>
+                  <a:schemeClr val="accent1">
+                    <a:lumMod val="50000"/>
+                  </a:schemeClr>
+                </a:solidFill>
+              </a:rPr>
+              <a:t>.matching1(MA,OR) as MA</a:t>
+            </a:r>
+          </a:p>
+        </p:txBody>
+      </p:sp>
+      <p:sp>
+        <p:nvSpPr>
+          <p:cNvPr id="85" name="TextBox 84">
+            <a:extLst>
+              <a:ext uri="{FF2B5EF4-FFF2-40B4-BE49-F238E27FC236}">
+                <a16:creationId xmlns:a16="http://schemas.microsoft.com/office/drawing/2014/main" id="{E35EC32F-56FD-A3AA-3013-33EA1927D804}"/>
+              </a:ext>
+            </a:extLst>
+          </p:cNvPr>
+          <p:cNvSpPr txBox="1"/>
+          <p:nvPr/>
+        </p:nvSpPr>
+        <p:spPr>
+          <a:xfrm>
+            <a:off x="3243348" y="2748340"/>
+            <a:ext cx="1451359" cy="400110"/>
+          </a:xfrm>
+          <a:prstGeom prst="rect">
+            <a:avLst/>
+          </a:prstGeom>
+          <a:noFill/>
+        </p:spPr>
+        <p:txBody>
+          <a:bodyPr wrap="none" rtlCol="0">
+            <a:spAutoFit/>
+          </a:bodyPr>
+          <a:lstStyle/>
+          <a:p>
+            <a:r>
+              <a:rPr lang="en-US" sz="2000" b="1" dirty="0" err="1"/>
+              <a:t>CAA_Round</a:t>
+            </a:r>
+            <a:endParaRPr lang="en-US" sz="2000" b="1" dirty="0"/>
+          </a:p>
+        </p:txBody>
+      </p:sp>
+      <p:sp>
+        <p:nvSpPr>
+          <p:cNvPr id="87" name="TextBox 86">
+            <a:extLst>
+              <a:ext uri="{FF2B5EF4-FFF2-40B4-BE49-F238E27FC236}">
+                <a16:creationId xmlns:a16="http://schemas.microsoft.com/office/drawing/2014/main" id="{7C222CB0-6474-AF3B-0D47-6B76262836AC}"/>
+              </a:ext>
+            </a:extLst>
+          </p:cNvPr>
+          <p:cNvSpPr txBox="1"/>
+          <p:nvPr/>
+        </p:nvSpPr>
+        <p:spPr>
+          <a:xfrm>
+            <a:off x="3404451" y="3075364"/>
+            <a:ext cx="2271135" cy="954107"/>
+          </a:xfrm>
+          <a:prstGeom prst="rect">
+            <a:avLst/>
+          </a:prstGeom>
+          <a:noFill/>
+        </p:spPr>
+        <p:txBody>
+          <a:bodyPr wrap="none" rtlCol="0">
+            <a:spAutoFit/>
+          </a:bodyPr>
+          <a:lstStyle/>
+          <a:p>
+            <a:r>
+              <a:rPr lang="en-US" sz="1400" dirty="0"/>
+              <a:t>MA() as </a:t>
+            </a:r>
+            <a:r>
+              <a:rPr lang="en-US" sz="1400" dirty="0" err="1"/>
+              <a:t>CAA_MachineStatus</a:t>
+            </a:r>
+            <a:endParaRPr lang="en-US" sz="1400" dirty="0"/>
+          </a:p>
+          <a:p>
+            <a:r>
+              <a:rPr lang="en-US" sz="1400" dirty="0"/>
+              <a:t>OR() as CAA_ORDER</a:t>
+            </a:r>
+          </a:p>
+          <a:p>
+            <a:r>
+              <a:rPr lang="en-US" sz="1400" dirty="0"/>
+              <a:t>Round as integer</a:t>
+            </a:r>
+          </a:p>
+          <a:p>
+            <a:r>
+              <a:rPr lang="en-US" sz="1400" dirty="0" err="1"/>
+              <a:t>Max_Round</a:t>
+            </a:r>
+            <a:r>
+              <a:rPr lang="en-US" sz="1400" dirty="0"/>
+              <a:t> as integer</a:t>
+            </a:r>
+          </a:p>
+        </p:txBody>
+      </p:sp>
+      <p:sp>
+        <p:nvSpPr>
+          <p:cNvPr id="89" name="TextBox 88">
+            <a:extLst>
+              <a:ext uri="{FF2B5EF4-FFF2-40B4-BE49-F238E27FC236}">
+                <a16:creationId xmlns:a16="http://schemas.microsoft.com/office/drawing/2014/main" id="{54858589-204F-95DB-0D81-AB6C85771D3B}"/>
+              </a:ext>
+            </a:extLst>
+          </p:cNvPr>
+          <p:cNvSpPr txBox="1"/>
+          <p:nvPr/>
+        </p:nvSpPr>
+        <p:spPr>
+          <a:xfrm>
+            <a:off x="3230314" y="2394443"/>
+            <a:ext cx="2584682" cy="400110"/>
+          </a:xfrm>
+          <a:prstGeom prst="rect">
+            <a:avLst/>
+          </a:prstGeom>
+          <a:noFill/>
+        </p:spPr>
+        <p:txBody>
+          <a:bodyPr wrap="none" rtlCol="0">
+            <a:spAutoFit/>
+          </a:bodyPr>
+          <a:lstStyle/>
+          <a:p>
+            <a:r>
+              <a:rPr lang="en-US" sz="2000" b="1" dirty="0" err="1">
+                <a:solidFill>
+                  <a:schemeClr val="accent6">
+                    <a:lumMod val="50000"/>
+                  </a:schemeClr>
+                </a:solidFill>
+              </a:rPr>
+              <a:t>CAA_Round_UI</a:t>
+            </a:r>
+            <a:r>
+              <a:rPr lang="en-US" sz="2000" b="1" dirty="0">
+                <a:solidFill>
+                  <a:schemeClr val="accent6">
+                    <a:lumMod val="50000"/>
+                  </a:schemeClr>
+                </a:solidFill>
+              </a:rPr>
+              <a:t> (Main)</a:t>
+            </a:r>
+          </a:p>
+        </p:txBody>
+      </p:sp>
+      <p:sp>
+        <p:nvSpPr>
+          <p:cNvPr id="91" name="TextBox 90">
+            <a:extLst>
+              <a:ext uri="{FF2B5EF4-FFF2-40B4-BE49-F238E27FC236}">
+                <a16:creationId xmlns:a16="http://schemas.microsoft.com/office/drawing/2014/main" id="{0CCAEB05-B04C-8866-E0EA-BE9C77A243E9}"/>
+              </a:ext>
+            </a:extLst>
+          </p:cNvPr>
+          <p:cNvSpPr txBox="1"/>
+          <p:nvPr/>
+        </p:nvSpPr>
+        <p:spPr>
+          <a:xfrm>
+            <a:off x="9896136" y="1819162"/>
+            <a:ext cx="2631041" cy="1077218"/>
+          </a:xfrm>
+          <a:prstGeom prst="rect">
+            <a:avLst/>
+          </a:prstGeom>
+          <a:noFill/>
+        </p:spPr>
+        <p:txBody>
+          <a:bodyPr wrap="square">
+            <a:spAutoFit/>
+          </a:bodyPr>
+          <a:lstStyle/>
+          <a:p>
+            <a:r>
+              <a:rPr lang="en-US" sz="1400" dirty="0"/>
+              <a:t>MS as </a:t>
+            </a:r>
+            <a:r>
+              <a:rPr lang="en-US" sz="1400" dirty="0" err="1"/>
+              <a:t>enum</a:t>
+            </a:r>
+            <a:r>
+              <a:rPr lang="en-US" sz="1400" dirty="0"/>
+              <a:t>: manufacturing, </a:t>
+            </a:r>
+            <a:r>
+              <a:rPr lang="en-US" sz="1400" dirty="0" err="1"/>
+              <a:t>Mold_change</a:t>
+            </a:r>
+            <a:r>
+              <a:rPr lang="en-US" sz="1400" dirty="0"/>
+              <a:t>, down</a:t>
+            </a:r>
+          </a:p>
+          <a:p>
+            <a:r>
+              <a:rPr lang="en-US" sz="1400" dirty="0" err="1"/>
+              <a:t>CheckFolderExisted</a:t>
+            </a:r>
+            <a:r>
+              <a:rPr lang="en-US" sz="800" dirty="0"/>
+              <a:t>: 1=existed 2:notexisted, but add, 0: not existed,, added fail</a:t>
+            </a:r>
+          </a:p>
+          <a:p>
+            <a:r>
+              <a:rPr lang="en-US" sz="1400" dirty="0" err="1">
+                <a:solidFill>
+                  <a:srgbClr val="000000"/>
+                </a:solidFill>
+                <a:latin typeface="Consolas" panose="020B0609020204030204" pitchFamily="49" charset="0"/>
+              </a:rPr>
+              <a:t>CheckFolderSurfix</a:t>
+            </a:r>
+            <a:r>
+              <a:rPr lang="en-US" sz="1400" dirty="0">
+                <a:solidFill>
+                  <a:srgbClr val="000000"/>
+                </a:solidFill>
+                <a:latin typeface="Consolas" panose="020B0609020204030204" pitchFamily="49" charset="0"/>
+              </a:rPr>
+              <a:t> </a:t>
+            </a:r>
+            <a:r>
+              <a:rPr lang="en-US" sz="800" dirty="0">
+                <a:solidFill>
+                  <a:srgbClr val="000000"/>
+                </a:solidFill>
+                <a:latin typeface="Consolas" panose="020B0609020204030204" pitchFamily="49" charset="0"/>
+              </a:rPr>
+              <a:t>check folder</a:t>
+            </a:r>
+            <a:endParaRPr lang="en-US" sz="800" dirty="0"/>
+          </a:p>
+        </p:txBody>
+      </p:sp>
+      <p:sp>
+        <p:nvSpPr>
+          <p:cNvPr id="95" name="TextBox 94">
+            <a:extLst>
+              <a:ext uri="{FF2B5EF4-FFF2-40B4-BE49-F238E27FC236}">
+                <a16:creationId xmlns:a16="http://schemas.microsoft.com/office/drawing/2014/main" id="{B77B21D2-3D94-3865-3B58-EC5F5FCF8381}"/>
+              </a:ext>
+            </a:extLst>
+          </p:cNvPr>
+          <p:cNvSpPr txBox="1"/>
+          <p:nvPr/>
+        </p:nvSpPr>
+        <p:spPr>
+          <a:xfrm>
+            <a:off x="6882304" y="4007335"/>
+            <a:ext cx="2947410" cy="738664"/>
+          </a:xfrm>
+          <a:prstGeom prst="rect">
+            <a:avLst/>
+          </a:prstGeom>
+          <a:noFill/>
+        </p:spPr>
+        <p:txBody>
+          <a:bodyPr wrap="none" rtlCol="0">
+            <a:spAutoFit/>
+          </a:bodyPr>
+          <a:lstStyle/>
+          <a:p>
+            <a:r>
+              <a:rPr lang="en-US" sz="1400" dirty="0">
+                <a:solidFill>
+                  <a:schemeClr val="accent1">
+                    <a:lumMod val="50000"/>
+                  </a:schemeClr>
+                </a:solidFill>
+              </a:rPr>
+              <a:t>.</a:t>
+            </a:r>
+            <a:r>
+              <a:rPr lang="en-US" sz="1400" dirty="0" err="1">
+                <a:solidFill>
+                  <a:schemeClr val="accent1">
+                    <a:lumMod val="50000"/>
+                  </a:schemeClr>
+                </a:solidFill>
+              </a:rPr>
+              <a:t>Compute_Cost_Wei_MachineStatus</a:t>
+            </a:r>
+            <a:endParaRPr lang="en-US" sz="1400" dirty="0">
+              <a:solidFill>
+                <a:schemeClr val="accent1">
+                  <a:lumMod val="50000"/>
+                </a:schemeClr>
+              </a:solidFill>
+            </a:endParaRPr>
+          </a:p>
+          <a:p>
+            <a:r>
+              <a:rPr lang="en-US" sz="1400" dirty="0">
+                <a:solidFill>
+                  <a:schemeClr val="accent1">
+                    <a:lumMod val="50000"/>
+                  </a:schemeClr>
+                </a:solidFill>
+              </a:rPr>
+              <a:t>.</a:t>
+            </a:r>
+            <a:r>
+              <a:rPr lang="en-US" sz="1400" dirty="0" err="1">
+                <a:solidFill>
+                  <a:schemeClr val="accent1">
+                    <a:lumMod val="50000"/>
+                  </a:schemeClr>
+                </a:solidFill>
+              </a:rPr>
+              <a:t>Compute_Cost_Wei_PreviousEarning</a:t>
+            </a:r>
+            <a:endParaRPr lang="en-US" sz="1400" dirty="0">
+              <a:solidFill>
+                <a:schemeClr val="accent1">
+                  <a:lumMod val="50000"/>
+                </a:schemeClr>
+              </a:solidFill>
+            </a:endParaRPr>
+          </a:p>
+          <a:p>
+            <a:r>
+              <a:rPr lang="en-US" sz="1400" dirty="0">
+                <a:solidFill>
+                  <a:schemeClr val="accent1">
+                    <a:lumMod val="50000"/>
+                  </a:schemeClr>
+                </a:solidFill>
+              </a:rPr>
+              <a:t>.</a:t>
+            </a:r>
+            <a:r>
+              <a:rPr lang="en-US" sz="1400" dirty="0" err="1">
+                <a:solidFill>
+                  <a:schemeClr val="accent1">
+                    <a:lumMod val="50000"/>
+                  </a:schemeClr>
+                </a:solidFill>
+              </a:rPr>
+              <a:t>Compute_Cost</a:t>
+            </a:r>
+            <a:endParaRPr lang="en-US" sz="1400" dirty="0">
+              <a:solidFill>
+                <a:schemeClr val="accent1">
+                  <a:lumMod val="50000"/>
+                </a:schemeClr>
+              </a:solidFill>
+            </a:endParaRPr>
+          </a:p>
+        </p:txBody>
+      </p:sp>
+      <p:sp>
+        <p:nvSpPr>
+          <p:cNvPr id="97" name="TextBox 96">
+            <a:extLst>
+              <a:ext uri="{FF2B5EF4-FFF2-40B4-BE49-F238E27FC236}">
+                <a16:creationId xmlns:a16="http://schemas.microsoft.com/office/drawing/2014/main" id="{457F07E1-6477-5D3F-A5A7-15D66E113A8F}"/>
+              </a:ext>
+            </a:extLst>
+          </p:cNvPr>
+          <p:cNvSpPr txBox="1"/>
+          <p:nvPr/>
+        </p:nvSpPr>
+        <p:spPr>
+          <a:xfrm>
+            <a:off x="3404450" y="3995247"/>
+            <a:ext cx="2580515" cy="400110"/>
+          </a:xfrm>
+          <a:prstGeom prst="rect">
+            <a:avLst/>
+          </a:prstGeom>
+          <a:noFill/>
+        </p:spPr>
+        <p:txBody>
+          <a:bodyPr wrap="none" rtlCol="0">
+            <a:spAutoFit/>
+          </a:bodyPr>
+          <a:lstStyle/>
+          <a:p>
+            <a:r>
+              <a:rPr lang="en-US" sz="2000" b="1" dirty="0" err="1">
+                <a:solidFill>
+                  <a:schemeClr val="accent4">
+                    <a:lumMod val="50000"/>
+                  </a:schemeClr>
+                </a:solidFill>
+              </a:rPr>
+              <a:t>CAA_Round_Matching</a:t>
+            </a:r>
+            <a:endParaRPr lang="en-US" sz="2000" b="1" dirty="0">
+              <a:solidFill>
+                <a:schemeClr val="accent4">
+                  <a:lumMod val="50000"/>
+                </a:schemeClr>
+              </a:solidFill>
+            </a:endParaRPr>
+          </a:p>
+        </p:txBody>
+      </p:sp>
+      <p:sp>
+        <p:nvSpPr>
+          <p:cNvPr id="99" name="TextBox 98">
+            <a:extLst>
+              <a:ext uri="{FF2B5EF4-FFF2-40B4-BE49-F238E27FC236}">
+                <a16:creationId xmlns:a16="http://schemas.microsoft.com/office/drawing/2014/main" id="{1B12CFE3-30A6-281F-123B-062DAD311B68}"/>
+              </a:ext>
+            </a:extLst>
+          </p:cNvPr>
+          <p:cNvSpPr txBox="1"/>
+          <p:nvPr/>
+        </p:nvSpPr>
+        <p:spPr>
+          <a:xfrm>
+            <a:off x="3794109" y="4317112"/>
+            <a:ext cx="2800895" cy="307777"/>
+          </a:xfrm>
+          <a:prstGeom prst="rect">
+            <a:avLst/>
+          </a:prstGeom>
+          <a:noFill/>
+        </p:spPr>
+        <p:txBody>
+          <a:bodyPr wrap="none" rtlCol="0">
+            <a:spAutoFit/>
+          </a:bodyPr>
+          <a:lstStyle/>
+          <a:p>
+            <a:r>
+              <a:rPr lang="en-US" sz="1400" b="1" dirty="0">
+                <a:solidFill>
+                  <a:schemeClr val="accent1">
+                    <a:lumMod val="50000"/>
+                  </a:schemeClr>
+                </a:solidFill>
+              </a:rPr>
+              <a:t>.</a:t>
+            </a:r>
+            <a:r>
+              <a:rPr lang="en-US" sz="1400" b="1" dirty="0" err="1">
+                <a:solidFill>
+                  <a:schemeClr val="accent1">
+                    <a:lumMod val="50000"/>
+                  </a:schemeClr>
+                </a:solidFill>
+              </a:rPr>
+              <a:t>gogo</a:t>
+            </a:r>
+            <a:r>
+              <a:rPr lang="en-US" sz="1400" b="1" dirty="0">
+                <a:solidFill>
+                  <a:schemeClr val="accent1">
+                    <a:lumMod val="50000"/>
+                  </a:schemeClr>
+                </a:solidFill>
+              </a:rPr>
+              <a:t> (computation entering point)</a:t>
+            </a:r>
+          </a:p>
+        </p:txBody>
+      </p:sp>
+      <p:sp>
+        <p:nvSpPr>
+          <p:cNvPr id="103" name="TextBox 102">
+            <a:extLst>
+              <a:ext uri="{FF2B5EF4-FFF2-40B4-BE49-F238E27FC236}">
+                <a16:creationId xmlns:a16="http://schemas.microsoft.com/office/drawing/2014/main" id="{AADC2C02-97E9-2D86-C52B-EDD151AE46B2}"/>
+              </a:ext>
+            </a:extLst>
+          </p:cNvPr>
+          <p:cNvSpPr txBox="1"/>
+          <p:nvPr/>
+        </p:nvSpPr>
+        <p:spPr>
+          <a:xfrm>
+            <a:off x="7031604" y="2640406"/>
+            <a:ext cx="803233" cy="307777"/>
+          </a:xfrm>
+          <a:prstGeom prst="rect">
+            <a:avLst/>
+          </a:prstGeom>
+          <a:noFill/>
+        </p:spPr>
+        <p:txBody>
+          <a:bodyPr wrap="none" rtlCol="0">
+            <a:spAutoFit/>
+          </a:bodyPr>
+          <a:lstStyle/>
+          <a:p>
+            <a:r>
+              <a:rPr lang="en-US" sz="1400" dirty="0" err="1"/>
+              <a:t>WeiTbl</a:t>
+            </a:r>
+            <a:r>
+              <a:rPr lang="en-US" sz="1400" dirty="0"/>
+              <a:t>()</a:t>
+            </a:r>
+          </a:p>
+        </p:txBody>
+      </p:sp>
+      <p:sp>
+        <p:nvSpPr>
+          <p:cNvPr id="3" name="TextBox 2">
+            <a:extLst>
+              <a:ext uri="{FF2B5EF4-FFF2-40B4-BE49-F238E27FC236}">
+                <a16:creationId xmlns:a16="http://schemas.microsoft.com/office/drawing/2014/main" id="{2F20E4DE-2462-63DB-974F-7EA598AA7B7A}"/>
+              </a:ext>
+            </a:extLst>
+          </p:cNvPr>
+          <p:cNvSpPr txBox="1"/>
+          <p:nvPr/>
+        </p:nvSpPr>
+        <p:spPr>
+          <a:xfrm>
+            <a:off x="5341064" y="5590937"/>
+            <a:ext cx="1645002" cy="230832"/>
+          </a:xfrm>
+          <a:prstGeom prst="rect">
+            <a:avLst/>
+          </a:prstGeom>
+          <a:noFill/>
+          <a:ln>
+            <a:solidFill>
+              <a:srgbClr val="7030A0"/>
+            </a:solidFill>
+          </a:ln>
+        </p:spPr>
+        <p:txBody>
+          <a:bodyPr wrap="none" rtlCol="0">
+            <a:spAutoFit/>
+          </a:bodyPr>
+          <a:lstStyle/>
+          <a:p>
+            <a:pPr marL="285750" indent="-285750">
+              <a:buFont typeface="Arial" panose="020B0604020202020204" pitchFamily="34" charset="0"/>
+              <a:buChar char="•"/>
+            </a:pPr>
+            <a:r>
+              <a:rPr lang="en-US" sz="900" dirty="0"/>
+              <a:t>All path with “\” as </a:t>
+            </a:r>
+            <a:r>
+              <a:rPr lang="en-US" sz="900" dirty="0" err="1"/>
+              <a:t>surfix</a:t>
+            </a:r>
+            <a:endParaRPr lang="en-US" sz="900" dirty="0"/>
+          </a:p>
+        </p:txBody>
+      </p:sp>
+      <p:sp>
+        <p:nvSpPr>
+          <p:cNvPr id="7" name="TextBox 6">
+            <a:extLst>
+              <a:ext uri="{FF2B5EF4-FFF2-40B4-BE49-F238E27FC236}">
+                <a16:creationId xmlns:a16="http://schemas.microsoft.com/office/drawing/2014/main" id="{E8238B42-C4F5-7B1A-091E-3C8022F414B5}"/>
+              </a:ext>
+            </a:extLst>
+          </p:cNvPr>
+          <p:cNvSpPr txBox="1"/>
+          <p:nvPr/>
+        </p:nvSpPr>
+        <p:spPr>
+          <a:xfrm>
+            <a:off x="3149504" y="1011172"/>
+            <a:ext cx="984621" cy="923330"/>
+          </a:xfrm>
+          <a:prstGeom prst="rect">
+            <a:avLst/>
+          </a:prstGeom>
+          <a:noFill/>
+          <a:ln>
+            <a:solidFill>
+              <a:srgbClr val="7030A0"/>
+            </a:solidFill>
+          </a:ln>
+        </p:spPr>
+        <p:txBody>
+          <a:bodyPr wrap="square" rtlCol="0">
+            <a:spAutoFit/>
+          </a:bodyPr>
+          <a:lstStyle/>
+          <a:p>
+            <a:r>
+              <a:rPr lang="en-US" sz="900" dirty="0"/>
+              <a:t>Only 3 types, i put them in </a:t>
+            </a:r>
+            <a:r>
+              <a:rPr lang="en-US" sz="900" dirty="0" err="1"/>
+              <a:t>enum</a:t>
+            </a:r>
+            <a:r>
+              <a:rPr lang="en-US" sz="900" dirty="0"/>
+              <a:t> </a:t>
+            </a:r>
+            <a:r>
+              <a:rPr lang="en-US" sz="900" dirty="0" err="1"/>
+              <a:t>CAA.Weighting.CAA_weighting_Fromt</a:t>
+            </a:r>
+            <a:endParaRPr lang="en-US" sz="900" dirty="0"/>
+          </a:p>
+        </p:txBody>
+      </p:sp>
+    </p:spTree>
+    <p:extLst>
+      <p:ext uri="{BB962C8B-B14F-4D97-AF65-F5344CB8AC3E}">
+        <p14:creationId xmlns:p14="http://schemas.microsoft.com/office/powerpoint/2010/main" val="3805200608"/>
+      </p:ext>
+    </p:extLst>
+  </p:cSld>
+  <p:clrMapOvr>
+    <a:masterClrMapping/>
+  </p:clrMapOvr>
+</p:sld>
+</file>
+
+<file path=ppt/slides/slide6.xml><?xml version="1.0" encoding="utf-8"?>
+<p:sld xmlns:a="http://schemas.openxmlformats.org/drawingml/2006/main" xmlns:r="http://schemas.openxmlformats.org/officeDocument/2006/relationships" xmlns:p="http://schemas.openxmlformats.org/presentationml/2006/main">
+  <p:cSld>
+    <p:spTree>
+      <p:nvGrpSpPr>
+        <p:cNvPr id="1" name=""/>
+        <p:cNvGrpSpPr/>
+        <p:nvPr/>
+      </p:nvGrpSpPr>
+      <p:grpSpPr>
+        <a:xfrm>
+          <a:off x="0" y="0"/>
+          <a:ext cx="0" cy="0"/>
+          <a:chOff x="0" y="0"/>
+          <a:chExt cx="0" cy="0"/>
+        </a:xfrm>
+      </p:grpSpPr>
+      <p:pic>
+        <p:nvPicPr>
+          <p:cNvPr id="3" name="Picture 2">
+            <a:extLst>
+              <a:ext uri="{FF2B5EF4-FFF2-40B4-BE49-F238E27FC236}">
+                <a16:creationId xmlns:a16="http://schemas.microsoft.com/office/drawing/2014/main" id="{8F276CE5-FAA8-6B3D-2B42-41369BC6AC98}"/>
+              </a:ext>
+            </a:extLst>
+          </p:cNvPr>
+          <p:cNvPicPr>
+            <a:picLocks noChangeAspect="1"/>
+          </p:cNvPicPr>
+          <p:nvPr/>
+        </p:nvPicPr>
+        <p:blipFill>
+          <a:blip r:embed="rId2"/>
+          <a:stretch>
+            <a:fillRect/>
+          </a:stretch>
+        </p:blipFill>
+        <p:spPr>
+          <a:xfrm>
+            <a:off x="1835247" y="1763952"/>
+            <a:ext cx="1561905" cy="3838095"/>
+          </a:xfrm>
+          <a:prstGeom prst="rect">
+            <a:avLst/>
+          </a:prstGeom>
+        </p:spPr>
+      </p:pic>
+    </p:spTree>
+    <p:extLst>
+      <p:ext uri="{BB962C8B-B14F-4D97-AF65-F5344CB8AC3E}">
+        <p14:creationId xmlns:p14="http://schemas.microsoft.com/office/powerpoint/2010/main" val="2080026255"/>
+      </p:ext>
+    </p:extLst>
+  </p:cSld>
+  <p:clrMapOvr>
+    <a:masterClrMapping/>
+  </p:clrMapOvr>
+</p:sld>
+</file>
+
 <file path=ppt/theme/theme1.xml><?xml version="1.0" encoding="utf-8"?>
 <a:theme xmlns:a="http://schemas.openxmlformats.org/drawingml/2006/main" name="Office Theme">
   <a:themeElements>

--- a/CAA/00_doc/Architecture_20220907.pptx
+++ b/CAA/00_doc/Architecture_20220907.pptx
@@ -246,7 +246,7 @@
           <a:p>
             <a:fld id="{31344A68-CF47-4359-963B-B33F3862CE01}" type="datetimeFigureOut">
               <a:rPr lang="en-US" smtClean="0"/>
-              <a:t>9/7/2022</a:t>
+              <a:t>9/8/2022</a:t>
             </a:fld>
             <a:endParaRPr lang="en-US"/>
           </a:p>
@@ -414,7 +414,7 @@
           <a:p>
             <a:fld id="{31344A68-CF47-4359-963B-B33F3862CE01}" type="datetimeFigureOut">
               <a:rPr lang="en-US" smtClean="0"/>
-              <a:t>9/7/2022</a:t>
+              <a:t>9/8/2022</a:t>
             </a:fld>
             <a:endParaRPr lang="en-US"/>
           </a:p>
@@ -592,7 +592,7 @@
           <a:p>
             <a:fld id="{31344A68-CF47-4359-963B-B33F3862CE01}" type="datetimeFigureOut">
               <a:rPr lang="en-US" smtClean="0"/>
-              <a:t>9/7/2022</a:t>
+              <a:t>9/8/2022</a:t>
             </a:fld>
             <a:endParaRPr lang="en-US"/>
           </a:p>
@@ -760,7 +760,7 @@
           <a:p>
             <a:fld id="{31344A68-CF47-4359-963B-B33F3862CE01}" type="datetimeFigureOut">
               <a:rPr lang="en-US" smtClean="0"/>
-              <a:t>9/7/2022</a:t>
+              <a:t>9/8/2022</a:t>
             </a:fld>
             <a:endParaRPr lang="en-US"/>
           </a:p>
@@ -1005,7 +1005,7 @@
           <a:p>
             <a:fld id="{31344A68-CF47-4359-963B-B33F3862CE01}" type="datetimeFigureOut">
               <a:rPr lang="en-US" smtClean="0"/>
-              <a:t>9/7/2022</a:t>
+              <a:t>9/8/2022</a:t>
             </a:fld>
             <a:endParaRPr lang="en-US"/>
           </a:p>
@@ -1234,7 +1234,7 @@
           <a:p>
             <a:fld id="{31344A68-CF47-4359-963B-B33F3862CE01}" type="datetimeFigureOut">
               <a:rPr lang="en-US" smtClean="0"/>
-              <a:t>9/7/2022</a:t>
+              <a:t>9/8/2022</a:t>
             </a:fld>
             <a:endParaRPr lang="en-US"/>
           </a:p>
@@ -1598,7 +1598,7 @@
           <a:p>
             <a:fld id="{31344A68-CF47-4359-963B-B33F3862CE01}" type="datetimeFigureOut">
               <a:rPr lang="en-US" smtClean="0"/>
-              <a:t>9/7/2022</a:t>
+              <a:t>9/8/2022</a:t>
             </a:fld>
             <a:endParaRPr lang="en-US"/>
           </a:p>
@@ -1715,7 +1715,7 @@
           <a:p>
             <a:fld id="{31344A68-CF47-4359-963B-B33F3862CE01}" type="datetimeFigureOut">
               <a:rPr lang="en-US" smtClean="0"/>
-              <a:t>9/7/2022</a:t>
+              <a:t>9/8/2022</a:t>
             </a:fld>
             <a:endParaRPr lang="en-US"/>
           </a:p>
@@ -1810,7 +1810,7 @@
           <a:p>
             <a:fld id="{31344A68-CF47-4359-963B-B33F3862CE01}" type="datetimeFigureOut">
               <a:rPr lang="en-US" smtClean="0"/>
-              <a:t>9/7/2022</a:t>
+              <a:t>9/8/2022</a:t>
             </a:fld>
             <a:endParaRPr lang="en-US"/>
           </a:p>
@@ -2085,7 +2085,7 @@
           <a:p>
             <a:fld id="{31344A68-CF47-4359-963B-B33F3862CE01}" type="datetimeFigureOut">
               <a:rPr lang="en-US" smtClean="0"/>
-              <a:t>9/7/2022</a:t>
+              <a:t>9/8/2022</a:t>
             </a:fld>
             <a:endParaRPr lang="en-US"/>
           </a:p>
@@ -2337,7 +2337,7 @@
           <a:p>
             <a:fld id="{31344A68-CF47-4359-963B-B33F3862CE01}" type="datetimeFigureOut">
               <a:rPr lang="en-US" smtClean="0"/>
-              <a:t>9/7/2022</a:t>
+              <a:t>9/8/2022</a:t>
             </a:fld>
             <a:endParaRPr lang="en-US"/>
           </a:p>
@@ -2548,7 +2548,7 @@
           <a:p>
             <a:fld id="{31344A68-CF47-4359-963B-B33F3862CE01}" type="datetimeFigureOut">
               <a:rPr lang="en-US" smtClean="0"/>
-              <a:t>9/7/2022</a:t>
+              <a:t>9/8/2022</a:t>
             </a:fld>
             <a:endParaRPr lang="en-US"/>
           </a:p>
@@ -4834,8 +4834,8 @@
           </p:spPr>
         </p:pic>
       </p:grpSp>
-      <mc:AlternateContent xmlns:mc="http://schemas.openxmlformats.org/markup-compatibility/2006" xmlns:a14="http://schemas.microsoft.com/office/drawing/2010/main">
-        <mc:Choice Requires="a14">
+      <mc:AlternateContent xmlns:mc="http://schemas.openxmlformats.org/markup-compatibility/2006">
+        <mc:Choice xmlns:a14="http://schemas.microsoft.com/office/drawing/2010/main" Requires="a14">
           <p:sp>
             <p:nvSpPr>
               <p:cNvPr id="8" name="TextBox 7">
@@ -4964,6 +4964,20 @@
                         <a:latin typeface="Cambria Math" panose="02040503050406030204" pitchFamily="18" charset="0"/>
                         <a:ea typeface="Microsoft JhengHei" panose="020B0604030504040204" pitchFamily="34" charset="-120"/>
                       </a:rPr>
+                      <m:t>, </m:t>
+                    </m:r>
+                    <m:r>
+                      <a:rPr lang="en-US" altLang="zh-TW" sz="1200" b="0" i="1" smtClean="0">
+                        <a:latin typeface="Cambria Math" panose="02040503050406030204" pitchFamily="18" charset="0"/>
+                        <a:ea typeface="Microsoft JhengHei" panose="020B0604030504040204" pitchFamily="34" charset="-120"/>
+                      </a:rPr>
+                      <m:t>𝐷𝐷</m:t>
+                    </m:r>
+                    <m:r>
+                      <a:rPr lang="en-US" altLang="zh-TW" sz="1200" b="0" i="1" smtClean="0">
+                        <a:latin typeface="Cambria Math" panose="02040503050406030204" pitchFamily="18" charset="0"/>
+                        <a:ea typeface="Microsoft JhengHei" panose="020B0604030504040204" pitchFamily="34" charset="-120"/>
+                      </a:rPr>
                       <m:t>}</m:t>
                     </m:r>
                   </m:oMath>
@@ -4983,7 +4997,7 @@
             </p:txBody>
           </p:sp>
         </mc:Choice>
-        <mc:Fallback xmlns="">
+        <mc:Fallback>
           <p:sp>
             <p:nvSpPr>
               <p:cNvPr id="8" name="TextBox 7">
@@ -17683,9 +17697,9 @@
         <p:grpSpPr>
           <a:xfrm>
             <a:off x="9801737" y="4524861"/>
-            <a:ext cx="2631041" cy="2126349"/>
+            <a:ext cx="2631041" cy="2341793"/>
             <a:chOff x="4416857" y="4340785"/>
-            <a:chExt cx="2631041" cy="2126349"/>
+            <a:chExt cx="2631041" cy="2341793"/>
           </a:xfrm>
         </p:grpSpPr>
         <p:sp>
@@ -17823,7 +17837,7 @@
           <p:spPr>
             <a:xfrm>
               <a:off x="4788130" y="5943914"/>
-              <a:ext cx="955390" cy="523220"/>
+              <a:ext cx="1238031" cy="738664"/>
             </a:xfrm>
             <a:prstGeom prst="rect">
               <a:avLst/>
@@ -17884,6 +17898,25 @@
                   </a:solidFill>
                 </a:rPr>
                 <a:t>File_write</a:t>
+              </a:r>
+              <a:endParaRPr lang="en-US" sz="1400" dirty="0">
+                <a:solidFill>
+                  <a:schemeClr val="accent1">
+                    <a:lumMod val="50000"/>
+                  </a:schemeClr>
+                </a:solidFill>
+              </a:endParaRPr>
+            </a:p>
+            <a:p>
+              <a:r>
+                <a:rPr lang="en-US" sz="1400">
+                  <a:solidFill>
+                    <a:schemeClr val="accent1">
+                      <a:lumMod val="50000"/>
+                    </a:schemeClr>
+                  </a:solidFill>
+                </a:rPr>
+                <a:t>.normalization</a:t>
               </a:r>
               <a:endParaRPr lang="en-US" sz="1400" dirty="0">
                 <a:solidFill>

--- a/CAA/00_doc/Architecture_20220907.pptx
+++ b/CAA/00_doc/Architecture_20220907.pptx
@@ -246,7 +246,7 @@
           <a:p>
             <a:fld id="{31344A68-CF47-4359-963B-B33F3862CE01}" type="datetimeFigureOut">
               <a:rPr lang="en-US" smtClean="0"/>
-              <a:t>9/8/2022</a:t>
+              <a:t>9/9/2022</a:t>
             </a:fld>
             <a:endParaRPr lang="en-US"/>
           </a:p>
@@ -414,7 +414,7 @@
           <a:p>
             <a:fld id="{31344A68-CF47-4359-963B-B33F3862CE01}" type="datetimeFigureOut">
               <a:rPr lang="en-US" smtClean="0"/>
-              <a:t>9/8/2022</a:t>
+              <a:t>9/9/2022</a:t>
             </a:fld>
             <a:endParaRPr lang="en-US"/>
           </a:p>
@@ -592,7 +592,7 @@
           <a:p>
             <a:fld id="{31344A68-CF47-4359-963B-B33F3862CE01}" type="datetimeFigureOut">
               <a:rPr lang="en-US" smtClean="0"/>
-              <a:t>9/8/2022</a:t>
+              <a:t>9/9/2022</a:t>
             </a:fld>
             <a:endParaRPr lang="en-US"/>
           </a:p>
@@ -760,7 +760,7 @@
           <a:p>
             <a:fld id="{31344A68-CF47-4359-963B-B33F3862CE01}" type="datetimeFigureOut">
               <a:rPr lang="en-US" smtClean="0"/>
-              <a:t>9/8/2022</a:t>
+              <a:t>9/9/2022</a:t>
             </a:fld>
             <a:endParaRPr lang="en-US"/>
           </a:p>
@@ -1005,7 +1005,7 @@
           <a:p>
             <a:fld id="{31344A68-CF47-4359-963B-B33F3862CE01}" type="datetimeFigureOut">
               <a:rPr lang="en-US" smtClean="0"/>
-              <a:t>9/8/2022</a:t>
+              <a:t>9/9/2022</a:t>
             </a:fld>
             <a:endParaRPr lang="en-US"/>
           </a:p>
@@ -1234,7 +1234,7 @@
           <a:p>
             <a:fld id="{31344A68-CF47-4359-963B-B33F3862CE01}" type="datetimeFigureOut">
               <a:rPr lang="en-US" smtClean="0"/>
-              <a:t>9/8/2022</a:t>
+              <a:t>9/9/2022</a:t>
             </a:fld>
             <a:endParaRPr lang="en-US"/>
           </a:p>
@@ -1598,7 +1598,7 @@
           <a:p>
             <a:fld id="{31344A68-CF47-4359-963B-B33F3862CE01}" type="datetimeFigureOut">
               <a:rPr lang="en-US" smtClean="0"/>
-              <a:t>9/8/2022</a:t>
+              <a:t>9/9/2022</a:t>
             </a:fld>
             <a:endParaRPr lang="en-US"/>
           </a:p>
@@ -1715,7 +1715,7 @@
           <a:p>
             <a:fld id="{31344A68-CF47-4359-963B-B33F3862CE01}" type="datetimeFigureOut">
               <a:rPr lang="en-US" smtClean="0"/>
-              <a:t>9/8/2022</a:t>
+              <a:t>9/9/2022</a:t>
             </a:fld>
             <a:endParaRPr lang="en-US"/>
           </a:p>
@@ -1810,7 +1810,7 @@
           <a:p>
             <a:fld id="{31344A68-CF47-4359-963B-B33F3862CE01}" type="datetimeFigureOut">
               <a:rPr lang="en-US" smtClean="0"/>
-              <a:t>9/8/2022</a:t>
+              <a:t>9/9/2022</a:t>
             </a:fld>
             <a:endParaRPr lang="en-US"/>
           </a:p>
@@ -2085,7 +2085,7 @@
           <a:p>
             <a:fld id="{31344A68-CF47-4359-963B-B33F3862CE01}" type="datetimeFigureOut">
               <a:rPr lang="en-US" smtClean="0"/>
-              <a:t>9/8/2022</a:t>
+              <a:t>9/9/2022</a:t>
             </a:fld>
             <a:endParaRPr lang="en-US"/>
           </a:p>
@@ -2337,7 +2337,7 @@
           <a:p>
             <a:fld id="{31344A68-CF47-4359-963B-B33F3862CE01}" type="datetimeFigureOut">
               <a:rPr lang="en-US" smtClean="0"/>
-              <a:t>9/8/2022</a:t>
+              <a:t>9/9/2022</a:t>
             </a:fld>
             <a:endParaRPr lang="en-US"/>
           </a:p>
@@ -2548,7 +2548,7 @@
           <a:p>
             <a:fld id="{31344A68-CF47-4359-963B-B33F3862CE01}" type="datetimeFigureOut">
               <a:rPr lang="en-US" smtClean="0"/>
-              <a:t>9/8/2022</a:t>
+              <a:t>9/9/2022</a:t>
             </a:fld>
             <a:endParaRPr lang="en-US"/>
           </a:p>
@@ -4834,8 +4834,8 @@
           </p:spPr>
         </p:pic>
       </p:grpSp>
-      <mc:AlternateContent xmlns:mc="http://schemas.openxmlformats.org/markup-compatibility/2006">
-        <mc:Choice xmlns:a14="http://schemas.microsoft.com/office/drawing/2010/main" Requires="a14">
+      <mc:AlternateContent xmlns:mc="http://schemas.openxmlformats.org/markup-compatibility/2006" xmlns:a14="http://schemas.microsoft.com/office/drawing/2010/main">
+        <mc:Choice Requires="a14">
           <p:sp>
             <p:nvSpPr>
               <p:cNvPr id="8" name="TextBox 7">
@@ -4997,7 +4997,7 @@
             </p:txBody>
           </p:sp>
         </mc:Choice>
-        <mc:Fallback>
+        <mc:Fallback xmlns="">
           <p:sp>
             <p:nvSpPr>
               <p:cNvPr id="8" name="TextBox 7">
@@ -16597,7 +16597,7 @@
         <p:spPr>
           <a:xfrm>
             <a:off x="552419" y="704320"/>
-            <a:ext cx="824265" cy="400110"/>
+            <a:ext cx="1938031" cy="400110"/>
           </a:xfrm>
           <a:prstGeom prst="rect">
             <a:avLst/>
@@ -16611,8 +16611,16 @@
           <a:lstStyle/>
           <a:p>
             <a:r>
+              <a:rPr lang="en-US" sz="2000" dirty="0" err="1"/>
+              <a:t>lstORD</a:t>
+            </a:r>
+            <a:r>
               <a:rPr lang="en-US" sz="2000" dirty="0"/>
-              <a:t>ORD()</a:t>
+              <a:t> </a:t>
+            </a:r>
+            <a:r>
+              <a:rPr lang="en-US" sz="1200" dirty="0"/>
+              <a:t>as list (of order)</a:t>
             </a:r>
           </a:p>
         </p:txBody>
@@ -16904,7 +16912,7 @@
         </p:nvGrpSpPr>
         <p:grpSpPr>
           <a:xfrm>
-            <a:off x="538587" y="2125229"/>
+            <a:off x="441917" y="2125013"/>
             <a:ext cx="1378967" cy="1023085"/>
             <a:chOff x="568791" y="3518028"/>
             <a:chExt cx="1378967" cy="1023085"/>
@@ -19047,6 +19055,97 @@
             <a:r>
               <a:rPr lang="en-US" sz="900" dirty="0" err="1"/>
               <a:t>CAA.Weighting.CAA_weighting_Fromt</a:t>
+            </a:r>
+            <a:endParaRPr lang="en-US" sz="900" dirty="0"/>
+          </a:p>
+        </p:txBody>
+      </p:sp>
+      <p:sp>
+        <p:nvSpPr>
+          <p:cNvPr id="10" name="TextBox 9">
+            <a:extLst>
+              <a:ext uri="{FF2B5EF4-FFF2-40B4-BE49-F238E27FC236}">
+                <a16:creationId xmlns:a16="http://schemas.microsoft.com/office/drawing/2014/main" id="{3641DD49-627F-08CC-5B70-B59D1A1BC84E}"/>
+              </a:ext>
+            </a:extLst>
+          </p:cNvPr>
+          <p:cNvSpPr txBox="1"/>
+          <p:nvPr/>
+        </p:nvSpPr>
+        <p:spPr>
+          <a:xfrm>
+            <a:off x="1052444" y="3553694"/>
+            <a:ext cx="1209297" cy="369332"/>
+          </a:xfrm>
+          <a:prstGeom prst="rect">
+            <a:avLst/>
+          </a:prstGeom>
+          <a:noFill/>
+          <a:ln>
+            <a:solidFill>
+              <a:srgbClr val="7030A0"/>
+            </a:solidFill>
+          </a:ln>
+        </p:spPr>
+        <p:txBody>
+          <a:bodyPr wrap="square" rtlCol="0">
+            <a:spAutoFit/>
+          </a:bodyPr>
+          <a:lstStyle/>
+          <a:p>
+            <a:r>
+              <a:rPr lang="en-US" sz="900" dirty="0"/>
+              <a:t>SZ: 4.5-&gt;45  13-&gt;130 </a:t>
+            </a:r>
+          </a:p>
+          <a:p>
+            <a:r>
+              <a:rPr lang="en-US" sz="900" dirty="0"/>
+              <a:t>MJ=0: JR, MJ=1: MS</a:t>
+            </a:r>
+          </a:p>
+        </p:txBody>
+      </p:sp>
+      <p:sp>
+        <p:nvSpPr>
+          <p:cNvPr id="19" name="TextBox 18">
+            <a:extLst>
+              <a:ext uri="{FF2B5EF4-FFF2-40B4-BE49-F238E27FC236}">
+                <a16:creationId xmlns:a16="http://schemas.microsoft.com/office/drawing/2014/main" id="{155AB0ED-C788-29B5-BC47-19F9F8D17ACF}"/>
+              </a:ext>
+            </a:extLst>
+          </p:cNvPr>
+          <p:cNvSpPr txBox="1"/>
+          <p:nvPr/>
+        </p:nvSpPr>
+        <p:spPr>
+          <a:xfrm>
+            <a:off x="1164504" y="2885528"/>
+            <a:ext cx="1209297" cy="230832"/>
+          </a:xfrm>
+          <a:prstGeom prst="rect">
+            <a:avLst/>
+          </a:prstGeom>
+          <a:noFill/>
+          <a:ln>
+            <a:solidFill>
+              <a:srgbClr val="7030A0"/>
+            </a:solidFill>
+          </a:ln>
+        </p:spPr>
+        <p:txBody>
+          <a:bodyPr wrap="square" rtlCol="0">
+            <a:spAutoFit/>
+          </a:bodyPr>
+          <a:lstStyle/>
+          <a:p>
+            <a:r>
+              <a:rPr lang="en-US" sz="900" dirty="0"/>
+              <a:t>Format: </a:t>
+            </a:r>
+            <a:r>
+              <a:rPr lang="en-US" sz="900" dirty="0" err="1"/>
+              <a:t>yyyyMMdd</a:t>
             </a:r>
             <a:endParaRPr lang="en-US" sz="900" dirty="0"/>
           </a:p>

--- a/CAA/00_doc/Architecture_20220907.pptx
+++ b/CAA/00_doc/Architecture_20220907.pptx
@@ -10,7 +10,9 @@
     <p:sldId id="303" r:id="rId4"/>
     <p:sldId id="304" r:id="rId5"/>
     <p:sldId id="307" r:id="rId6"/>
-    <p:sldId id="308" r:id="rId7"/>
+    <p:sldId id="309" r:id="rId7"/>
+    <p:sldId id="310" r:id="rId8"/>
+    <p:sldId id="308" r:id="rId9"/>
   </p:sldIdLst>
   <p:sldSz cx="12192000" cy="6858000"/>
   <p:notesSz cx="7010400" cy="9296400"/>
@@ -246,7 +248,7 @@
           <a:p>
             <a:fld id="{31344A68-CF47-4359-963B-B33F3862CE01}" type="datetimeFigureOut">
               <a:rPr lang="en-US" smtClean="0"/>
-              <a:t>9/9/2022</a:t>
+              <a:t>9/12/2022</a:t>
             </a:fld>
             <a:endParaRPr lang="en-US"/>
           </a:p>
@@ -414,7 +416,7 @@
           <a:p>
             <a:fld id="{31344A68-CF47-4359-963B-B33F3862CE01}" type="datetimeFigureOut">
               <a:rPr lang="en-US" smtClean="0"/>
-              <a:t>9/9/2022</a:t>
+              <a:t>9/12/2022</a:t>
             </a:fld>
             <a:endParaRPr lang="en-US"/>
           </a:p>
@@ -592,7 +594,7 @@
           <a:p>
             <a:fld id="{31344A68-CF47-4359-963B-B33F3862CE01}" type="datetimeFigureOut">
               <a:rPr lang="en-US" smtClean="0"/>
-              <a:t>9/9/2022</a:t>
+              <a:t>9/12/2022</a:t>
             </a:fld>
             <a:endParaRPr lang="en-US"/>
           </a:p>
@@ -760,7 +762,7 @@
           <a:p>
             <a:fld id="{31344A68-CF47-4359-963B-B33F3862CE01}" type="datetimeFigureOut">
               <a:rPr lang="en-US" smtClean="0"/>
-              <a:t>9/9/2022</a:t>
+              <a:t>9/12/2022</a:t>
             </a:fld>
             <a:endParaRPr lang="en-US"/>
           </a:p>
@@ -1005,7 +1007,7 @@
           <a:p>
             <a:fld id="{31344A68-CF47-4359-963B-B33F3862CE01}" type="datetimeFigureOut">
               <a:rPr lang="en-US" smtClean="0"/>
-              <a:t>9/9/2022</a:t>
+              <a:t>9/12/2022</a:t>
             </a:fld>
             <a:endParaRPr lang="en-US"/>
           </a:p>
@@ -1234,7 +1236,7 @@
           <a:p>
             <a:fld id="{31344A68-CF47-4359-963B-B33F3862CE01}" type="datetimeFigureOut">
               <a:rPr lang="en-US" smtClean="0"/>
-              <a:t>9/9/2022</a:t>
+              <a:t>9/12/2022</a:t>
             </a:fld>
             <a:endParaRPr lang="en-US"/>
           </a:p>
@@ -1598,7 +1600,7 @@
           <a:p>
             <a:fld id="{31344A68-CF47-4359-963B-B33F3862CE01}" type="datetimeFigureOut">
               <a:rPr lang="en-US" smtClean="0"/>
-              <a:t>9/9/2022</a:t>
+              <a:t>9/12/2022</a:t>
             </a:fld>
             <a:endParaRPr lang="en-US"/>
           </a:p>
@@ -1715,7 +1717,7 @@
           <a:p>
             <a:fld id="{31344A68-CF47-4359-963B-B33F3862CE01}" type="datetimeFigureOut">
               <a:rPr lang="en-US" smtClean="0"/>
-              <a:t>9/9/2022</a:t>
+              <a:t>9/12/2022</a:t>
             </a:fld>
             <a:endParaRPr lang="en-US"/>
           </a:p>
@@ -1810,7 +1812,7 @@
           <a:p>
             <a:fld id="{31344A68-CF47-4359-963B-B33F3862CE01}" type="datetimeFigureOut">
               <a:rPr lang="en-US" smtClean="0"/>
-              <a:t>9/9/2022</a:t>
+              <a:t>9/12/2022</a:t>
             </a:fld>
             <a:endParaRPr lang="en-US"/>
           </a:p>
@@ -2085,7 +2087,7 @@
           <a:p>
             <a:fld id="{31344A68-CF47-4359-963B-B33F3862CE01}" type="datetimeFigureOut">
               <a:rPr lang="en-US" smtClean="0"/>
-              <a:t>9/9/2022</a:t>
+              <a:t>9/12/2022</a:t>
             </a:fld>
             <a:endParaRPr lang="en-US"/>
           </a:p>
@@ -2337,7 +2339,7 @@
           <a:p>
             <a:fld id="{31344A68-CF47-4359-963B-B33F3862CE01}" type="datetimeFigureOut">
               <a:rPr lang="en-US" smtClean="0"/>
-              <a:t>9/9/2022</a:t>
+              <a:t>9/12/2022</a:t>
             </a:fld>
             <a:endParaRPr lang="en-US"/>
           </a:p>
@@ -2548,7 +2550,7 @@
           <a:p>
             <a:fld id="{31344A68-CF47-4359-963B-B33F3862CE01}" type="datetimeFigureOut">
               <a:rPr lang="en-US" smtClean="0"/>
-              <a:t>9/9/2022</a:t>
+              <a:t>9/12/2022</a:t>
             </a:fld>
             <a:endParaRPr lang="en-US"/>
           </a:p>
@@ -5147,7 +5149,28 @@
                         <a:latin typeface="Cambria Math" panose="02040503050406030204" pitchFamily="18" charset="0"/>
                         <a:ea typeface="Microsoft JhengHei" panose="020B0604030504040204" pitchFamily="34" charset="-120"/>
                       </a:rPr>
-                      <m:t>現在狀態、模具、</m:t>
+                      <m:t>現在狀態</m:t>
+                    </m:r>
+                    <m:r>
+                      <a:rPr lang="zh-TW" altLang="en-US" sz="1200" i="1">
+                        <a:latin typeface="Cambria Math" panose="02040503050406030204" pitchFamily="18" charset="0"/>
+                        <a:ea typeface="Microsoft JhengHei" panose="020B0604030504040204" pitchFamily="34" charset="-120"/>
+                      </a:rPr>
+                      <m:t>、</m:t>
+                    </m:r>
+                    <m:r>
+                      <a:rPr lang="zh-TW" altLang="en-US" sz="1200" i="1">
+                        <a:latin typeface="Cambria Math" panose="02040503050406030204" pitchFamily="18" charset="0"/>
+                        <a:ea typeface="Microsoft JhengHei" panose="020B0604030504040204" pitchFamily="34" charset="-120"/>
+                      </a:rPr>
+                      <m:t>模具</m:t>
+                    </m:r>
+                    <m:r>
+                      <a:rPr lang="zh-TW" altLang="en-US" sz="1200" i="1">
+                        <a:latin typeface="Cambria Math" panose="02040503050406030204" pitchFamily="18" charset="0"/>
+                        <a:ea typeface="Microsoft JhengHei" panose="020B0604030504040204" pitchFamily="34" charset="-120"/>
+                      </a:rPr>
+                      <m:t>、</m:t>
                     </m:r>
                     <m:r>
                       <a:rPr lang="zh-TW" altLang="en-US" sz="1200" i="1" smtClean="0">
@@ -7302,7 +7325,13 @@
                           <a:rPr lang="en-US" sz="1600" b="0" i="1" smtClean="0">
                             <a:latin typeface="Cambria Math" panose="02040503050406030204" pitchFamily="18" charset="0"/>
                           </a:rPr>
-                          <m:t>+1</m:t>
+                          <m:t>+</m:t>
+                        </m:r>
+                        <m:r>
+                          <a:rPr lang="en-US" sz="1600" b="0" i="1" smtClean="0">
+                            <a:latin typeface="Cambria Math" panose="02040503050406030204" pitchFamily="18" charset="0"/>
+                          </a:rPr>
+                          <m:t>1</m:t>
                         </m:r>
                       </m:sup>
                     </m:sSup>
@@ -10082,7 +10111,13 @@
                           <a:rPr lang="en-US" sz="1400" i="1">
                             <a:latin typeface="Cambria Math" panose="02040503050406030204" pitchFamily="18" charset="0"/>
                           </a:rPr>
-                          <m:t>+1</m:t>
+                          <m:t>+</m:t>
+                        </m:r>
+                        <m:r>
+                          <a:rPr lang="en-US" sz="1400" i="1">
+                            <a:latin typeface="Cambria Math" panose="02040503050406030204" pitchFamily="18" charset="0"/>
+                          </a:rPr>
+                          <m:t>1</m:t>
                         </m:r>
                       </m:sup>
                     </m:sSup>
@@ -10703,7 +10738,13 @@
                           <a:rPr lang="en-US" sz="1600" b="0" i="1" smtClean="0">
                             <a:latin typeface="Cambria Math" panose="02040503050406030204" pitchFamily="18" charset="0"/>
                           </a:rPr>
-                          <m:t>−1</m:t>
+                          <m:t>−</m:t>
+                        </m:r>
+                        <m:r>
+                          <a:rPr lang="en-US" sz="1600" b="0" i="1" smtClean="0">
+                            <a:latin typeface="Cambria Math" panose="02040503050406030204" pitchFamily="18" charset="0"/>
+                          </a:rPr>
+                          <m:t>1</m:t>
                         </m:r>
                       </m:sup>
                     </m:sSup>
@@ -10944,7 +10985,13 @@
                           <a:rPr lang="en-US" sz="1600" b="0" i="1" smtClean="0">
                             <a:latin typeface="Cambria Math" panose="02040503050406030204" pitchFamily="18" charset="0"/>
                           </a:rPr>
-                          <m:t>+1</m:t>
+                          <m:t>+</m:t>
+                        </m:r>
+                        <m:r>
+                          <a:rPr lang="en-US" sz="1600" b="0" i="1" smtClean="0">
+                            <a:latin typeface="Cambria Math" panose="02040503050406030204" pitchFamily="18" charset="0"/>
+                          </a:rPr>
+                          <m:t>1</m:t>
                         </m:r>
                       </m:sup>
                     </m:sSup>
@@ -12902,7 +12949,13 @@
                           <a:rPr lang="en-US" sz="1600" i="1">
                             <a:latin typeface="Cambria Math" panose="02040503050406030204" pitchFamily="18" charset="0"/>
                           </a:rPr>
-                          <m:t>+1</m:t>
+                          <m:t>+</m:t>
+                        </m:r>
+                        <m:r>
+                          <a:rPr lang="en-US" sz="1600" i="1">
+                            <a:latin typeface="Cambria Math" panose="02040503050406030204" pitchFamily="18" charset="0"/>
+                          </a:rPr>
+                          <m:t>1</m:t>
                         </m:r>
                       </m:sup>
                     </m:sSup>
@@ -16526,7 +16579,7 @@
         </p:nvSpPr>
         <p:spPr>
           <a:xfrm>
-            <a:off x="192688" y="222300"/>
+            <a:off x="192688" y="64988"/>
             <a:ext cx="1508746" cy="400110"/>
           </a:xfrm>
           <a:prstGeom prst="rect">
@@ -16561,7 +16614,7 @@
         </p:nvSpPr>
         <p:spPr>
           <a:xfrm>
-            <a:off x="756252" y="486313"/>
+            <a:off x="756252" y="329001"/>
             <a:ext cx="1823641" cy="338554"/>
           </a:xfrm>
           <a:prstGeom prst="rect">
@@ -16596,7 +16649,7 @@
         </p:nvSpPr>
         <p:spPr>
           <a:xfrm>
-            <a:off x="552419" y="704320"/>
+            <a:off x="552419" y="547008"/>
             <a:ext cx="1938031" cy="400110"/>
           </a:xfrm>
           <a:prstGeom prst="rect">
@@ -16639,7 +16692,7 @@
         </p:nvGrpSpPr>
         <p:grpSpPr>
           <a:xfrm>
-            <a:off x="528253" y="3053843"/>
+            <a:off x="528253" y="2896531"/>
             <a:ext cx="1670201" cy="569387"/>
             <a:chOff x="557955" y="4552675"/>
             <a:chExt cx="1670201" cy="569387"/>
@@ -16735,7 +16788,7 @@
         </p:nvSpPr>
         <p:spPr>
           <a:xfrm>
-            <a:off x="497245" y="988687"/>
+            <a:off x="497245" y="831375"/>
             <a:ext cx="1550424" cy="1169551"/>
           </a:xfrm>
           <a:prstGeom prst="rect">
@@ -16912,7 +16965,7 @@
         </p:nvGrpSpPr>
         <p:grpSpPr>
           <a:xfrm>
-            <a:off x="441917" y="2125013"/>
+            <a:off x="441917" y="1967701"/>
             <a:ext cx="1378967" cy="1023085"/>
             <a:chOff x="568791" y="3518028"/>
             <a:chExt cx="1378967" cy="1023085"/>
@@ -17951,7 +18004,7 @@
         </p:nvSpPr>
         <p:spPr>
           <a:xfrm>
-            <a:off x="673046" y="4906712"/>
+            <a:off x="618111" y="5116235"/>
             <a:ext cx="758797" cy="307777"/>
           </a:xfrm>
           <a:prstGeom prst="rect">
@@ -17986,7 +18039,7 @@
         </p:nvGrpSpPr>
         <p:grpSpPr>
           <a:xfrm>
-            <a:off x="228099" y="6153680"/>
+            <a:off x="228099" y="6193008"/>
             <a:ext cx="2435207" cy="569387"/>
             <a:chOff x="557955" y="4552675"/>
             <a:chExt cx="2435207" cy="569387"/>
@@ -18082,7 +18135,7 @@
         </p:nvSpPr>
         <p:spPr>
           <a:xfrm>
-            <a:off x="213412" y="4324806"/>
+            <a:off x="158477" y="4534329"/>
             <a:ext cx="2404761" cy="400110"/>
           </a:xfrm>
           <a:prstGeom prst="rect">
@@ -18121,7 +18174,7 @@
         </p:nvSpPr>
         <p:spPr>
           <a:xfrm>
-            <a:off x="748211" y="4637408"/>
+            <a:off x="693276" y="4846931"/>
             <a:ext cx="1868525" cy="338554"/>
           </a:xfrm>
           <a:prstGeom prst="rect">
@@ -18156,7 +18209,7 @@
         </p:nvSpPr>
         <p:spPr>
           <a:xfrm>
-            <a:off x="645732" y="5115680"/>
+            <a:off x="590797" y="5325203"/>
             <a:ext cx="2383858" cy="954107"/>
           </a:xfrm>
           <a:prstGeom prst="rect">
@@ -18307,7 +18360,7 @@
         </p:nvSpPr>
         <p:spPr>
           <a:xfrm>
-            <a:off x="2873543" y="5400373"/>
+            <a:off x="2818608" y="5609896"/>
             <a:ext cx="2113337" cy="415498"/>
           </a:xfrm>
           <a:prstGeom prst="rect">
@@ -18343,7 +18396,7 @@
         </p:nvSpPr>
         <p:spPr>
           <a:xfrm>
-            <a:off x="2856454" y="5804397"/>
+            <a:off x="2801519" y="6013920"/>
             <a:ext cx="2113337" cy="253916"/>
           </a:xfrm>
           <a:prstGeom prst="rect">
@@ -18468,7 +18521,7 @@
         </p:nvSpPr>
         <p:spPr>
           <a:xfrm>
-            <a:off x="3243348" y="2748340"/>
+            <a:off x="3471833" y="2612988"/>
             <a:ext cx="1451359" cy="400110"/>
           </a:xfrm>
           <a:prstGeom prst="rect">
@@ -18504,7 +18557,7 @@
         </p:nvSpPr>
         <p:spPr>
           <a:xfrm>
-            <a:off x="3404451" y="3075364"/>
+            <a:off x="3632936" y="2940012"/>
             <a:ext cx="2271135" cy="954107"/>
           </a:xfrm>
           <a:prstGeom prst="rect">
@@ -18566,7 +18619,7 @@
         </p:nvSpPr>
         <p:spPr>
           <a:xfrm>
-            <a:off x="3230314" y="2394443"/>
+            <a:off x="3458799" y="2259091"/>
             <a:ext cx="2584682" cy="400110"/>
           </a:xfrm>
           <a:prstGeom prst="rect">
@@ -18824,7 +18877,7 @@
         </p:nvSpPr>
         <p:spPr>
           <a:xfrm>
-            <a:off x="3404450" y="3995247"/>
+            <a:off x="3632935" y="3859895"/>
             <a:ext cx="2580515" cy="400110"/>
           </a:xfrm>
           <a:prstGeom prst="rect">
@@ -18872,7 +18925,7 @@
         </p:nvSpPr>
         <p:spPr>
           <a:xfrm>
-            <a:off x="3794109" y="4317112"/>
+            <a:off x="4022594" y="4181760"/>
             <a:ext cx="2800895" cy="307777"/>
           </a:xfrm>
           <a:prstGeom prst="rect">
@@ -19021,7 +19074,7 @@
         </p:nvSpPr>
         <p:spPr>
           <a:xfrm>
-            <a:off x="3149504" y="1011172"/>
+            <a:off x="3149504" y="853860"/>
             <a:ext cx="984621" cy="923330"/>
           </a:xfrm>
           <a:prstGeom prst="rect">
@@ -19074,7 +19127,7 @@
         </p:nvSpPr>
         <p:spPr>
           <a:xfrm>
-            <a:off x="1052444" y="3553694"/>
+            <a:off x="1052444" y="3396382"/>
             <a:ext cx="1209297" cy="369332"/>
           </a:xfrm>
           <a:prstGeom prst="rect">
@@ -19120,7 +19173,7 @@
         </p:nvSpPr>
         <p:spPr>
           <a:xfrm>
-            <a:off x="1164504" y="2885528"/>
+            <a:off x="1164504" y="2728216"/>
             <a:ext cx="1209297" cy="230832"/>
           </a:xfrm>
           <a:prstGeom prst="rect">
@@ -19151,6 +19204,1426 @@
           </a:p>
         </p:txBody>
       </p:sp>
+      <p:grpSp>
+        <p:nvGrpSpPr>
+          <p:cNvPr id="21" name="Group 20">
+            <a:extLst>
+              <a:ext uri="{FF2B5EF4-FFF2-40B4-BE49-F238E27FC236}">
+                <a16:creationId xmlns:a16="http://schemas.microsoft.com/office/drawing/2014/main" id="{39494B7E-50C1-A086-930E-AB561F78F9B0}"/>
+              </a:ext>
+            </a:extLst>
+          </p:cNvPr>
+          <p:cNvGrpSpPr/>
+          <p:nvPr/>
+        </p:nvGrpSpPr>
+        <p:grpSpPr>
+          <a:xfrm>
+            <a:off x="628237" y="3726135"/>
+            <a:ext cx="3083715" cy="1000274"/>
+            <a:chOff x="557955" y="4552675"/>
+            <a:chExt cx="3083715" cy="1000274"/>
+          </a:xfrm>
+        </p:grpSpPr>
+        <p:sp>
+          <p:nvSpPr>
+            <p:cNvPr id="23" name="TextBox 22">
+              <a:extLst>
+                <a:ext uri="{FF2B5EF4-FFF2-40B4-BE49-F238E27FC236}">
+                  <a16:creationId xmlns:a16="http://schemas.microsoft.com/office/drawing/2014/main" id="{D41021BB-4A20-2FAB-DA7B-D949379F33F0}"/>
+                </a:ext>
+              </a:extLst>
+            </p:cNvPr>
+            <p:cNvSpPr txBox="1"/>
+            <p:nvPr/>
+          </p:nvSpPr>
+          <p:spPr>
+            <a:xfrm>
+              <a:off x="557955" y="4552675"/>
+              <a:ext cx="1854547" cy="400110"/>
+            </a:xfrm>
+            <a:prstGeom prst="rect">
+              <a:avLst/>
+            </a:prstGeom>
+            <a:noFill/>
+          </p:spPr>
+          <p:txBody>
+            <a:bodyPr wrap="none" rtlCol="0">
+              <a:spAutoFit/>
+            </a:bodyPr>
+            <a:lstStyle/>
+            <a:p>
+              <a:r>
+                <a:rPr lang="en-US" sz="2000" b="1" dirty="0" err="1"/>
+                <a:t>dSP</a:t>
+              </a:r>
+              <a:r>
+                <a:rPr lang="en-US" sz="2000" b="1" dirty="0"/>
+                <a:t> </a:t>
+              </a:r>
+              <a:r>
+                <a:rPr lang="en-US" sz="1600" dirty="0"/>
+                <a:t>( specification)</a:t>
+              </a:r>
+              <a:endParaRPr lang="en-US" sz="2000" dirty="0"/>
+            </a:p>
+          </p:txBody>
+        </p:sp>
+        <p:sp>
+          <p:nvSpPr>
+            <p:cNvPr id="25" name="TextBox 24">
+              <a:extLst>
+                <a:ext uri="{FF2B5EF4-FFF2-40B4-BE49-F238E27FC236}">
+                  <a16:creationId xmlns:a16="http://schemas.microsoft.com/office/drawing/2014/main" id="{3AD95F60-EC8D-0357-5528-B5CF2C2E6B07}"/>
+                </a:ext>
+              </a:extLst>
+            </p:cNvPr>
+            <p:cNvSpPr txBox="1"/>
+            <p:nvPr/>
+          </p:nvSpPr>
+          <p:spPr>
+            <a:xfrm>
+              <a:off x="798138" y="4814285"/>
+              <a:ext cx="2843532" cy="738664"/>
+            </a:xfrm>
+            <a:prstGeom prst="rect">
+              <a:avLst/>
+            </a:prstGeom>
+            <a:noFill/>
+          </p:spPr>
+          <p:txBody>
+            <a:bodyPr wrap="square" rtlCol="0">
+              <a:spAutoFit/>
+            </a:bodyPr>
+            <a:lstStyle/>
+            <a:p>
+              <a:r>
+                <a:rPr lang="en-US" sz="1400" dirty="0" err="1"/>
+                <a:t>dART,dSZ</a:t>
+              </a:r>
+              <a:r>
+                <a:rPr lang="en-US" sz="1400" dirty="0"/>
+                <a:t>, </a:t>
+              </a:r>
+              <a:r>
+                <a:rPr lang="en-US" sz="1400" dirty="0" err="1"/>
+                <a:t>dMJ</a:t>
+              </a:r>
+              <a:r>
+                <a:rPr lang="en-US" sz="1400" dirty="0"/>
+                <a:t>, </a:t>
+              </a:r>
+              <a:r>
+                <a:rPr lang="en-US" sz="1400" dirty="0" err="1"/>
+                <a:t>dCO</a:t>
+              </a:r>
+              <a:r>
+                <a:rPr lang="en-US" sz="1400" dirty="0"/>
+                <a:t>, same, </a:t>
+              </a:r>
+              <a:r>
+                <a:rPr lang="en-US" sz="1400" dirty="0" err="1"/>
+                <a:t>dSZ_value</a:t>
+              </a:r>
+              <a:endParaRPr lang="en-US" sz="1400" dirty="0"/>
+            </a:p>
+            <a:p>
+              <a:r>
+                <a:rPr lang="en-US" sz="1400" dirty="0"/>
+                <a:t>=false: it is different, =true: same</a:t>
+              </a:r>
+            </a:p>
+          </p:txBody>
+        </p:sp>
+      </p:grpSp>
+      <p:sp>
+        <p:nvSpPr>
+          <p:cNvPr id="27" name="TextBox 26">
+            <a:extLst>
+              <a:ext uri="{FF2B5EF4-FFF2-40B4-BE49-F238E27FC236}">
+                <a16:creationId xmlns:a16="http://schemas.microsoft.com/office/drawing/2014/main" id="{0255D26E-F9DD-178C-AB27-0F93F72C57FE}"/>
+              </a:ext>
+            </a:extLst>
+          </p:cNvPr>
+          <p:cNvSpPr txBox="1"/>
+          <p:nvPr/>
+        </p:nvSpPr>
+        <p:spPr>
+          <a:xfrm>
+            <a:off x="5265015" y="6054508"/>
+            <a:ext cx="1485920" cy="400110"/>
+          </a:xfrm>
+          <a:prstGeom prst="rect">
+            <a:avLst/>
+          </a:prstGeom>
+          <a:noFill/>
+        </p:spPr>
+        <p:txBody>
+          <a:bodyPr wrap="none" rtlCol="0">
+            <a:spAutoFit/>
+          </a:bodyPr>
+          <a:lstStyle/>
+          <a:p>
+            <a:r>
+              <a:rPr lang="en-US" sz="2000" b="1" dirty="0"/>
+              <a:t>CAA_ARTCO</a:t>
+            </a:r>
+          </a:p>
+        </p:txBody>
+      </p:sp>
+      <p:sp>
+        <p:nvSpPr>
+          <p:cNvPr id="31" name="TextBox 30">
+            <a:extLst>
+              <a:ext uri="{FF2B5EF4-FFF2-40B4-BE49-F238E27FC236}">
+                <a16:creationId xmlns:a16="http://schemas.microsoft.com/office/drawing/2014/main" id="{B6B6F6C0-72D8-A147-09B4-C080384070F7}"/>
+              </a:ext>
+            </a:extLst>
+          </p:cNvPr>
+          <p:cNvSpPr txBox="1"/>
+          <p:nvPr/>
+        </p:nvSpPr>
+        <p:spPr>
+          <a:xfrm>
+            <a:off x="5756242" y="6565034"/>
+            <a:ext cx="788742" cy="307777"/>
+          </a:xfrm>
+          <a:prstGeom prst="rect">
+            <a:avLst/>
+          </a:prstGeom>
+          <a:noFill/>
+        </p:spPr>
+        <p:txBody>
+          <a:bodyPr wrap="none" rtlCol="0">
+            <a:spAutoFit/>
+          </a:bodyPr>
+          <a:lstStyle/>
+          <a:p>
+            <a:r>
+              <a:rPr lang="en-US" sz="1400" dirty="0"/>
+              <a:t>CAA, CO</a:t>
+            </a:r>
+          </a:p>
+        </p:txBody>
+      </p:sp>
+      <p:sp>
+        <p:nvSpPr>
+          <p:cNvPr id="35" name="TextBox 34">
+            <a:extLst>
+              <a:ext uri="{FF2B5EF4-FFF2-40B4-BE49-F238E27FC236}">
+                <a16:creationId xmlns:a16="http://schemas.microsoft.com/office/drawing/2014/main" id="{FAB241C0-9017-DC13-B4D9-5F04C5828C42}"/>
+              </a:ext>
+            </a:extLst>
+          </p:cNvPr>
+          <p:cNvSpPr txBox="1"/>
+          <p:nvPr/>
+        </p:nvSpPr>
+        <p:spPr>
+          <a:xfrm>
+            <a:off x="7097544" y="5904789"/>
+            <a:ext cx="1687000" cy="1169551"/>
+          </a:xfrm>
+          <a:prstGeom prst="rect">
+            <a:avLst/>
+          </a:prstGeom>
+          <a:noFill/>
+        </p:spPr>
+        <p:txBody>
+          <a:bodyPr wrap="none" rtlCol="0">
+            <a:spAutoFit/>
+          </a:bodyPr>
+          <a:lstStyle/>
+          <a:p>
+            <a:r>
+              <a:rPr lang="en-US" sz="1400" dirty="0">
+                <a:solidFill>
+                  <a:schemeClr val="accent1">
+                    <a:lumMod val="50000"/>
+                  </a:schemeClr>
+                </a:solidFill>
+              </a:rPr>
+              <a:t>.</a:t>
+            </a:r>
+            <a:r>
+              <a:rPr lang="en-US" sz="1400" dirty="0" err="1">
+                <a:solidFill>
+                  <a:schemeClr val="accent1">
+                    <a:lumMod val="50000"/>
+                  </a:schemeClr>
+                </a:solidFill>
+              </a:rPr>
+              <a:t>defineMEfromCSV</a:t>
+            </a:r>
+            <a:endParaRPr lang="en-US" sz="1400" dirty="0">
+              <a:solidFill>
+                <a:schemeClr val="accent1">
+                  <a:lumMod val="50000"/>
+                </a:schemeClr>
+              </a:solidFill>
+            </a:endParaRPr>
+          </a:p>
+          <a:p>
+            <a:r>
+              <a:rPr lang="en-US" sz="1400" dirty="0">
+                <a:solidFill>
+                  <a:schemeClr val="accent1">
+                    <a:lumMod val="50000"/>
+                  </a:schemeClr>
+                </a:solidFill>
+              </a:rPr>
+              <a:t>.</a:t>
+            </a:r>
+            <a:r>
+              <a:rPr lang="en-US" sz="1400" dirty="0" err="1">
+                <a:solidFill>
+                  <a:schemeClr val="accent1">
+                    <a:lumMod val="50000"/>
+                  </a:schemeClr>
+                </a:solidFill>
+              </a:rPr>
+              <a:t>defineMEFromJSON</a:t>
+            </a:r>
+            <a:endParaRPr lang="en-US" sz="1400" dirty="0">
+              <a:solidFill>
+                <a:schemeClr val="accent1">
+                  <a:lumMod val="50000"/>
+                </a:schemeClr>
+              </a:solidFill>
+            </a:endParaRPr>
+          </a:p>
+          <a:p>
+            <a:r>
+              <a:rPr lang="en-US" sz="1400" dirty="0">
+                <a:solidFill>
+                  <a:schemeClr val="accent1">
+                    <a:lumMod val="50000"/>
+                  </a:schemeClr>
+                </a:solidFill>
+              </a:rPr>
+              <a:t>.exportME2JSON</a:t>
+            </a:r>
+          </a:p>
+          <a:p>
+            <a:r>
+              <a:rPr lang="en-US" sz="1400" dirty="0">
+                <a:solidFill>
+                  <a:schemeClr val="accent1">
+                    <a:lumMod val="50000"/>
+                  </a:schemeClr>
+                </a:solidFill>
+              </a:rPr>
+              <a:t>.exportME2CSV</a:t>
+            </a:r>
+          </a:p>
+          <a:p>
+            <a:r>
+              <a:rPr lang="en-US" sz="1400" dirty="0">
+                <a:solidFill>
+                  <a:schemeClr val="accent1">
+                    <a:lumMod val="50000"/>
+                  </a:schemeClr>
+                </a:solidFill>
+              </a:rPr>
+              <a:t>.</a:t>
+            </a:r>
+          </a:p>
+        </p:txBody>
+      </p:sp>
+      <p:sp>
+        <p:nvSpPr>
+          <p:cNvPr id="37" name="TextBox 36">
+            <a:extLst>
+              <a:ext uri="{FF2B5EF4-FFF2-40B4-BE49-F238E27FC236}">
+                <a16:creationId xmlns:a16="http://schemas.microsoft.com/office/drawing/2014/main" id="{7B73D16D-2D58-AC2A-C781-2E2BD130F943}"/>
+              </a:ext>
+            </a:extLst>
+          </p:cNvPr>
+          <p:cNvSpPr txBox="1"/>
+          <p:nvPr/>
+        </p:nvSpPr>
+        <p:spPr>
+          <a:xfrm>
+            <a:off x="5341064" y="6339187"/>
+            <a:ext cx="853760" cy="307777"/>
+          </a:xfrm>
+          <a:prstGeom prst="rect">
+            <a:avLst/>
+          </a:prstGeom>
+          <a:noFill/>
+        </p:spPr>
+        <p:txBody>
+          <a:bodyPr wrap="none" rtlCol="0">
+            <a:spAutoFit/>
+          </a:bodyPr>
+          <a:lstStyle/>
+          <a:p>
+            <a:r>
+              <a:rPr lang="en-US" sz="1400" dirty="0" err="1"/>
+              <a:t>lstARTCO</a:t>
+            </a:r>
+            <a:endParaRPr lang="en-US" sz="1400" dirty="0"/>
+          </a:p>
+        </p:txBody>
+      </p:sp>
+      <p:sp>
+        <p:nvSpPr>
+          <p:cNvPr id="43" name="TextBox 42">
+            <a:extLst>
+              <a:ext uri="{FF2B5EF4-FFF2-40B4-BE49-F238E27FC236}">
+                <a16:creationId xmlns:a16="http://schemas.microsoft.com/office/drawing/2014/main" id="{5998F9A0-C6CC-8B7E-9E9F-286F5C520D7A}"/>
+              </a:ext>
+            </a:extLst>
+          </p:cNvPr>
+          <p:cNvSpPr txBox="1"/>
+          <p:nvPr/>
+        </p:nvSpPr>
+        <p:spPr>
+          <a:xfrm>
+            <a:off x="3193262" y="6446909"/>
+            <a:ext cx="2008499" cy="400110"/>
+          </a:xfrm>
+          <a:prstGeom prst="rect">
+            <a:avLst/>
+          </a:prstGeom>
+          <a:noFill/>
+        </p:spPr>
+        <p:txBody>
+          <a:bodyPr wrap="none" rtlCol="0">
+            <a:spAutoFit/>
+          </a:bodyPr>
+          <a:lstStyle/>
+          <a:p>
+            <a:r>
+              <a:rPr lang="en-US" sz="2000" b="1" dirty="0"/>
+              <a:t>CAA_INVENTORY</a:t>
+            </a:r>
+          </a:p>
+        </p:txBody>
+      </p:sp>
+      <p:sp>
+        <p:nvSpPr>
+          <p:cNvPr id="47" name="TextBox 46">
+            <a:extLst>
+              <a:ext uri="{FF2B5EF4-FFF2-40B4-BE49-F238E27FC236}">
+                <a16:creationId xmlns:a16="http://schemas.microsoft.com/office/drawing/2014/main" id="{91F6C2B9-66FF-CDC4-BCC6-251C176F9C21}"/>
+              </a:ext>
+            </a:extLst>
+          </p:cNvPr>
+          <p:cNvSpPr txBox="1"/>
+          <p:nvPr/>
+        </p:nvSpPr>
+        <p:spPr>
+          <a:xfrm>
+            <a:off x="3365908" y="6762395"/>
+            <a:ext cx="1728550" cy="400110"/>
+          </a:xfrm>
+          <a:prstGeom prst="rect">
+            <a:avLst/>
+          </a:prstGeom>
+          <a:noFill/>
+        </p:spPr>
+        <p:txBody>
+          <a:bodyPr wrap="none" rtlCol="0">
+            <a:spAutoFit/>
+          </a:bodyPr>
+          <a:lstStyle/>
+          <a:p>
+            <a:r>
+              <a:rPr lang="en-US" sz="2000" dirty="0" err="1"/>
+              <a:t>lstINV</a:t>
+            </a:r>
+            <a:r>
+              <a:rPr lang="en-US" sz="2000" dirty="0"/>
+              <a:t> </a:t>
+            </a:r>
+            <a:r>
+              <a:rPr lang="en-US" sz="1200" dirty="0"/>
+              <a:t>as list (of INV)</a:t>
+            </a:r>
+          </a:p>
+        </p:txBody>
+      </p:sp>
+      <p:sp>
+        <p:nvSpPr>
+          <p:cNvPr id="52" name="TextBox 51">
+            <a:extLst>
+              <a:ext uri="{FF2B5EF4-FFF2-40B4-BE49-F238E27FC236}">
+                <a16:creationId xmlns:a16="http://schemas.microsoft.com/office/drawing/2014/main" id="{9C0BEEC0-F6FC-9C91-43E2-FE790F72D079}"/>
+              </a:ext>
+            </a:extLst>
+          </p:cNvPr>
+          <p:cNvSpPr txBox="1"/>
+          <p:nvPr/>
+        </p:nvSpPr>
+        <p:spPr>
+          <a:xfrm>
+            <a:off x="3347144" y="7461823"/>
+            <a:ext cx="1550424" cy="1169551"/>
+          </a:xfrm>
+          <a:prstGeom prst="rect">
+            <a:avLst/>
+          </a:prstGeom>
+          <a:noFill/>
+        </p:spPr>
+        <p:txBody>
+          <a:bodyPr wrap="none" rtlCol="0">
+            <a:spAutoFit/>
+          </a:bodyPr>
+          <a:lstStyle/>
+          <a:p>
+            <a:r>
+              <a:rPr lang="en-US" sz="1400" dirty="0">
+                <a:solidFill>
+                  <a:schemeClr val="accent1">
+                    <a:lumMod val="50000"/>
+                  </a:schemeClr>
+                </a:solidFill>
+              </a:rPr>
+              <a:t>.</a:t>
+            </a:r>
+            <a:r>
+              <a:rPr lang="en-US" sz="1400" dirty="0" err="1">
+                <a:solidFill>
+                  <a:schemeClr val="accent1">
+                    <a:lumMod val="50000"/>
+                  </a:schemeClr>
+                </a:solidFill>
+              </a:rPr>
+              <a:t>import_OrderFile</a:t>
+            </a:r>
+            <a:endParaRPr lang="en-US" sz="1400" dirty="0">
+              <a:solidFill>
+                <a:schemeClr val="accent1">
+                  <a:lumMod val="50000"/>
+                </a:schemeClr>
+              </a:solidFill>
+            </a:endParaRPr>
+          </a:p>
+          <a:p>
+            <a:r>
+              <a:rPr lang="en-US" sz="1400" dirty="0">
+                <a:solidFill>
+                  <a:schemeClr val="accent1">
+                    <a:lumMod val="50000"/>
+                  </a:schemeClr>
+                </a:solidFill>
+              </a:rPr>
+              <a:t>.</a:t>
+            </a:r>
+            <a:r>
+              <a:rPr lang="en-US" sz="1400" dirty="0" err="1">
+                <a:solidFill>
+                  <a:schemeClr val="accent1">
+                    <a:lumMod val="50000"/>
+                  </a:schemeClr>
+                </a:solidFill>
+              </a:rPr>
+              <a:t>assign_Price</a:t>
+            </a:r>
+            <a:endParaRPr lang="en-US" sz="1400" dirty="0">
+              <a:solidFill>
+                <a:schemeClr val="accent1">
+                  <a:lumMod val="50000"/>
+                </a:schemeClr>
+              </a:solidFill>
+            </a:endParaRPr>
+          </a:p>
+          <a:p>
+            <a:r>
+              <a:rPr lang="en-US" sz="1400" dirty="0">
+                <a:solidFill>
+                  <a:schemeClr val="accent1">
+                    <a:lumMod val="50000"/>
+                  </a:schemeClr>
+                </a:solidFill>
+              </a:rPr>
+              <a:t>.</a:t>
+            </a:r>
+            <a:r>
+              <a:rPr lang="en-US" sz="1400" dirty="0" err="1">
+                <a:solidFill>
+                  <a:schemeClr val="accent1">
+                    <a:lumMod val="50000"/>
+                  </a:schemeClr>
+                </a:solidFill>
+              </a:rPr>
+              <a:t>update_Order</a:t>
+            </a:r>
+            <a:r>
+              <a:rPr lang="en-US" sz="1400" dirty="0">
+                <a:solidFill>
+                  <a:schemeClr val="accent1">
+                    <a:lumMod val="50000"/>
+                  </a:schemeClr>
+                </a:solidFill>
+              </a:rPr>
+              <a:t> </a:t>
+            </a:r>
+          </a:p>
+          <a:p>
+            <a:r>
+              <a:rPr lang="en-US" sz="1400" dirty="0">
+                <a:solidFill>
+                  <a:schemeClr val="accent1">
+                    <a:lumMod val="50000"/>
+                  </a:schemeClr>
+                </a:solidFill>
+              </a:rPr>
+              <a:t>.</a:t>
+            </a:r>
+            <a:r>
+              <a:rPr lang="en-US" sz="1400" dirty="0" err="1">
+                <a:solidFill>
+                  <a:schemeClr val="accent1">
+                    <a:lumMod val="50000"/>
+                  </a:schemeClr>
+                </a:solidFill>
+              </a:rPr>
+              <a:t>export_ORDER</a:t>
+            </a:r>
+            <a:endParaRPr lang="en-US" sz="1400" dirty="0">
+              <a:solidFill>
+                <a:schemeClr val="accent1">
+                  <a:lumMod val="50000"/>
+                </a:schemeClr>
+              </a:solidFill>
+            </a:endParaRPr>
+          </a:p>
+          <a:p>
+            <a:r>
+              <a:rPr lang="en-US" sz="1400" dirty="0">
+                <a:solidFill>
+                  <a:schemeClr val="accent1">
+                    <a:lumMod val="50000"/>
+                  </a:schemeClr>
+                </a:solidFill>
+              </a:rPr>
+              <a:t>.</a:t>
+            </a:r>
+            <a:r>
+              <a:rPr lang="en-US" sz="1400" dirty="0" err="1">
+                <a:solidFill>
+                  <a:schemeClr val="accent1">
+                    <a:lumMod val="50000"/>
+                  </a:schemeClr>
+                </a:solidFill>
+              </a:rPr>
+              <a:t>import_ORDER</a:t>
+            </a:r>
+            <a:endParaRPr lang="en-US" sz="1400" dirty="0">
+              <a:solidFill>
+                <a:schemeClr val="accent1">
+                  <a:lumMod val="50000"/>
+                </a:schemeClr>
+              </a:solidFill>
+            </a:endParaRPr>
+          </a:p>
+        </p:txBody>
+      </p:sp>
+      <p:sp>
+        <p:nvSpPr>
+          <p:cNvPr id="59" name="TextBox 58">
+            <a:extLst>
+              <a:ext uri="{FF2B5EF4-FFF2-40B4-BE49-F238E27FC236}">
+                <a16:creationId xmlns:a16="http://schemas.microsoft.com/office/drawing/2014/main" id="{6982ACF0-89AB-23C7-EB9D-5138C4E456CE}"/>
+              </a:ext>
+            </a:extLst>
+          </p:cNvPr>
+          <p:cNvSpPr txBox="1"/>
+          <p:nvPr/>
+        </p:nvSpPr>
+        <p:spPr>
+          <a:xfrm>
+            <a:off x="3602296" y="7114645"/>
+            <a:ext cx="914225" cy="307777"/>
+          </a:xfrm>
+          <a:prstGeom prst="rect">
+            <a:avLst/>
+          </a:prstGeom>
+          <a:noFill/>
+        </p:spPr>
+        <p:txBody>
+          <a:bodyPr wrap="none" rtlCol="0">
+            <a:spAutoFit/>
+          </a:bodyPr>
+          <a:lstStyle/>
+          <a:p>
+            <a:r>
+              <a:rPr lang="en-US" sz="1400" dirty="0"/>
+              <a:t>INV: SP, VI</a:t>
+            </a:r>
+          </a:p>
+        </p:txBody>
+      </p:sp>
+      <p:sp>
+        <p:nvSpPr>
+          <p:cNvPr id="12" name="TextBox 11">
+            <a:extLst>
+              <a:ext uri="{FF2B5EF4-FFF2-40B4-BE49-F238E27FC236}">
+                <a16:creationId xmlns:a16="http://schemas.microsoft.com/office/drawing/2014/main" id="{9D55A285-6FFA-BED2-C2CB-356BAC5A9CC1}"/>
+              </a:ext>
+            </a:extLst>
+          </p:cNvPr>
+          <p:cNvSpPr txBox="1"/>
+          <p:nvPr/>
+        </p:nvSpPr>
+        <p:spPr>
+          <a:xfrm>
+            <a:off x="24846" y="6905262"/>
+            <a:ext cx="3433953" cy="1661993"/>
+          </a:xfrm>
+          <a:prstGeom prst="rect">
+            <a:avLst/>
+          </a:prstGeom>
+          <a:noFill/>
+        </p:spPr>
+        <p:txBody>
+          <a:bodyPr wrap="none" rtlCol="0">
+            <a:spAutoFit/>
+          </a:bodyPr>
+          <a:lstStyle/>
+          <a:p>
+            <a:r>
+              <a:rPr lang="en-US" b="1" dirty="0"/>
+              <a:t>SOTOOL</a:t>
+            </a:r>
+          </a:p>
+          <a:p>
+            <a:r>
+              <a:rPr lang="en-US" sz="1400" dirty="0"/>
+              <a:t>SO, Sta(</a:t>
+            </a:r>
+            <a:r>
+              <a:rPr lang="en-US" sz="1400" dirty="0" err="1"/>
+              <a:t>machineToolstatus</a:t>
+            </a:r>
+            <a:r>
+              <a:rPr lang="en-US" sz="1400" dirty="0"/>
+              <a:t>)</a:t>
+            </a:r>
+          </a:p>
+          <a:p>
+            <a:r>
+              <a:rPr lang="en-US" sz="1400" dirty="0" err="1"/>
+              <a:t>lstSZ</a:t>
+            </a:r>
+            <a:endParaRPr lang="en-US" sz="1400" dirty="0"/>
+          </a:p>
+          <a:p>
+            <a:r>
+              <a:rPr lang="en-US" sz="1400" dirty="0" err="1"/>
+              <a:t>UnitProducts</a:t>
+            </a:r>
+            <a:r>
+              <a:rPr lang="en-US" sz="1400" dirty="0"/>
+              <a:t>, </a:t>
+            </a:r>
+          </a:p>
+          <a:p>
+            <a:r>
+              <a:rPr lang="en-US" sz="1400" dirty="0"/>
+              <a:t>SN1: </a:t>
+            </a:r>
+            <a:r>
+              <a:rPr lang="en-US" sz="900" dirty="0"/>
+              <a:t>the SIZE, start with 4,5,6, (the </a:t>
+            </a:r>
+            <a:r>
+              <a:rPr lang="en-US" sz="900" dirty="0" err="1"/>
+              <a:t>smllest</a:t>
+            </a:r>
+            <a:r>
+              <a:rPr lang="en-US" sz="900" dirty="0"/>
+              <a:t> size in </a:t>
+            </a:r>
+            <a:r>
+              <a:rPr lang="en-US" sz="900" dirty="0" err="1"/>
+              <a:t>integal</a:t>
+            </a:r>
+            <a:r>
+              <a:rPr lang="en-US" sz="900" dirty="0"/>
+              <a:t>) </a:t>
+            </a:r>
+          </a:p>
+          <a:p>
+            <a:r>
+              <a:rPr lang="en-US" sz="1400" dirty="0"/>
+              <a:t>SN2: </a:t>
+            </a:r>
+            <a:r>
+              <a:rPr lang="en-US" sz="900" dirty="0"/>
+              <a:t>the SN number against the number of TOOL, start with 1, 2,3,</a:t>
+            </a:r>
+          </a:p>
+          <a:p>
+            <a:endParaRPr lang="en-US" sz="1400" dirty="0"/>
+          </a:p>
+        </p:txBody>
+      </p:sp>
+      <p:sp>
+        <p:nvSpPr>
+          <p:cNvPr id="17" name="TextBox 16">
+            <a:extLst>
+              <a:ext uri="{FF2B5EF4-FFF2-40B4-BE49-F238E27FC236}">
+                <a16:creationId xmlns:a16="http://schemas.microsoft.com/office/drawing/2014/main" id="{AF94A515-2547-BB87-B712-A2431DBE56CA}"/>
+              </a:ext>
+            </a:extLst>
+          </p:cNvPr>
+          <p:cNvSpPr txBox="1"/>
+          <p:nvPr/>
+        </p:nvSpPr>
+        <p:spPr>
+          <a:xfrm>
+            <a:off x="0" y="8250133"/>
+            <a:ext cx="1594411" cy="307777"/>
+          </a:xfrm>
+          <a:prstGeom prst="rect">
+            <a:avLst/>
+          </a:prstGeom>
+          <a:noFill/>
+        </p:spPr>
+        <p:txBody>
+          <a:bodyPr wrap="none" rtlCol="0">
+            <a:spAutoFit/>
+          </a:bodyPr>
+          <a:lstStyle/>
+          <a:p>
+            <a:r>
+              <a:rPr lang="en-US" sz="1400" dirty="0">
+                <a:solidFill>
+                  <a:schemeClr val="accent1">
+                    <a:lumMod val="50000"/>
+                  </a:schemeClr>
+                </a:solidFill>
+              </a:rPr>
+              <a:t>.</a:t>
+            </a:r>
+            <a:r>
+              <a:rPr lang="en-US" sz="1400" dirty="0" err="1">
+                <a:solidFill>
+                  <a:schemeClr val="accent1">
+                    <a:lumMod val="50000"/>
+                  </a:schemeClr>
+                </a:solidFill>
+              </a:rPr>
+              <a:t>defineMeFromCSV</a:t>
+            </a:r>
+            <a:endParaRPr lang="en-US" sz="1400" dirty="0">
+              <a:solidFill>
+                <a:schemeClr val="accent1">
+                  <a:lumMod val="50000"/>
+                </a:schemeClr>
+              </a:solidFill>
+            </a:endParaRPr>
+          </a:p>
+        </p:txBody>
+      </p:sp>
+      <p:sp>
+        <p:nvSpPr>
+          <p:cNvPr id="29" name="TextBox 28">
+            <a:extLst>
+              <a:ext uri="{FF2B5EF4-FFF2-40B4-BE49-F238E27FC236}">
+                <a16:creationId xmlns:a16="http://schemas.microsoft.com/office/drawing/2014/main" id="{3030B494-7013-09D2-99E0-A5BB692C5889}"/>
+              </a:ext>
+            </a:extLst>
+          </p:cNvPr>
+          <p:cNvSpPr txBox="1"/>
+          <p:nvPr/>
+        </p:nvSpPr>
+        <p:spPr>
+          <a:xfrm>
+            <a:off x="-2709297" y="7091281"/>
+            <a:ext cx="2613985" cy="1261884"/>
+          </a:xfrm>
+          <a:prstGeom prst="rect">
+            <a:avLst/>
+          </a:prstGeom>
+          <a:noFill/>
+        </p:spPr>
+        <p:txBody>
+          <a:bodyPr wrap="none" rtlCol="0">
+            <a:spAutoFit/>
+          </a:bodyPr>
+          <a:lstStyle/>
+          <a:p>
+            <a:r>
+              <a:rPr lang="en-US" sz="1200" dirty="0"/>
+              <a:t>Public Enum </a:t>
+            </a:r>
+            <a:r>
+              <a:rPr lang="en-US" sz="1600" b="1" dirty="0" err="1"/>
+              <a:t>MachineToolStatus</a:t>
+            </a:r>
+            <a:endParaRPr lang="en-US" sz="1600" b="1" dirty="0"/>
+          </a:p>
+          <a:p>
+            <a:r>
+              <a:rPr lang="en-US" sz="800" dirty="0"/>
+              <a:t>            Available</a:t>
+            </a:r>
+          </a:p>
+          <a:p>
+            <a:r>
+              <a:rPr lang="en-US" sz="800" dirty="0"/>
+              <a:t>            </a:t>
+            </a:r>
+            <a:r>
+              <a:rPr lang="en-US" sz="800" dirty="0" err="1"/>
+              <a:t>InMaintainence</a:t>
+            </a:r>
+            <a:endParaRPr lang="en-US" sz="800" dirty="0"/>
+          </a:p>
+          <a:p>
+            <a:r>
+              <a:rPr lang="en-US" sz="800" dirty="0"/>
+              <a:t>            Down</a:t>
+            </a:r>
+          </a:p>
+          <a:p>
+            <a:r>
+              <a:rPr lang="en-US" sz="800" dirty="0"/>
+              <a:t>            </a:t>
+            </a:r>
+            <a:r>
+              <a:rPr lang="en-US" sz="800" dirty="0" err="1"/>
+              <a:t>Not_Available</a:t>
+            </a:r>
+            <a:endParaRPr lang="en-US" sz="800" dirty="0"/>
+          </a:p>
+          <a:p>
+            <a:r>
+              <a:rPr lang="en-US" sz="800" dirty="0"/>
+              <a:t>            </a:t>
+            </a:r>
+            <a:r>
+              <a:rPr lang="en-US" sz="800" dirty="0" err="1"/>
+              <a:t>Available_Plan_free</a:t>
+            </a:r>
+            <a:endParaRPr lang="en-US" sz="800" dirty="0"/>
+          </a:p>
+          <a:p>
+            <a:r>
+              <a:rPr lang="en-US" sz="800" dirty="0"/>
+              <a:t>            </a:t>
+            </a:r>
+            <a:r>
+              <a:rPr lang="en-US" sz="800" dirty="0" err="1"/>
+              <a:t>Available_Plan_inUse</a:t>
+            </a:r>
+            <a:endParaRPr lang="en-US" sz="800" dirty="0"/>
+          </a:p>
+          <a:p>
+            <a:r>
+              <a:rPr lang="en-US" sz="1200" dirty="0"/>
+              <a:t>End Enum</a:t>
+            </a:r>
+          </a:p>
+        </p:txBody>
+      </p:sp>
+      <p:sp>
+        <p:nvSpPr>
+          <p:cNvPr id="36" name="TextBox 35">
+            <a:extLst>
+              <a:ext uri="{FF2B5EF4-FFF2-40B4-BE49-F238E27FC236}">
+                <a16:creationId xmlns:a16="http://schemas.microsoft.com/office/drawing/2014/main" id="{FA3DC607-FF5D-25B5-22E2-32E184D2362C}"/>
+              </a:ext>
+            </a:extLst>
+          </p:cNvPr>
+          <p:cNvSpPr txBox="1"/>
+          <p:nvPr/>
+        </p:nvSpPr>
+        <p:spPr>
+          <a:xfrm>
+            <a:off x="-2051079" y="4825948"/>
+            <a:ext cx="1339790" cy="1015663"/>
+          </a:xfrm>
+          <a:prstGeom prst="rect">
+            <a:avLst/>
+          </a:prstGeom>
+          <a:noFill/>
+        </p:spPr>
+        <p:txBody>
+          <a:bodyPr wrap="none" rtlCol="0">
+            <a:spAutoFit/>
+          </a:bodyPr>
+          <a:lstStyle/>
+          <a:p>
+            <a:r>
+              <a:rPr lang="en-US" b="1" dirty="0"/>
+              <a:t>SO_ART_MJ</a:t>
+            </a:r>
+          </a:p>
+          <a:p>
+            <a:r>
+              <a:rPr lang="en-US" sz="1400" dirty="0"/>
+              <a:t>SO,</a:t>
+            </a:r>
+          </a:p>
+          <a:p>
+            <a:r>
+              <a:rPr lang="en-US" sz="1400" dirty="0"/>
+              <a:t>ART,</a:t>
+            </a:r>
+          </a:p>
+          <a:p>
+            <a:r>
+              <a:rPr lang="en-US" sz="1400" dirty="0"/>
+              <a:t>MJ</a:t>
+            </a:r>
+          </a:p>
+        </p:txBody>
+      </p:sp>
+      <p:sp>
+        <p:nvSpPr>
+          <p:cNvPr id="45" name="TextBox 44">
+            <a:extLst>
+              <a:ext uri="{FF2B5EF4-FFF2-40B4-BE49-F238E27FC236}">
+                <a16:creationId xmlns:a16="http://schemas.microsoft.com/office/drawing/2014/main" id="{83284DAE-E9B1-16BC-52DC-2B0777C4E09D}"/>
+              </a:ext>
+            </a:extLst>
+          </p:cNvPr>
+          <p:cNvSpPr txBox="1"/>
+          <p:nvPr/>
+        </p:nvSpPr>
+        <p:spPr>
+          <a:xfrm>
+            <a:off x="-2087460" y="5731010"/>
+            <a:ext cx="1992148" cy="738664"/>
+          </a:xfrm>
+          <a:prstGeom prst="rect">
+            <a:avLst/>
+          </a:prstGeom>
+          <a:noFill/>
+        </p:spPr>
+        <p:txBody>
+          <a:bodyPr wrap="none" rtlCol="0">
+            <a:spAutoFit/>
+          </a:bodyPr>
+          <a:lstStyle/>
+          <a:p>
+            <a:r>
+              <a:rPr lang="en-US" sz="1400" dirty="0">
+                <a:solidFill>
+                  <a:schemeClr val="accent1">
+                    <a:lumMod val="50000"/>
+                  </a:schemeClr>
+                </a:solidFill>
+              </a:rPr>
+              <a:t>.</a:t>
+            </a:r>
+            <a:r>
+              <a:rPr lang="en-US" sz="1400" dirty="0" err="1">
+                <a:solidFill>
+                  <a:schemeClr val="accent1">
+                    <a:lumMod val="50000"/>
+                  </a:schemeClr>
+                </a:solidFill>
+              </a:rPr>
+              <a:t>defineMeFromCSV</a:t>
+            </a:r>
+            <a:endParaRPr lang="en-US" sz="1400" dirty="0">
+              <a:solidFill>
+                <a:schemeClr val="accent1">
+                  <a:lumMod val="50000"/>
+                </a:schemeClr>
+              </a:solidFill>
+            </a:endParaRPr>
+          </a:p>
+          <a:p>
+            <a:r>
+              <a:rPr lang="en-US" sz="1400" dirty="0">
+                <a:solidFill>
+                  <a:schemeClr val="accent1">
+                    <a:lumMod val="50000"/>
+                  </a:schemeClr>
+                </a:solidFill>
+              </a:rPr>
+              <a:t>.</a:t>
+            </a:r>
+            <a:r>
+              <a:rPr lang="en-US" sz="1400" dirty="0" err="1">
+                <a:solidFill>
+                  <a:schemeClr val="accent1">
+                    <a:lumMod val="50000"/>
+                  </a:schemeClr>
+                </a:solidFill>
+              </a:rPr>
+              <a:t>findSObyART</a:t>
+            </a:r>
+            <a:r>
+              <a:rPr lang="en-US" sz="1400" dirty="0">
+                <a:solidFill>
+                  <a:schemeClr val="accent1">
+                    <a:lumMod val="50000"/>
+                  </a:schemeClr>
+                </a:solidFill>
+              </a:rPr>
+              <a:t> as string</a:t>
+            </a:r>
+          </a:p>
+          <a:p>
+            <a:r>
+              <a:rPr lang="en-US" sz="1400" dirty="0">
+                <a:solidFill>
+                  <a:schemeClr val="accent1">
+                    <a:lumMod val="50000"/>
+                  </a:schemeClr>
+                </a:solidFill>
+              </a:rPr>
+              <a:t>.</a:t>
+            </a:r>
+            <a:r>
+              <a:rPr lang="en-US" sz="1400" dirty="0" err="1">
+                <a:solidFill>
+                  <a:schemeClr val="accent1">
+                    <a:lumMod val="50000"/>
+                  </a:schemeClr>
+                </a:solidFill>
+              </a:rPr>
+              <a:t>findARTsbySO</a:t>
+            </a:r>
+            <a:r>
+              <a:rPr lang="en-US" sz="1400" dirty="0">
+                <a:solidFill>
+                  <a:schemeClr val="accent1">
+                    <a:lumMod val="50000"/>
+                  </a:schemeClr>
+                </a:solidFill>
+              </a:rPr>
+              <a:t> as string()</a:t>
+            </a:r>
+          </a:p>
+        </p:txBody>
+      </p:sp>
+      <p:sp>
+        <p:nvSpPr>
+          <p:cNvPr id="54" name="TextBox 53">
+            <a:extLst>
+              <a:ext uri="{FF2B5EF4-FFF2-40B4-BE49-F238E27FC236}">
+                <a16:creationId xmlns:a16="http://schemas.microsoft.com/office/drawing/2014/main" id="{5D5041CE-2E6D-A900-FF4C-CD373853F696}"/>
+              </a:ext>
+            </a:extLst>
+          </p:cNvPr>
+          <p:cNvSpPr txBox="1"/>
+          <p:nvPr/>
+        </p:nvSpPr>
+        <p:spPr>
+          <a:xfrm>
+            <a:off x="-2159" y="8507376"/>
+            <a:ext cx="3376309" cy="954107"/>
+          </a:xfrm>
+          <a:prstGeom prst="rect">
+            <a:avLst/>
+          </a:prstGeom>
+          <a:noFill/>
+        </p:spPr>
+        <p:txBody>
+          <a:bodyPr wrap="none" rtlCol="0">
+            <a:spAutoFit/>
+          </a:bodyPr>
+          <a:lstStyle/>
+          <a:p>
+            <a:r>
+              <a:rPr lang="en-US" sz="1400" dirty="0">
+                <a:solidFill>
+                  <a:schemeClr val="accent1">
+                    <a:lumMod val="50000"/>
+                  </a:schemeClr>
+                </a:solidFill>
+              </a:rPr>
+              <a:t>.</a:t>
+            </a:r>
+            <a:r>
+              <a:rPr lang="en-US" sz="1400" dirty="0" err="1">
+                <a:solidFill>
+                  <a:schemeClr val="accent1">
+                    <a:lumMod val="50000"/>
+                  </a:schemeClr>
+                </a:solidFill>
+              </a:rPr>
+              <a:t>findMachineStatus</a:t>
+            </a:r>
+            <a:r>
+              <a:rPr lang="en-US" sz="1400" dirty="0">
+                <a:solidFill>
+                  <a:schemeClr val="accent1">
+                    <a:lumMod val="50000"/>
+                  </a:schemeClr>
+                </a:solidFill>
+              </a:rPr>
+              <a:t> () as </a:t>
+            </a:r>
+            <a:r>
+              <a:rPr lang="en-US" sz="1400" dirty="0" err="1">
+                <a:solidFill>
+                  <a:schemeClr val="accent1">
+                    <a:lumMod val="50000"/>
+                  </a:schemeClr>
+                </a:solidFill>
+              </a:rPr>
+              <a:t>MachineToolStatus</a:t>
+            </a:r>
+            <a:endParaRPr lang="en-US" sz="1400" dirty="0">
+              <a:solidFill>
+                <a:schemeClr val="accent1">
+                  <a:lumMod val="50000"/>
+                </a:schemeClr>
+              </a:solidFill>
+            </a:endParaRPr>
+          </a:p>
+          <a:p>
+            <a:r>
+              <a:rPr lang="en-US" sz="1400" dirty="0">
+                <a:solidFill>
+                  <a:schemeClr val="accent1">
+                    <a:lumMod val="50000"/>
+                  </a:schemeClr>
+                </a:solidFill>
+              </a:rPr>
+              <a:t>.</a:t>
+            </a:r>
+            <a:r>
+              <a:rPr lang="en-US" sz="1400" dirty="0" err="1">
+                <a:solidFill>
+                  <a:schemeClr val="accent1">
+                    <a:lumMod val="50000"/>
+                  </a:schemeClr>
+                </a:solidFill>
+              </a:rPr>
+              <a:t>findAvailable</a:t>
+            </a:r>
+            <a:r>
+              <a:rPr lang="en-US" sz="1400" dirty="0">
+                <a:solidFill>
+                  <a:schemeClr val="accent1">
+                    <a:lumMod val="50000"/>
+                  </a:schemeClr>
+                </a:solidFill>
+              </a:rPr>
+              <a:t>() as Boolean</a:t>
+            </a:r>
+          </a:p>
+          <a:p>
+            <a:r>
+              <a:rPr lang="en-US" sz="1400" dirty="0">
+                <a:solidFill>
+                  <a:schemeClr val="accent1">
+                    <a:lumMod val="50000"/>
+                  </a:schemeClr>
+                </a:solidFill>
+              </a:rPr>
+              <a:t>.</a:t>
+            </a:r>
+            <a:r>
+              <a:rPr lang="en-US" sz="1400" dirty="0" err="1">
+                <a:solidFill>
+                  <a:schemeClr val="accent1">
+                    <a:lumMod val="50000"/>
+                  </a:schemeClr>
+                </a:solidFill>
+              </a:rPr>
+              <a:t>recruitForProduction</a:t>
+            </a:r>
+            <a:r>
+              <a:rPr lang="en-US" sz="1400" dirty="0">
+                <a:solidFill>
+                  <a:schemeClr val="accent1">
+                    <a:lumMod val="50000"/>
+                  </a:schemeClr>
+                </a:solidFill>
+              </a:rPr>
+              <a:t>()</a:t>
+            </a:r>
+          </a:p>
+          <a:p>
+            <a:r>
+              <a:rPr lang="en-US" sz="1400" dirty="0">
+                <a:solidFill>
+                  <a:schemeClr val="accent1">
+                    <a:lumMod val="50000"/>
+                  </a:schemeClr>
+                </a:solidFill>
+              </a:rPr>
+              <a:t>.</a:t>
+            </a:r>
+            <a:r>
+              <a:rPr lang="en-US" sz="1400" dirty="0" err="1">
+                <a:solidFill>
+                  <a:schemeClr val="accent1">
+                    <a:lumMod val="50000"/>
+                  </a:schemeClr>
+                </a:solidFill>
+              </a:rPr>
+              <a:t>releaseFromProduction</a:t>
+            </a:r>
+            <a:r>
+              <a:rPr lang="en-US" sz="1400" dirty="0">
+                <a:solidFill>
+                  <a:schemeClr val="accent1">
+                    <a:lumMod val="50000"/>
+                  </a:schemeClr>
+                </a:solidFill>
+              </a:rPr>
+              <a:t>()</a:t>
+            </a:r>
+          </a:p>
+        </p:txBody>
+      </p:sp>
+      <p:sp>
+        <p:nvSpPr>
+          <p:cNvPr id="56" name="Freeform: Shape 55">
+            <a:extLst>
+              <a:ext uri="{FF2B5EF4-FFF2-40B4-BE49-F238E27FC236}">
+                <a16:creationId xmlns:a16="http://schemas.microsoft.com/office/drawing/2014/main" id="{88251408-64EE-73EB-2D13-5B82C01FC448}"/>
+              </a:ext>
+            </a:extLst>
+          </p:cNvPr>
+          <p:cNvSpPr/>
+          <p:nvPr/>
+        </p:nvSpPr>
+        <p:spPr>
+          <a:xfrm>
+            <a:off x="-78223" y="5728359"/>
+            <a:ext cx="769592" cy="1661993"/>
+          </a:xfrm>
+          <a:custGeom>
+            <a:avLst/>
+            <a:gdLst>
+              <a:gd name="connsiteX0" fmla="*/ 71984 w 740578"/>
+              <a:gd name="connsiteY0" fmla="*/ 1386349 h 1386349"/>
+              <a:gd name="connsiteX1" fmla="*/ 62152 w 740578"/>
+              <a:gd name="connsiteY1" fmla="*/ 737420 h 1386349"/>
+              <a:gd name="connsiteX2" fmla="*/ 740578 w 740578"/>
+              <a:gd name="connsiteY2" fmla="*/ 0 h 1386349"/>
+            </a:gdLst>
+            <a:ahLst/>
+            <a:cxnLst>
+              <a:cxn ang="0">
+                <a:pos x="connsiteX0" y="connsiteY0"/>
+              </a:cxn>
+              <a:cxn ang="0">
+                <a:pos x="connsiteX1" y="connsiteY1"/>
+              </a:cxn>
+              <a:cxn ang="0">
+                <a:pos x="connsiteX2" y="connsiteY2"/>
+              </a:cxn>
+            </a:cxnLst>
+            <a:rect l="l" t="t" r="r" b="b"/>
+            <a:pathLst>
+              <a:path w="740578" h="1386349">
+                <a:moveTo>
+                  <a:pt x="71984" y="1386349"/>
+                </a:moveTo>
+                <a:cubicBezTo>
+                  <a:pt x="11352" y="1177413"/>
+                  <a:pt x="-49280" y="968478"/>
+                  <a:pt x="62152" y="737420"/>
+                </a:cubicBezTo>
+                <a:cubicBezTo>
+                  <a:pt x="173584" y="506362"/>
+                  <a:pt x="740578" y="0"/>
+                  <a:pt x="740578" y="0"/>
+                </a:cubicBezTo>
+              </a:path>
+            </a:pathLst>
+          </a:custGeom>
+          <a:ln w="28575">
+            <a:headEnd type="triangle" w="med" len="med"/>
+            <a:tailEnd type="none" w="med" len="med"/>
+          </a:ln>
+        </p:spPr>
+        <p:style>
+          <a:lnRef idx="1">
+            <a:schemeClr val="accent2"/>
+          </a:lnRef>
+          <a:fillRef idx="0">
+            <a:schemeClr val="accent2"/>
+          </a:fillRef>
+          <a:effectRef idx="0">
+            <a:schemeClr val="accent2"/>
+          </a:effectRef>
+          <a:fontRef idx="minor">
+            <a:schemeClr val="tx1"/>
+          </a:fontRef>
+        </p:style>
+        <p:txBody>
+          <a:bodyPr rtlCol="0" anchor="ctr"/>
+          <a:lstStyle/>
+          <a:p>
+            <a:pPr algn="ctr"/>
+            <a:endParaRPr lang="en-US"/>
+          </a:p>
+        </p:txBody>
+      </p:sp>
+      <p:sp>
+        <p:nvSpPr>
+          <p:cNvPr id="58" name="TextBox 57">
+            <a:extLst>
+              <a:ext uri="{FF2B5EF4-FFF2-40B4-BE49-F238E27FC236}">
+                <a16:creationId xmlns:a16="http://schemas.microsoft.com/office/drawing/2014/main" id="{22FE6D0F-6D58-B2D3-FFDE-148092F7F7BE}"/>
+              </a:ext>
+            </a:extLst>
+          </p:cNvPr>
+          <p:cNvSpPr txBox="1"/>
+          <p:nvPr/>
+        </p:nvSpPr>
+        <p:spPr>
+          <a:xfrm rot="18629095">
+            <a:off x="-276799" y="5900801"/>
+            <a:ext cx="992708" cy="276999"/>
+          </a:xfrm>
+          <a:prstGeom prst="rect">
+            <a:avLst/>
+          </a:prstGeom>
+          <a:noFill/>
+        </p:spPr>
+        <p:txBody>
+          <a:bodyPr wrap="none" rtlCol="0">
+            <a:spAutoFit/>
+          </a:bodyPr>
+          <a:lstStyle/>
+          <a:p>
+            <a:r>
+              <a:rPr lang="en-US" sz="1200" dirty="0"/>
+              <a:t>Need update</a:t>
+            </a:r>
+          </a:p>
+        </p:txBody>
+      </p:sp>
+      <p:sp>
+        <p:nvSpPr>
+          <p:cNvPr id="66" name="TextBox 65">
+            <a:extLst>
+              <a:ext uri="{FF2B5EF4-FFF2-40B4-BE49-F238E27FC236}">
+                <a16:creationId xmlns:a16="http://schemas.microsoft.com/office/drawing/2014/main" id="{DBBAE96C-D310-E22B-A432-15E8D16D5DAF}"/>
+              </a:ext>
+            </a:extLst>
+          </p:cNvPr>
+          <p:cNvSpPr txBox="1"/>
+          <p:nvPr/>
+        </p:nvSpPr>
+        <p:spPr>
+          <a:xfrm>
+            <a:off x="-2397651" y="4588419"/>
+            <a:ext cx="1621982" cy="369332"/>
+          </a:xfrm>
+          <a:prstGeom prst="rect">
+            <a:avLst/>
+          </a:prstGeom>
+          <a:noFill/>
+        </p:spPr>
+        <p:txBody>
+          <a:bodyPr wrap="none" rtlCol="0">
+            <a:spAutoFit/>
+          </a:bodyPr>
+          <a:lstStyle/>
+          <a:p>
+            <a:r>
+              <a:rPr lang="en-US" b="1" dirty="0"/>
+              <a:t>CAA_SOARTMJ</a:t>
+            </a:r>
+          </a:p>
+        </p:txBody>
+      </p:sp>
     </p:spTree>
     <p:extLst>
       <p:ext uri="{BB962C8B-B14F-4D97-AF65-F5344CB8AC3E}">
@@ -19165,6 +20638,1615 @@
 </file>
 
 <file path=ppt/slides/slide6.xml><?xml version="1.0" encoding="utf-8"?>
+<p:sld xmlns:a="http://schemas.openxmlformats.org/drawingml/2006/main" xmlns:r="http://schemas.openxmlformats.org/officeDocument/2006/relationships" xmlns:p="http://schemas.openxmlformats.org/presentationml/2006/main">
+  <p:cSld>
+    <p:spTree>
+      <p:nvGrpSpPr>
+        <p:cNvPr id="1" name=""/>
+        <p:cNvGrpSpPr/>
+        <p:nvPr/>
+      </p:nvGrpSpPr>
+      <p:grpSpPr>
+        <a:xfrm>
+          <a:off x="0" y="0"/>
+          <a:ext cx="0" cy="0"/>
+          <a:chOff x="0" y="0"/>
+          <a:chExt cx="0" cy="0"/>
+        </a:xfrm>
+      </p:grpSpPr>
+      <p:sp>
+        <p:nvSpPr>
+          <p:cNvPr id="2" name="TextBox 1">
+            <a:extLst>
+              <a:ext uri="{FF2B5EF4-FFF2-40B4-BE49-F238E27FC236}">
+                <a16:creationId xmlns:a16="http://schemas.microsoft.com/office/drawing/2014/main" id="{23078EB5-10A0-F3CB-6DDA-CAFB5BACF91F}"/>
+              </a:ext>
+            </a:extLst>
+          </p:cNvPr>
+          <p:cNvSpPr txBox="1"/>
+          <p:nvPr/>
+        </p:nvSpPr>
+        <p:spPr>
+          <a:xfrm>
+            <a:off x="3825768" y="2314978"/>
+            <a:ext cx="758797" cy="307777"/>
+          </a:xfrm>
+          <a:prstGeom prst="rect">
+            <a:avLst/>
+          </a:prstGeom>
+          <a:noFill/>
+        </p:spPr>
+        <p:txBody>
+          <a:bodyPr wrap="none" rtlCol="0">
+            <a:spAutoFit/>
+          </a:bodyPr>
+          <a:lstStyle/>
+          <a:p>
+            <a:r>
+              <a:rPr lang="en-US" sz="1400" dirty="0"/>
+              <a:t>MACH()</a:t>
+            </a:r>
+          </a:p>
+        </p:txBody>
+      </p:sp>
+      <p:grpSp>
+        <p:nvGrpSpPr>
+          <p:cNvPr id="3" name="Group 2">
+            <a:extLst>
+              <a:ext uri="{FF2B5EF4-FFF2-40B4-BE49-F238E27FC236}">
+                <a16:creationId xmlns:a16="http://schemas.microsoft.com/office/drawing/2014/main" id="{5C316362-E353-CA30-069C-2A71D31E14EF}"/>
+              </a:ext>
+            </a:extLst>
+          </p:cNvPr>
+          <p:cNvGrpSpPr/>
+          <p:nvPr/>
+        </p:nvGrpSpPr>
+        <p:grpSpPr>
+          <a:xfrm>
+            <a:off x="3435756" y="3391751"/>
+            <a:ext cx="2435207" cy="569387"/>
+            <a:chOff x="557955" y="4552675"/>
+            <a:chExt cx="2435207" cy="569387"/>
+          </a:xfrm>
+        </p:grpSpPr>
+        <p:sp>
+          <p:nvSpPr>
+            <p:cNvPr id="4" name="TextBox 3">
+              <a:extLst>
+                <a:ext uri="{FF2B5EF4-FFF2-40B4-BE49-F238E27FC236}">
+                  <a16:creationId xmlns:a16="http://schemas.microsoft.com/office/drawing/2014/main" id="{98EDAE1D-A63B-F277-C08B-C286206B060A}"/>
+                </a:ext>
+              </a:extLst>
+            </p:cNvPr>
+            <p:cNvSpPr txBox="1"/>
+            <p:nvPr/>
+          </p:nvSpPr>
+          <p:spPr>
+            <a:xfrm>
+              <a:off x="557955" y="4552675"/>
+              <a:ext cx="2279983" cy="400110"/>
+            </a:xfrm>
+            <a:prstGeom prst="rect">
+              <a:avLst/>
+            </a:prstGeom>
+            <a:noFill/>
+          </p:spPr>
+          <p:txBody>
+            <a:bodyPr wrap="none" rtlCol="0">
+              <a:spAutoFit/>
+            </a:bodyPr>
+            <a:lstStyle/>
+            <a:p>
+              <a:r>
+                <a:rPr lang="en-US" sz="2000" b="1" dirty="0"/>
+                <a:t>MACH </a:t>
+              </a:r>
+              <a:r>
+                <a:rPr lang="en-US" sz="1600" dirty="0"/>
+                <a:t>(single machine)</a:t>
+              </a:r>
+              <a:endParaRPr lang="en-US" sz="2000" dirty="0"/>
+            </a:p>
+          </p:txBody>
+        </p:sp>
+        <p:sp>
+          <p:nvSpPr>
+            <p:cNvPr id="5" name="TextBox 4">
+              <a:extLst>
+                <a:ext uri="{FF2B5EF4-FFF2-40B4-BE49-F238E27FC236}">
+                  <a16:creationId xmlns:a16="http://schemas.microsoft.com/office/drawing/2014/main" id="{434E7D05-51D1-CED8-46AB-9ED314F7C590}"/>
+                </a:ext>
+              </a:extLst>
+            </p:cNvPr>
+            <p:cNvSpPr txBox="1"/>
+            <p:nvPr/>
+          </p:nvSpPr>
+          <p:spPr>
+            <a:xfrm>
+              <a:off x="798138" y="4814285"/>
+              <a:ext cx="2195024" cy="307777"/>
+            </a:xfrm>
+            <a:prstGeom prst="rect">
+              <a:avLst/>
+            </a:prstGeom>
+            <a:noFill/>
+          </p:spPr>
+          <p:txBody>
+            <a:bodyPr wrap="none" rtlCol="0">
+              <a:spAutoFit/>
+            </a:bodyPr>
+            <a:lstStyle/>
+            <a:p>
+              <a:r>
+                <a:rPr lang="en-US" sz="1400" dirty="0"/>
+                <a:t>MS,SO, SZ, MJ,CP,ORD,VM,T</a:t>
+              </a:r>
+            </a:p>
+          </p:txBody>
+        </p:sp>
+      </p:grpSp>
+      <p:sp>
+        <p:nvSpPr>
+          <p:cNvPr id="6" name="TextBox 5">
+            <a:extLst>
+              <a:ext uri="{FF2B5EF4-FFF2-40B4-BE49-F238E27FC236}">
+                <a16:creationId xmlns:a16="http://schemas.microsoft.com/office/drawing/2014/main" id="{F211601B-8BB1-BDD4-1F8C-305DCE2C4F7D}"/>
+              </a:ext>
+            </a:extLst>
+          </p:cNvPr>
+          <p:cNvSpPr txBox="1"/>
+          <p:nvPr/>
+        </p:nvSpPr>
+        <p:spPr>
+          <a:xfrm>
+            <a:off x="3366134" y="1733072"/>
+            <a:ext cx="2404761" cy="400110"/>
+          </a:xfrm>
+          <a:prstGeom prst="rect">
+            <a:avLst/>
+          </a:prstGeom>
+          <a:noFill/>
+        </p:spPr>
+        <p:txBody>
+          <a:bodyPr wrap="none" rtlCol="0">
+            <a:spAutoFit/>
+          </a:bodyPr>
+          <a:lstStyle/>
+          <a:p>
+            <a:r>
+              <a:rPr lang="en-US" sz="2000" b="1" dirty="0" err="1"/>
+              <a:t>CAA_MachineStatus</a:t>
+            </a:r>
+            <a:r>
+              <a:rPr lang="en-US" sz="2000" b="1" dirty="0"/>
+              <a:t> </a:t>
+            </a:r>
+          </a:p>
+        </p:txBody>
+      </p:sp>
+      <p:sp>
+        <p:nvSpPr>
+          <p:cNvPr id="7" name="TextBox 6">
+            <a:extLst>
+              <a:ext uri="{FF2B5EF4-FFF2-40B4-BE49-F238E27FC236}">
+                <a16:creationId xmlns:a16="http://schemas.microsoft.com/office/drawing/2014/main" id="{4590909E-A7E7-0259-B00A-B22E03361E1C}"/>
+              </a:ext>
+            </a:extLst>
+          </p:cNvPr>
+          <p:cNvSpPr txBox="1"/>
+          <p:nvPr/>
+        </p:nvSpPr>
+        <p:spPr>
+          <a:xfrm>
+            <a:off x="3900933" y="2045674"/>
+            <a:ext cx="1868525" cy="338554"/>
+          </a:xfrm>
+          <a:prstGeom prst="rect">
+            <a:avLst/>
+          </a:prstGeom>
+          <a:noFill/>
+        </p:spPr>
+        <p:txBody>
+          <a:bodyPr wrap="none" rtlCol="0">
+            <a:spAutoFit/>
+          </a:bodyPr>
+          <a:lstStyle/>
+          <a:p>
+            <a:r>
+              <a:rPr lang="en-US" sz="1600" dirty="0"/>
+              <a:t>Implemented as MA</a:t>
+            </a:r>
+          </a:p>
+        </p:txBody>
+      </p:sp>
+      <p:sp>
+        <p:nvSpPr>
+          <p:cNvPr id="8" name="TextBox 7">
+            <a:extLst>
+              <a:ext uri="{FF2B5EF4-FFF2-40B4-BE49-F238E27FC236}">
+                <a16:creationId xmlns:a16="http://schemas.microsoft.com/office/drawing/2014/main" id="{4B913D21-49BE-F34F-0D5D-47D1ADE810C6}"/>
+              </a:ext>
+            </a:extLst>
+          </p:cNvPr>
+          <p:cNvSpPr txBox="1"/>
+          <p:nvPr/>
+        </p:nvSpPr>
+        <p:spPr>
+          <a:xfrm>
+            <a:off x="3798454" y="2523946"/>
+            <a:ext cx="2383858" cy="954107"/>
+          </a:xfrm>
+          <a:prstGeom prst="rect">
+            <a:avLst/>
+          </a:prstGeom>
+          <a:noFill/>
+        </p:spPr>
+        <p:txBody>
+          <a:bodyPr wrap="none" rtlCol="0">
+            <a:spAutoFit/>
+          </a:bodyPr>
+          <a:lstStyle/>
+          <a:p>
+            <a:r>
+              <a:rPr lang="en-US" sz="1400" dirty="0">
+                <a:solidFill>
+                  <a:schemeClr val="accent1">
+                    <a:lumMod val="50000"/>
+                  </a:schemeClr>
+                </a:solidFill>
+              </a:rPr>
+              <a:t>.</a:t>
+            </a:r>
+            <a:r>
+              <a:rPr lang="en-US" sz="1400" dirty="0" err="1">
+                <a:solidFill>
+                  <a:schemeClr val="accent1">
+                    <a:lumMod val="50000"/>
+                  </a:schemeClr>
+                </a:solidFill>
+              </a:rPr>
+              <a:t>import_MachineStatus_JSON</a:t>
+            </a:r>
+            <a:endParaRPr lang="en-US" sz="1400" dirty="0">
+              <a:solidFill>
+                <a:schemeClr val="accent1">
+                  <a:lumMod val="50000"/>
+                </a:schemeClr>
+              </a:solidFill>
+            </a:endParaRPr>
+          </a:p>
+          <a:p>
+            <a:r>
+              <a:rPr lang="en-US" sz="1400" dirty="0">
+                <a:solidFill>
+                  <a:schemeClr val="accent1">
+                    <a:lumMod val="50000"/>
+                  </a:schemeClr>
+                </a:solidFill>
+              </a:rPr>
+              <a:t>.</a:t>
+            </a:r>
+            <a:r>
+              <a:rPr lang="en-US" sz="1400" dirty="0" err="1">
+                <a:solidFill>
+                  <a:schemeClr val="accent1">
+                    <a:lumMod val="50000"/>
+                  </a:schemeClr>
+                </a:solidFill>
+              </a:rPr>
+              <a:t>import_MachineStatus_CSV</a:t>
+            </a:r>
+            <a:endParaRPr lang="en-US" sz="1400" dirty="0">
+              <a:solidFill>
+                <a:schemeClr val="accent1">
+                  <a:lumMod val="50000"/>
+                </a:schemeClr>
+              </a:solidFill>
+            </a:endParaRPr>
+          </a:p>
+          <a:p>
+            <a:r>
+              <a:rPr lang="en-US" sz="1400" dirty="0">
+                <a:solidFill>
+                  <a:schemeClr val="accent1">
+                    <a:lumMod val="50000"/>
+                  </a:schemeClr>
+                </a:solidFill>
+              </a:rPr>
+              <a:t>.</a:t>
+            </a:r>
+            <a:r>
+              <a:rPr lang="en-US" sz="1400" dirty="0" err="1">
+                <a:solidFill>
+                  <a:schemeClr val="accent1">
+                    <a:lumMod val="50000"/>
+                  </a:schemeClr>
+                </a:solidFill>
+              </a:rPr>
+              <a:t>export_MachineStatus</a:t>
+            </a:r>
+            <a:r>
+              <a:rPr lang="en-US" sz="1400" dirty="0">
+                <a:solidFill>
+                  <a:schemeClr val="accent1">
+                    <a:lumMod val="50000"/>
+                  </a:schemeClr>
+                </a:solidFill>
+              </a:rPr>
+              <a:t>, JSON </a:t>
+            </a:r>
+          </a:p>
+          <a:p>
+            <a:r>
+              <a:rPr lang="en-US" sz="1400" dirty="0">
+                <a:solidFill>
+                  <a:schemeClr val="accent1">
+                    <a:lumMod val="50000"/>
+                  </a:schemeClr>
+                </a:solidFill>
+              </a:rPr>
+              <a:t>.</a:t>
+            </a:r>
+            <a:r>
+              <a:rPr lang="en-US" sz="1400" dirty="0" err="1">
+                <a:solidFill>
+                  <a:schemeClr val="accent1">
+                    <a:lumMod val="50000"/>
+                  </a:schemeClr>
+                </a:solidFill>
+              </a:rPr>
+              <a:t>export_MachineStatus_CSV</a:t>
+            </a:r>
+            <a:r>
+              <a:rPr lang="en-US" sz="1400" dirty="0">
+                <a:solidFill>
+                  <a:schemeClr val="accent1">
+                    <a:lumMod val="50000"/>
+                  </a:schemeClr>
+                </a:solidFill>
+              </a:rPr>
+              <a:t> </a:t>
+            </a:r>
+          </a:p>
+        </p:txBody>
+      </p:sp>
+      <p:sp>
+        <p:nvSpPr>
+          <p:cNvPr id="9" name="TextBox 8">
+            <a:extLst>
+              <a:ext uri="{FF2B5EF4-FFF2-40B4-BE49-F238E27FC236}">
+                <a16:creationId xmlns:a16="http://schemas.microsoft.com/office/drawing/2014/main" id="{6A514DE6-F6F5-8A4E-485C-15E906F06C4C}"/>
+              </a:ext>
+            </a:extLst>
+          </p:cNvPr>
+          <p:cNvSpPr txBox="1"/>
+          <p:nvPr/>
+        </p:nvSpPr>
+        <p:spPr>
+          <a:xfrm>
+            <a:off x="6026265" y="2808639"/>
+            <a:ext cx="2113337" cy="415498"/>
+          </a:xfrm>
+          <a:prstGeom prst="rect">
+            <a:avLst/>
+          </a:prstGeom>
+          <a:noFill/>
+        </p:spPr>
+        <p:txBody>
+          <a:bodyPr wrap="square" rtlCol="0">
+            <a:spAutoFit/>
+          </a:bodyPr>
+          <a:lstStyle/>
+          <a:p>
+            <a:r>
+              <a:rPr lang="en-US" altLang="zh-TW" sz="1050" dirty="0"/>
+              <a:t>This is because, you got ORD inside, and ORD is an object, not a value</a:t>
+            </a:r>
+            <a:endParaRPr lang="en-US" sz="1050" dirty="0"/>
+          </a:p>
+        </p:txBody>
+      </p:sp>
+      <p:sp>
+        <p:nvSpPr>
+          <p:cNvPr id="10" name="TextBox 9">
+            <a:extLst>
+              <a:ext uri="{FF2B5EF4-FFF2-40B4-BE49-F238E27FC236}">
+                <a16:creationId xmlns:a16="http://schemas.microsoft.com/office/drawing/2014/main" id="{68DB3FB0-B39D-79E2-28E7-8F0D1121E930}"/>
+              </a:ext>
+            </a:extLst>
+          </p:cNvPr>
+          <p:cNvSpPr txBox="1"/>
+          <p:nvPr/>
+        </p:nvSpPr>
+        <p:spPr>
+          <a:xfrm>
+            <a:off x="6009176" y="3212663"/>
+            <a:ext cx="2113337" cy="253916"/>
+          </a:xfrm>
+          <a:prstGeom prst="rect">
+            <a:avLst/>
+          </a:prstGeom>
+          <a:noFill/>
+        </p:spPr>
+        <p:txBody>
+          <a:bodyPr wrap="square" rtlCol="0">
+            <a:spAutoFit/>
+          </a:bodyPr>
+          <a:lstStyle/>
+          <a:p>
+            <a:r>
+              <a:rPr lang="en-US" altLang="zh-TW" sz="1050" dirty="0"/>
+              <a:t>For the last machine status output</a:t>
+            </a:r>
+            <a:endParaRPr lang="en-US" sz="1050" dirty="0"/>
+          </a:p>
+        </p:txBody>
+      </p:sp>
+      <p:sp>
+        <p:nvSpPr>
+          <p:cNvPr id="11" name="TextBox 10">
+            <a:extLst>
+              <a:ext uri="{FF2B5EF4-FFF2-40B4-BE49-F238E27FC236}">
+                <a16:creationId xmlns:a16="http://schemas.microsoft.com/office/drawing/2014/main" id="{76410C33-B7AF-1971-18E7-BFF42561149E}"/>
+              </a:ext>
+            </a:extLst>
+          </p:cNvPr>
+          <p:cNvSpPr txBox="1"/>
+          <p:nvPr/>
+        </p:nvSpPr>
+        <p:spPr>
+          <a:xfrm>
+            <a:off x="6400919" y="3645652"/>
+            <a:ext cx="2008499" cy="400110"/>
+          </a:xfrm>
+          <a:prstGeom prst="rect">
+            <a:avLst/>
+          </a:prstGeom>
+          <a:noFill/>
+        </p:spPr>
+        <p:txBody>
+          <a:bodyPr wrap="none" rtlCol="0">
+            <a:spAutoFit/>
+          </a:bodyPr>
+          <a:lstStyle/>
+          <a:p>
+            <a:r>
+              <a:rPr lang="en-US" sz="2000" b="1" dirty="0"/>
+              <a:t>CAA_INVENTORY</a:t>
+            </a:r>
+          </a:p>
+        </p:txBody>
+      </p:sp>
+      <p:sp>
+        <p:nvSpPr>
+          <p:cNvPr id="12" name="TextBox 11">
+            <a:extLst>
+              <a:ext uri="{FF2B5EF4-FFF2-40B4-BE49-F238E27FC236}">
+                <a16:creationId xmlns:a16="http://schemas.microsoft.com/office/drawing/2014/main" id="{029666E7-53A3-4E70-F5FD-691278381F2C}"/>
+              </a:ext>
+            </a:extLst>
+          </p:cNvPr>
+          <p:cNvSpPr txBox="1"/>
+          <p:nvPr/>
+        </p:nvSpPr>
+        <p:spPr>
+          <a:xfrm>
+            <a:off x="6573565" y="3961138"/>
+            <a:ext cx="1728550" cy="400110"/>
+          </a:xfrm>
+          <a:prstGeom prst="rect">
+            <a:avLst/>
+          </a:prstGeom>
+          <a:noFill/>
+        </p:spPr>
+        <p:txBody>
+          <a:bodyPr wrap="none" rtlCol="0">
+            <a:spAutoFit/>
+          </a:bodyPr>
+          <a:lstStyle/>
+          <a:p>
+            <a:r>
+              <a:rPr lang="en-US" sz="2000" dirty="0" err="1"/>
+              <a:t>lstINV</a:t>
+            </a:r>
+            <a:r>
+              <a:rPr lang="en-US" sz="2000" dirty="0"/>
+              <a:t> </a:t>
+            </a:r>
+            <a:r>
+              <a:rPr lang="en-US" sz="1200" dirty="0"/>
+              <a:t>as list (of INV)</a:t>
+            </a:r>
+          </a:p>
+        </p:txBody>
+      </p:sp>
+      <p:sp>
+        <p:nvSpPr>
+          <p:cNvPr id="13" name="TextBox 12">
+            <a:extLst>
+              <a:ext uri="{FF2B5EF4-FFF2-40B4-BE49-F238E27FC236}">
+                <a16:creationId xmlns:a16="http://schemas.microsoft.com/office/drawing/2014/main" id="{A62F0489-58DA-13E5-90F0-9B9B30AC06B7}"/>
+              </a:ext>
+            </a:extLst>
+          </p:cNvPr>
+          <p:cNvSpPr txBox="1"/>
+          <p:nvPr/>
+        </p:nvSpPr>
+        <p:spPr>
+          <a:xfrm>
+            <a:off x="6554801" y="4660566"/>
+            <a:ext cx="1550424" cy="1169551"/>
+          </a:xfrm>
+          <a:prstGeom prst="rect">
+            <a:avLst/>
+          </a:prstGeom>
+          <a:noFill/>
+        </p:spPr>
+        <p:txBody>
+          <a:bodyPr wrap="none" rtlCol="0">
+            <a:spAutoFit/>
+          </a:bodyPr>
+          <a:lstStyle/>
+          <a:p>
+            <a:r>
+              <a:rPr lang="en-US" sz="1400" dirty="0">
+                <a:solidFill>
+                  <a:schemeClr val="accent1">
+                    <a:lumMod val="50000"/>
+                  </a:schemeClr>
+                </a:solidFill>
+              </a:rPr>
+              <a:t>.</a:t>
+            </a:r>
+            <a:r>
+              <a:rPr lang="en-US" sz="1400" dirty="0" err="1">
+                <a:solidFill>
+                  <a:schemeClr val="accent1">
+                    <a:lumMod val="50000"/>
+                  </a:schemeClr>
+                </a:solidFill>
+              </a:rPr>
+              <a:t>import_OrderFile</a:t>
+            </a:r>
+            <a:endParaRPr lang="en-US" sz="1400" dirty="0">
+              <a:solidFill>
+                <a:schemeClr val="accent1">
+                  <a:lumMod val="50000"/>
+                </a:schemeClr>
+              </a:solidFill>
+            </a:endParaRPr>
+          </a:p>
+          <a:p>
+            <a:r>
+              <a:rPr lang="en-US" sz="1400" dirty="0">
+                <a:solidFill>
+                  <a:schemeClr val="accent1">
+                    <a:lumMod val="50000"/>
+                  </a:schemeClr>
+                </a:solidFill>
+              </a:rPr>
+              <a:t>.</a:t>
+            </a:r>
+            <a:r>
+              <a:rPr lang="en-US" sz="1400" dirty="0" err="1">
+                <a:solidFill>
+                  <a:schemeClr val="accent1">
+                    <a:lumMod val="50000"/>
+                  </a:schemeClr>
+                </a:solidFill>
+              </a:rPr>
+              <a:t>assign_Price</a:t>
+            </a:r>
+            <a:endParaRPr lang="en-US" sz="1400" dirty="0">
+              <a:solidFill>
+                <a:schemeClr val="accent1">
+                  <a:lumMod val="50000"/>
+                </a:schemeClr>
+              </a:solidFill>
+            </a:endParaRPr>
+          </a:p>
+          <a:p>
+            <a:r>
+              <a:rPr lang="en-US" sz="1400" dirty="0">
+                <a:solidFill>
+                  <a:schemeClr val="accent1">
+                    <a:lumMod val="50000"/>
+                  </a:schemeClr>
+                </a:solidFill>
+              </a:rPr>
+              <a:t>.</a:t>
+            </a:r>
+            <a:r>
+              <a:rPr lang="en-US" sz="1400" dirty="0" err="1">
+                <a:solidFill>
+                  <a:schemeClr val="accent1">
+                    <a:lumMod val="50000"/>
+                  </a:schemeClr>
+                </a:solidFill>
+              </a:rPr>
+              <a:t>update_Order</a:t>
+            </a:r>
+            <a:r>
+              <a:rPr lang="en-US" sz="1400" dirty="0">
+                <a:solidFill>
+                  <a:schemeClr val="accent1">
+                    <a:lumMod val="50000"/>
+                  </a:schemeClr>
+                </a:solidFill>
+              </a:rPr>
+              <a:t> </a:t>
+            </a:r>
+          </a:p>
+          <a:p>
+            <a:r>
+              <a:rPr lang="en-US" sz="1400" dirty="0">
+                <a:solidFill>
+                  <a:schemeClr val="accent1">
+                    <a:lumMod val="50000"/>
+                  </a:schemeClr>
+                </a:solidFill>
+              </a:rPr>
+              <a:t>.</a:t>
+            </a:r>
+            <a:r>
+              <a:rPr lang="en-US" sz="1400" dirty="0" err="1">
+                <a:solidFill>
+                  <a:schemeClr val="accent1">
+                    <a:lumMod val="50000"/>
+                  </a:schemeClr>
+                </a:solidFill>
+              </a:rPr>
+              <a:t>export_ORDER</a:t>
+            </a:r>
+            <a:endParaRPr lang="en-US" sz="1400" dirty="0">
+              <a:solidFill>
+                <a:schemeClr val="accent1">
+                  <a:lumMod val="50000"/>
+                </a:schemeClr>
+              </a:solidFill>
+            </a:endParaRPr>
+          </a:p>
+          <a:p>
+            <a:r>
+              <a:rPr lang="en-US" sz="1400" dirty="0">
+                <a:solidFill>
+                  <a:schemeClr val="accent1">
+                    <a:lumMod val="50000"/>
+                  </a:schemeClr>
+                </a:solidFill>
+              </a:rPr>
+              <a:t>.</a:t>
+            </a:r>
+            <a:r>
+              <a:rPr lang="en-US" sz="1400" dirty="0" err="1">
+                <a:solidFill>
+                  <a:schemeClr val="accent1">
+                    <a:lumMod val="50000"/>
+                  </a:schemeClr>
+                </a:solidFill>
+              </a:rPr>
+              <a:t>import_ORDER</a:t>
+            </a:r>
+            <a:endParaRPr lang="en-US" sz="1400" dirty="0">
+              <a:solidFill>
+                <a:schemeClr val="accent1">
+                  <a:lumMod val="50000"/>
+                </a:schemeClr>
+              </a:solidFill>
+            </a:endParaRPr>
+          </a:p>
+        </p:txBody>
+      </p:sp>
+      <p:sp>
+        <p:nvSpPr>
+          <p:cNvPr id="14" name="TextBox 13">
+            <a:extLst>
+              <a:ext uri="{FF2B5EF4-FFF2-40B4-BE49-F238E27FC236}">
+                <a16:creationId xmlns:a16="http://schemas.microsoft.com/office/drawing/2014/main" id="{024D12E0-2FA6-E0CA-32B3-50CB730D7C93}"/>
+              </a:ext>
+            </a:extLst>
+          </p:cNvPr>
+          <p:cNvSpPr txBox="1"/>
+          <p:nvPr/>
+        </p:nvSpPr>
+        <p:spPr>
+          <a:xfrm>
+            <a:off x="6809953" y="4313388"/>
+            <a:ext cx="914225" cy="307777"/>
+          </a:xfrm>
+          <a:prstGeom prst="rect">
+            <a:avLst/>
+          </a:prstGeom>
+          <a:noFill/>
+        </p:spPr>
+        <p:txBody>
+          <a:bodyPr wrap="none" rtlCol="0">
+            <a:spAutoFit/>
+          </a:bodyPr>
+          <a:lstStyle/>
+          <a:p>
+            <a:r>
+              <a:rPr lang="en-US" sz="1400" dirty="0"/>
+              <a:t>INV: SP, VI</a:t>
+            </a:r>
+          </a:p>
+        </p:txBody>
+      </p:sp>
+      <p:sp>
+        <p:nvSpPr>
+          <p:cNvPr id="15" name="TextBox 14">
+            <a:extLst>
+              <a:ext uri="{FF2B5EF4-FFF2-40B4-BE49-F238E27FC236}">
+                <a16:creationId xmlns:a16="http://schemas.microsoft.com/office/drawing/2014/main" id="{6CA724BC-B7AF-44D6-3BFC-E965311236F2}"/>
+              </a:ext>
+            </a:extLst>
+          </p:cNvPr>
+          <p:cNvSpPr txBox="1"/>
+          <p:nvPr/>
+        </p:nvSpPr>
+        <p:spPr>
+          <a:xfrm>
+            <a:off x="3232503" y="4104005"/>
+            <a:ext cx="3433953" cy="1661993"/>
+          </a:xfrm>
+          <a:prstGeom prst="rect">
+            <a:avLst/>
+          </a:prstGeom>
+          <a:noFill/>
+        </p:spPr>
+        <p:txBody>
+          <a:bodyPr wrap="none" rtlCol="0">
+            <a:spAutoFit/>
+          </a:bodyPr>
+          <a:lstStyle/>
+          <a:p>
+            <a:r>
+              <a:rPr lang="en-US" b="1" dirty="0"/>
+              <a:t>SOTOOL</a:t>
+            </a:r>
+          </a:p>
+          <a:p>
+            <a:r>
+              <a:rPr lang="en-US" sz="1400" dirty="0"/>
+              <a:t>SO, Sta(</a:t>
+            </a:r>
+            <a:r>
+              <a:rPr lang="en-US" sz="1400" dirty="0" err="1"/>
+              <a:t>machineToolstatus</a:t>
+            </a:r>
+            <a:r>
+              <a:rPr lang="en-US" sz="1400" dirty="0"/>
+              <a:t>)</a:t>
+            </a:r>
+          </a:p>
+          <a:p>
+            <a:r>
+              <a:rPr lang="en-US" sz="1400" dirty="0" err="1"/>
+              <a:t>lstSZ</a:t>
+            </a:r>
+            <a:endParaRPr lang="en-US" sz="1400" dirty="0"/>
+          </a:p>
+          <a:p>
+            <a:r>
+              <a:rPr lang="en-US" sz="1400" dirty="0" err="1"/>
+              <a:t>UnitProducts</a:t>
+            </a:r>
+            <a:r>
+              <a:rPr lang="en-US" sz="1400" dirty="0"/>
+              <a:t>, </a:t>
+            </a:r>
+          </a:p>
+          <a:p>
+            <a:r>
+              <a:rPr lang="en-US" sz="1400" dirty="0"/>
+              <a:t>SN1: </a:t>
+            </a:r>
+            <a:r>
+              <a:rPr lang="en-US" sz="900" dirty="0"/>
+              <a:t>the SIZE, start with 4,5,6, (the </a:t>
+            </a:r>
+            <a:r>
+              <a:rPr lang="en-US" sz="900" dirty="0" err="1"/>
+              <a:t>smllest</a:t>
+            </a:r>
+            <a:r>
+              <a:rPr lang="en-US" sz="900" dirty="0"/>
+              <a:t> size in </a:t>
+            </a:r>
+            <a:r>
+              <a:rPr lang="en-US" sz="900" dirty="0" err="1"/>
+              <a:t>integal</a:t>
+            </a:r>
+            <a:r>
+              <a:rPr lang="en-US" sz="900" dirty="0"/>
+              <a:t>) </a:t>
+            </a:r>
+          </a:p>
+          <a:p>
+            <a:r>
+              <a:rPr lang="en-US" sz="1400" dirty="0"/>
+              <a:t>SN2: </a:t>
+            </a:r>
+            <a:r>
+              <a:rPr lang="en-US" sz="900" dirty="0"/>
+              <a:t>the SN number against the number of TOOL, start with 1, 2,3,</a:t>
+            </a:r>
+          </a:p>
+          <a:p>
+            <a:endParaRPr lang="en-US" sz="1400" dirty="0"/>
+          </a:p>
+        </p:txBody>
+      </p:sp>
+      <p:sp>
+        <p:nvSpPr>
+          <p:cNvPr id="16" name="TextBox 15">
+            <a:extLst>
+              <a:ext uri="{FF2B5EF4-FFF2-40B4-BE49-F238E27FC236}">
+                <a16:creationId xmlns:a16="http://schemas.microsoft.com/office/drawing/2014/main" id="{BBC78F4A-EFB4-3584-36AE-5D2A392F4F41}"/>
+              </a:ext>
+            </a:extLst>
+          </p:cNvPr>
+          <p:cNvSpPr txBox="1"/>
+          <p:nvPr/>
+        </p:nvSpPr>
+        <p:spPr>
+          <a:xfrm>
+            <a:off x="3207657" y="5448876"/>
+            <a:ext cx="1594411" cy="307777"/>
+          </a:xfrm>
+          <a:prstGeom prst="rect">
+            <a:avLst/>
+          </a:prstGeom>
+          <a:noFill/>
+        </p:spPr>
+        <p:txBody>
+          <a:bodyPr wrap="none" rtlCol="0">
+            <a:spAutoFit/>
+          </a:bodyPr>
+          <a:lstStyle/>
+          <a:p>
+            <a:r>
+              <a:rPr lang="en-US" sz="1400" dirty="0">
+                <a:solidFill>
+                  <a:schemeClr val="accent1">
+                    <a:lumMod val="50000"/>
+                  </a:schemeClr>
+                </a:solidFill>
+              </a:rPr>
+              <a:t>.</a:t>
+            </a:r>
+            <a:r>
+              <a:rPr lang="en-US" sz="1400" dirty="0" err="1">
+                <a:solidFill>
+                  <a:schemeClr val="accent1">
+                    <a:lumMod val="50000"/>
+                  </a:schemeClr>
+                </a:solidFill>
+              </a:rPr>
+              <a:t>defineMeFromCSV</a:t>
+            </a:r>
+            <a:endParaRPr lang="en-US" sz="1400" dirty="0">
+              <a:solidFill>
+                <a:schemeClr val="accent1">
+                  <a:lumMod val="50000"/>
+                </a:schemeClr>
+              </a:solidFill>
+            </a:endParaRPr>
+          </a:p>
+        </p:txBody>
+      </p:sp>
+      <p:sp>
+        <p:nvSpPr>
+          <p:cNvPr id="17" name="TextBox 16">
+            <a:extLst>
+              <a:ext uri="{FF2B5EF4-FFF2-40B4-BE49-F238E27FC236}">
+                <a16:creationId xmlns:a16="http://schemas.microsoft.com/office/drawing/2014/main" id="{67F175CA-4489-A656-A97A-9503002D7009}"/>
+              </a:ext>
+            </a:extLst>
+          </p:cNvPr>
+          <p:cNvSpPr txBox="1"/>
+          <p:nvPr/>
+        </p:nvSpPr>
+        <p:spPr>
+          <a:xfrm>
+            <a:off x="498360" y="4290024"/>
+            <a:ext cx="2613985" cy="1261884"/>
+          </a:xfrm>
+          <a:prstGeom prst="rect">
+            <a:avLst/>
+          </a:prstGeom>
+          <a:noFill/>
+        </p:spPr>
+        <p:txBody>
+          <a:bodyPr wrap="none" rtlCol="0">
+            <a:spAutoFit/>
+          </a:bodyPr>
+          <a:lstStyle/>
+          <a:p>
+            <a:r>
+              <a:rPr lang="en-US" sz="1200" dirty="0"/>
+              <a:t>Public Enum </a:t>
+            </a:r>
+            <a:r>
+              <a:rPr lang="en-US" sz="1600" b="1" dirty="0" err="1"/>
+              <a:t>MachineToolStatus</a:t>
+            </a:r>
+            <a:endParaRPr lang="en-US" sz="1600" b="1" dirty="0"/>
+          </a:p>
+          <a:p>
+            <a:r>
+              <a:rPr lang="en-US" sz="800" dirty="0"/>
+              <a:t>            Available: 0</a:t>
+            </a:r>
+          </a:p>
+          <a:p>
+            <a:r>
+              <a:rPr lang="en-US" sz="800" dirty="0"/>
+              <a:t>            </a:t>
+            </a:r>
+            <a:r>
+              <a:rPr lang="en-US" sz="800" dirty="0" err="1"/>
+              <a:t>InMaintainence</a:t>
+            </a:r>
+            <a:r>
+              <a:rPr lang="en-US" sz="800" dirty="0"/>
+              <a:t> : 1</a:t>
+            </a:r>
+          </a:p>
+          <a:p>
+            <a:r>
+              <a:rPr lang="en-US" sz="800" dirty="0"/>
+              <a:t>            Down: 2</a:t>
+            </a:r>
+          </a:p>
+          <a:p>
+            <a:r>
+              <a:rPr lang="en-US" sz="800" dirty="0"/>
+              <a:t>            </a:t>
+            </a:r>
+            <a:r>
+              <a:rPr lang="en-US" sz="800" dirty="0" err="1"/>
+              <a:t>Not_Available</a:t>
+            </a:r>
+            <a:r>
+              <a:rPr lang="en-US" sz="800" dirty="0"/>
+              <a:t>: 3</a:t>
+            </a:r>
+          </a:p>
+          <a:p>
+            <a:r>
+              <a:rPr lang="en-US" sz="800" dirty="0"/>
+              <a:t>            </a:t>
+            </a:r>
+            <a:r>
+              <a:rPr lang="en-US" sz="800" dirty="0" err="1"/>
+              <a:t>Available_Plan_free</a:t>
+            </a:r>
+            <a:r>
+              <a:rPr lang="en-US" sz="800" dirty="0"/>
+              <a:t> : 4</a:t>
+            </a:r>
+          </a:p>
+          <a:p>
+            <a:r>
+              <a:rPr lang="en-US" sz="800" dirty="0"/>
+              <a:t>            </a:t>
+            </a:r>
+            <a:r>
+              <a:rPr lang="en-US" sz="800" dirty="0" err="1"/>
+              <a:t>Available_Plan_inUse</a:t>
+            </a:r>
+            <a:endParaRPr lang="en-US" sz="800" dirty="0"/>
+          </a:p>
+          <a:p>
+            <a:r>
+              <a:rPr lang="en-US" sz="1200" dirty="0"/>
+              <a:t>End Enum</a:t>
+            </a:r>
+          </a:p>
+        </p:txBody>
+      </p:sp>
+      <p:sp>
+        <p:nvSpPr>
+          <p:cNvPr id="18" name="TextBox 17">
+            <a:extLst>
+              <a:ext uri="{FF2B5EF4-FFF2-40B4-BE49-F238E27FC236}">
+                <a16:creationId xmlns:a16="http://schemas.microsoft.com/office/drawing/2014/main" id="{73C961B2-EA6C-424F-2624-C79D684E2864}"/>
+              </a:ext>
+            </a:extLst>
+          </p:cNvPr>
+          <p:cNvSpPr txBox="1"/>
+          <p:nvPr/>
+        </p:nvSpPr>
+        <p:spPr>
+          <a:xfrm>
+            <a:off x="1156578" y="2024691"/>
+            <a:ext cx="945452" cy="800219"/>
+          </a:xfrm>
+          <a:prstGeom prst="rect">
+            <a:avLst/>
+          </a:prstGeom>
+          <a:noFill/>
+        </p:spPr>
+        <p:txBody>
+          <a:bodyPr wrap="none" rtlCol="0">
+            <a:spAutoFit/>
+          </a:bodyPr>
+          <a:lstStyle/>
+          <a:p>
+            <a:r>
+              <a:rPr lang="en-US" b="1" dirty="0"/>
+              <a:t>SO_ART</a:t>
+            </a:r>
+          </a:p>
+          <a:p>
+            <a:r>
+              <a:rPr lang="en-US" sz="1400" dirty="0" err="1"/>
+              <a:t>lstSO</a:t>
+            </a:r>
+            <a:r>
+              <a:rPr lang="en-US" sz="1400" dirty="0"/>
+              <a:t>,</a:t>
+            </a:r>
+          </a:p>
+          <a:p>
+            <a:r>
+              <a:rPr lang="en-US" sz="1400" dirty="0" err="1"/>
+              <a:t>lstART</a:t>
+            </a:r>
+            <a:r>
+              <a:rPr lang="en-US" sz="1400" dirty="0"/>
+              <a:t>,</a:t>
+            </a:r>
+          </a:p>
+        </p:txBody>
+      </p:sp>
+      <p:sp>
+        <p:nvSpPr>
+          <p:cNvPr id="19" name="TextBox 18">
+            <a:extLst>
+              <a:ext uri="{FF2B5EF4-FFF2-40B4-BE49-F238E27FC236}">
+                <a16:creationId xmlns:a16="http://schemas.microsoft.com/office/drawing/2014/main" id="{D7F49786-D250-9EB1-2157-5B4253EF9C19}"/>
+              </a:ext>
+            </a:extLst>
+          </p:cNvPr>
+          <p:cNvSpPr txBox="1"/>
+          <p:nvPr/>
+        </p:nvSpPr>
+        <p:spPr>
+          <a:xfrm>
+            <a:off x="1120197" y="2753794"/>
+            <a:ext cx="1992148" cy="738664"/>
+          </a:xfrm>
+          <a:prstGeom prst="rect">
+            <a:avLst/>
+          </a:prstGeom>
+          <a:noFill/>
+        </p:spPr>
+        <p:txBody>
+          <a:bodyPr wrap="none" rtlCol="0">
+            <a:spAutoFit/>
+          </a:bodyPr>
+          <a:lstStyle/>
+          <a:p>
+            <a:r>
+              <a:rPr lang="en-US" sz="1400" dirty="0">
+                <a:solidFill>
+                  <a:schemeClr val="accent1">
+                    <a:lumMod val="50000"/>
+                  </a:schemeClr>
+                </a:solidFill>
+              </a:rPr>
+              <a:t>.</a:t>
+            </a:r>
+            <a:r>
+              <a:rPr lang="en-US" sz="1400" dirty="0" err="1">
+                <a:solidFill>
+                  <a:schemeClr val="accent1">
+                    <a:lumMod val="50000"/>
+                  </a:schemeClr>
+                </a:solidFill>
+              </a:rPr>
+              <a:t>defineMeFromCSV</a:t>
+            </a:r>
+            <a:endParaRPr lang="en-US" sz="1400" dirty="0">
+              <a:solidFill>
+                <a:schemeClr val="accent1">
+                  <a:lumMod val="50000"/>
+                </a:schemeClr>
+              </a:solidFill>
+            </a:endParaRPr>
+          </a:p>
+          <a:p>
+            <a:r>
+              <a:rPr lang="en-US" sz="1400" dirty="0">
+                <a:solidFill>
+                  <a:schemeClr val="accent1">
+                    <a:lumMod val="50000"/>
+                  </a:schemeClr>
+                </a:solidFill>
+              </a:rPr>
+              <a:t>.</a:t>
+            </a:r>
+            <a:r>
+              <a:rPr lang="en-US" sz="1400" dirty="0" err="1">
+                <a:solidFill>
+                  <a:schemeClr val="accent1">
+                    <a:lumMod val="50000"/>
+                  </a:schemeClr>
+                </a:solidFill>
+              </a:rPr>
+              <a:t>findSObyART</a:t>
+            </a:r>
+            <a:r>
+              <a:rPr lang="en-US" sz="1400" dirty="0">
+                <a:solidFill>
+                  <a:schemeClr val="accent1">
+                    <a:lumMod val="50000"/>
+                  </a:schemeClr>
+                </a:solidFill>
+              </a:rPr>
+              <a:t> as string</a:t>
+            </a:r>
+          </a:p>
+          <a:p>
+            <a:r>
+              <a:rPr lang="en-US" sz="1400" dirty="0">
+                <a:solidFill>
+                  <a:schemeClr val="accent1">
+                    <a:lumMod val="50000"/>
+                  </a:schemeClr>
+                </a:solidFill>
+              </a:rPr>
+              <a:t>.</a:t>
+            </a:r>
+            <a:r>
+              <a:rPr lang="en-US" sz="1400" dirty="0" err="1">
+                <a:solidFill>
+                  <a:schemeClr val="accent1">
+                    <a:lumMod val="50000"/>
+                  </a:schemeClr>
+                </a:solidFill>
+              </a:rPr>
+              <a:t>findARTsbySO</a:t>
+            </a:r>
+            <a:r>
+              <a:rPr lang="en-US" sz="1400" dirty="0">
+                <a:solidFill>
+                  <a:schemeClr val="accent1">
+                    <a:lumMod val="50000"/>
+                  </a:schemeClr>
+                </a:solidFill>
+              </a:rPr>
+              <a:t> as string()</a:t>
+            </a:r>
+          </a:p>
+        </p:txBody>
+      </p:sp>
+      <p:sp>
+        <p:nvSpPr>
+          <p:cNvPr id="20" name="TextBox 19">
+            <a:extLst>
+              <a:ext uri="{FF2B5EF4-FFF2-40B4-BE49-F238E27FC236}">
+                <a16:creationId xmlns:a16="http://schemas.microsoft.com/office/drawing/2014/main" id="{DFD02E96-FBB8-F591-7C8B-3DDA097C18F0}"/>
+              </a:ext>
+            </a:extLst>
+          </p:cNvPr>
+          <p:cNvSpPr txBox="1"/>
+          <p:nvPr/>
+        </p:nvSpPr>
+        <p:spPr>
+          <a:xfrm>
+            <a:off x="3205498" y="5706119"/>
+            <a:ext cx="3376309" cy="954107"/>
+          </a:xfrm>
+          <a:prstGeom prst="rect">
+            <a:avLst/>
+          </a:prstGeom>
+          <a:noFill/>
+        </p:spPr>
+        <p:txBody>
+          <a:bodyPr wrap="none" rtlCol="0">
+            <a:spAutoFit/>
+          </a:bodyPr>
+          <a:lstStyle/>
+          <a:p>
+            <a:r>
+              <a:rPr lang="en-US" sz="1400" dirty="0">
+                <a:solidFill>
+                  <a:schemeClr val="accent1">
+                    <a:lumMod val="50000"/>
+                  </a:schemeClr>
+                </a:solidFill>
+              </a:rPr>
+              <a:t>.</a:t>
+            </a:r>
+            <a:r>
+              <a:rPr lang="en-US" sz="1400" dirty="0" err="1">
+                <a:solidFill>
+                  <a:schemeClr val="accent1">
+                    <a:lumMod val="50000"/>
+                  </a:schemeClr>
+                </a:solidFill>
+              </a:rPr>
+              <a:t>findMachineStatus</a:t>
+            </a:r>
+            <a:r>
+              <a:rPr lang="en-US" sz="1400" dirty="0">
+                <a:solidFill>
+                  <a:schemeClr val="accent1">
+                    <a:lumMod val="50000"/>
+                  </a:schemeClr>
+                </a:solidFill>
+              </a:rPr>
+              <a:t> () as </a:t>
+            </a:r>
+            <a:r>
+              <a:rPr lang="en-US" sz="1400" dirty="0" err="1">
+                <a:solidFill>
+                  <a:schemeClr val="accent1">
+                    <a:lumMod val="50000"/>
+                  </a:schemeClr>
+                </a:solidFill>
+              </a:rPr>
+              <a:t>MachineToolStatus</a:t>
+            </a:r>
+            <a:endParaRPr lang="en-US" sz="1400" dirty="0">
+              <a:solidFill>
+                <a:schemeClr val="accent1">
+                  <a:lumMod val="50000"/>
+                </a:schemeClr>
+              </a:solidFill>
+            </a:endParaRPr>
+          </a:p>
+          <a:p>
+            <a:r>
+              <a:rPr lang="en-US" sz="1400" dirty="0">
+                <a:solidFill>
+                  <a:schemeClr val="accent1">
+                    <a:lumMod val="50000"/>
+                  </a:schemeClr>
+                </a:solidFill>
+              </a:rPr>
+              <a:t>.</a:t>
+            </a:r>
+            <a:r>
+              <a:rPr lang="en-US" sz="1400" dirty="0" err="1">
+                <a:solidFill>
+                  <a:schemeClr val="accent1">
+                    <a:lumMod val="50000"/>
+                  </a:schemeClr>
+                </a:solidFill>
+              </a:rPr>
+              <a:t>findAvailable</a:t>
+            </a:r>
+            <a:r>
+              <a:rPr lang="en-US" sz="1400" dirty="0">
+                <a:solidFill>
+                  <a:schemeClr val="accent1">
+                    <a:lumMod val="50000"/>
+                  </a:schemeClr>
+                </a:solidFill>
+              </a:rPr>
+              <a:t>() as Boolean</a:t>
+            </a:r>
+          </a:p>
+          <a:p>
+            <a:r>
+              <a:rPr lang="en-US" sz="1400" dirty="0">
+                <a:solidFill>
+                  <a:schemeClr val="accent1">
+                    <a:lumMod val="50000"/>
+                  </a:schemeClr>
+                </a:solidFill>
+              </a:rPr>
+              <a:t>.</a:t>
+            </a:r>
+            <a:r>
+              <a:rPr lang="en-US" sz="1400" dirty="0" err="1">
+                <a:solidFill>
+                  <a:schemeClr val="accent1">
+                    <a:lumMod val="50000"/>
+                  </a:schemeClr>
+                </a:solidFill>
+              </a:rPr>
+              <a:t>recruitForProduction</a:t>
+            </a:r>
+            <a:r>
+              <a:rPr lang="en-US" sz="1400" dirty="0">
+                <a:solidFill>
+                  <a:schemeClr val="accent1">
+                    <a:lumMod val="50000"/>
+                  </a:schemeClr>
+                </a:solidFill>
+              </a:rPr>
+              <a:t>()</a:t>
+            </a:r>
+          </a:p>
+          <a:p>
+            <a:r>
+              <a:rPr lang="en-US" sz="1400" dirty="0">
+                <a:solidFill>
+                  <a:schemeClr val="accent1">
+                    <a:lumMod val="50000"/>
+                  </a:schemeClr>
+                </a:solidFill>
+              </a:rPr>
+              <a:t>.</a:t>
+            </a:r>
+            <a:r>
+              <a:rPr lang="en-US" sz="1400" dirty="0" err="1">
+                <a:solidFill>
+                  <a:schemeClr val="accent1">
+                    <a:lumMod val="50000"/>
+                  </a:schemeClr>
+                </a:solidFill>
+              </a:rPr>
+              <a:t>releaseFromProduction</a:t>
+            </a:r>
+            <a:r>
+              <a:rPr lang="en-US" sz="1400" dirty="0">
+                <a:solidFill>
+                  <a:schemeClr val="accent1">
+                    <a:lumMod val="50000"/>
+                  </a:schemeClr>
+                </a:solidFill>
+              </a:rPr>
+              <a:t>()</a:t>
+            </a:r>
+          </a:p>
+        </p:txBody>
+      </p:sp>
+      <p:sp>
+        <p:nvSpPr>
+          <p:cNvPr id="21" name="Freeform: Shape 20">
+            <a:extLst>
+              <a:ext uri="{FF2B5EF4-FFF2-40B4-BE49-F238E27FC236}">
+                <a16:creationId xmlns:a16="http://schemas.microsoft.com/office/drawing/2014/main" id="{74941F1E-CA85-D680-B000-1B92C520032E}"/>
+              </a:ext>
+            </a:extLst>
+          </p:cNvPr>
+          <p:cNvSpPr/>
+          <p:nvPr/>
+        </p:nvSpPr>
+        <p:spPr>
+          <a:xfrm>
+            <a:off x="3129434" y="2927102"/>
+            <a:ext cx="769592" cy="1661993"/>
+          </a:xfrm>
+          <a:custGeom>
+            <a:avLst/>
+            <a:gdLst>
+              <a:gd name="connsiteX0" fmla="*/ 71984 w 740578"/>
+              <a:gd name="connsiteY0" fmla="*/ 1386349 h 1386349"/>
+              <a:gd name="connsiteX1" fmla="*/ 62152 w 740578"/>
+              <a:gd name="connsiteY1" fmla="*/ 737420 h 1386349"/>
+              <a:gd name="connsiteX2" fmla="*/ 740578 w 740578"/>
+              <a:gd name="connsiteY2" fmla="*/ 0 h 1386349"/>
+            </a:gdLst>
+            <a:ahLst/>
+            <a:cxnLst>
+              <a:cxn ang="0">
+                <a:pos x="connsiteX0" y="connsiteY0"/>
+              </a:cxn>
+              <a:cxn ang="0">
+                <a:pos x="connsiteX1" y="connsiteY1"/>
+              </a:cxn>
+              <a:cxn ang="0">
+                <a:pos x="connsiteX2" y="connsiteY2"/>
+              </a:cxn>
+            </a:cxnLst>
+            <a:rect l="l" t="t" r="r" b="b"/>
+            <a:pathLst>
+              <a:path w="740578" h="1386349">
+                <a:moveTo>
+                  <a:pt x="71984" y="1386349"/>
+                </a:moveTo>
+                <a:cubicBezTo>
+                  <a:pt x="11352" y="1177413"/>
+                  <a:pt x="-49280" y="968478"/>
+                  <a:pt x="62152" y="737420"/>
+                </a:cubicBezTo>
+                <a:cubicBezTo>
+                  <a:pt x="173584" y="506362"/>
+                  <a:pt x="740578" y="0"/>
+                  <a:pt x="740578" y="0"/>
+                </a:cubicBezTo>
+              </a:path>
+            </a:pathLst>
+          </a:custGeom>
+          <a:ln w="28575">
+            <a:headEnd type="triangle" w="med" len="med"/>
+            <a:tailEnd type="none" w="med" len="med"/>
+          </a:ln>
+        </p:spPr>
+        <p:style>
+          <a:lnRef idx="1">
+            <a:schemeClr val="accent2"/>
+          </a:lnRef>
+          <a:fillRef idx="0">
+            <a:schemeClr val="accent2"/>
+          </a:fillRef>
+          <a:effectRef idx="0">
+            <a:schemeClr val="accent2"/>
+          </a:effectRef>
+          <a:fontRef idx="minor">
+            <a:schemeClr val="tx1"/>
+          </a:fontRef>
+        </p:style>
+        <p:txBody>
+          <a:bodyPr rtlCol="0" anchor="ctr"/>
+          <a:lstStyle/>
+          <a:p>
+            <a:pPr algn="ctr"/>
+            <a:endParaRPr lang="en-US"/>
+          </a:p>
+        </p:txBody>
+      </p:sp>
+      <p:sp>
+        <p:nvSpPr>
+          <p:cNvPr id="22" name="TextBox 21">
+            <a:extLst>
+              <a:ext uri="{FF2B5EF4-FFF2-40B4-BE49-F238E27FC236}">
+                <a16:creationId xmlns:a16="http://schemas.microsoft.com/office/drawing/2014/main" id="{61B20ACA-6CED-2501-FCC8-3D74E553E4C5}"/>
+              </a:ext>
+            </a:extLst>
+          </p:cNvPr>
+          <p:cNvSpPr txBox="1"/>
+          <p:nvPr/>
+        </p:nvSpPr>
+        <p:spPr>
+          <a:xfrm rot="18629095">
+            <a:off x="2930858" y="3099544"/>
+            <a:ext cx="992708" cy="276999"/>
+          </a:xfrm>
+          <a:prstGeom prst="rect">
+            <a:avLst/>
+          </a:prstGeom>
+          <a:noFill/>
+        </p:spPr>
+        <p:txBody>
+          <a:bodyPr wrap="none" rtlCol="0">
+            <a:spAutoFit/>
+          </a:bodyPr>
+          <a:lstStyle/>
+          <a:p>
+            <a:r>
+              <a:rPr lang="en-US" sz="1200" dirty="0"/>
+              <a:t>Need update</a:t>
+            </a:r>
+          </a:p>
+        </p:txBody>
+      </p:sp>
+      <p:sp>
+        <p:nvSpPr>
+          <p:cNvPr id="23" name="TextBox 22">
+            <a:extLst>
+              <a:ext uri="{FF2B5EF4-FFF2-40B4-BE49-F238E27FC236}">
+                <a16:creationId xmlns:a16="http://schemas.microsoft.com/office/drawing/2014/main" id="{7ED8A053-37EB-5545-07D5-D0BFB553D07E}"/>
+              </a:ext>
+            </a:extLst>
+          </p:cNvPr>
+          <p:cNvSpPr txBox="1"/>
+          <p:nvPr/>
+        </p:nvSpPr>
+        <p:spPr>
+          <a:xfrm>
+            <a:off x="6209626" y="1799880"/>
+            <a:ext cx="1971675" cy="1015663"/>
+          </a:xfrm>
+          <a:prstGeom prst="rect">
+            <a:avLst/>
+          </a:prstGeom>
+          <a:noFill/>
+        </p:spPr>
+        <p:txBody>
+          <a:bodyPr wrap="square" rtlCol="0">
+            <a:spAutoFit/>
+          </a:bodyPr>
+          <a:lstStyle/>
+          <a:p>
+            <a:r>
+              <a:rPr lang="en-US" sz="1200" i="1" dirty="0">
+                <a:solidFill>
+                  <a:srgbClr val="FF0000"/>
+                </a:solidFill>
+              </a:rPr>
+              <a:t>In the </a:t>
+            </a:r>
+            <a:r>
+              <a:rPr lang="en-US" sz="1200" i="1" dirty="0" err="1">
+                <a:solidFill>
+                  <a:srgbClr val="FF0000"/>
+                </a:solidFill>
+              </a:rPr>
+              <a:t>machinestatus</a:t>
+            </a:r>
+            <a:r>
+              <a:rPr lang="en-US" sz="1200" i="1" dirty="0">
+                <a:solidFill>
+                  <a:srgbClr val="FF0000"/>
+                </a:solidFill>
+              </a:rPr>
+              <a:t>, one should id which mold is in-use. As in the SN1 and SN2. if not assigned, the program will assign one to it. </a:t>
+            </a:r>
+          </a:p>
+        </p:txBody>
+      </p:sp>
+    </p:spTree>
+    <p:extLst>
+      <p:ext uri="{BB962C8B-B14F-4D97-AF65-F5344CB8AC3E}">
+        <p14:creationId xmlns:p14="http://schemas.microsoft.com/office/powerpoint/2010/main" val="2651302814"/>
+      </p:ext>
+    </p:extLst>
+  </p:cSld>
+  <p:clrMapOvr>
+    <a:masterClrMapping/>
+  </p:clrMapOvr>
+</p:sld>
+</file>
+
+<file path=ppt/slides/slide7.xml><?xml version="1.0" encoding="utf-8"?>
+<p:sld xmlns:a="http://schemas.openxmlformats.org/drawingml/2006/main" xmlns:r="http://schemas.openxmlformats.org/officeDocument/2006/relationships" xmlns:p="http://schemas.openxmlformats.org/presentationml/2006/main">
+  <p:cSld>
+    <p:spTree>
+      <p:nvGrpSpPr>
+        <p:cNvPr id="1" name=""/>
+        <p:cNvGrpSpPr/>
+        <p:nvPr/>
+      </p:nvGrpSpPr>
+      <p:grpSpPr>
+        <a:xfrm>
+          <a:off x="0" y="0"/>
+          <a:ext cx="0" cy="0"/>
+          <a:chOff x="0" y="0"/>
+          <a:chExt cx="0" cy="0"/>
+        </a:xfrm>
+      </p:grpSpPr>
+      <p:pic>
+        <p:nvPicPr>
+          <p:cNvPr id="3" name="Picture 2">
+            <a:extLst>
+              <a:ext uri="{FF2B5EF4-FFF2-40B4-BE49-F238E27FC236}">
+                <a16:creationId xmlns:a16="http://schemas.microsoft.com/office/drawing/2014/main" id="{FA7EB73E-6820-384C-94E7-CECEE67C3854}"/>
+              </a:ext>
+            </a:extLst>
+          </p:cNvPr>
+          <p:cNvPicPr>
+            <a:picLocks noChangeAspect="1"/>
+          </p:cNvPicPr>
+          <p:nvPr/>
+        </p:nvPicPr>
+        <p:blipFill>
+          <a:blip r:embed="rId2"/>
+          <a:stretch>
+            <a:fillRect/>
+          </a:stretch>
+        </p:blipFill>
+        <p:spPr>
+          <a:xfrm>
+            <a:off x="0" y="451671"/>
+            <a:ext cx="12192000" cy="5954657"/>
+          </a:xfrm>
+          <a:prstGeom prst="rect">
+            <a:avLst/>
+          </a:prstGeom>
+        </p:spPr>
+      </p:pic>
+    </p:spTree>
+    <p:extLst>
+      <p:ext uri="{BB962C8B-B14F-4D97-AF65-F5344CB8AC3E}">
+        <p14:creationId xmlns:p14="http://schemas.microsoft.com/office/powerpoint/2010/main" val="202682520"/>
+      </p:ext>
+    </p:extLst>
+  </p:cSld>
+  <p:clrMapOvr>
+    <a:masterClrMapping/>
+  </p:clrMapOvr>
+</p:sld>
+</file>
+
+<file path=ppt/slides/slide8.xml><?xml version="1.0" encoding="utf-8"?>
 <p:sld xmlns:a="http://schemas.openxmlformats.org/drawingml/2006/main" xmlns:r="http://schemas.openxmlformats.org/officeDocument/2006/relationships" xmlns:p="http://schemas.openxmlformats.org/presentationml/2006/main">
   <p:cSld>
     <p:spTree>

--- a/CAA/00_doc/Architecture_20220907.pptx
+++ b/CAA/00_doc/Architecture_20220907.pptx
@@ -248,7 +248,7 @@
           <a:p>
             <a:fld id="{31344A68-CF47-4359-963B-B33F3862CE01}" type="datetimeFigureOut">
               <a:rPr lang="en-US" smtClean="0"/>
-              <a:t>9/12/2022</a:t>
+              <a:t>9/14/2022</a:t>
             </a:fld>
             <a:endParaRPr lang="en-US"/>
           </a:p>
@@ -416,7 +416,7 @@
           <a:p>
             <a:fld id="{31344A68-CF47-4359-963B-B33F3862CE01}" type="datetimeFigureOut">
               <a:rPr lang="en-US" smtClean="0"/>
-              <a:t>9/12/2022</a:t>
+              <a:t>9/14/2022</a:t>
             </a:fld>
             <a:endParaRPr lang="en-US"/>
           </a:p>
@@ -594,7 +594,7 @@
           <a:p>
             <a:fld id="{31344A68-CF47-4359-963B-B33F3862CE01}" type="datetimeFigureOut">
               <a:rPr lang="en-US" smtClean="0"/>
-              <a:t>9/12/2022</a:t>
+              <a:t>9/14/2022</a:t>
             </a:fld>
             <a:endParaRPr lang="en-US"/>
           </a:p>
@@ -762,7 +762,7 @@
           <a:p>
             <a:fld id="{31344A68-CF47-4359-963B-B33F3862CE01}" type="datetimeFigureOut">
               <a:rPr lang="en-US" smtClean="0"/>
-              <a:t>9/12/2022</a:t>
+              <a:t>9/14/2022</a:t>
             </a:fld>
             <a:endParaRPr lang="en-US"/>
           </a:p>
@@ -1007,7 +1007,7 @@
           <a:p>
             <a:fld id="{31344A68-CF47-4359-963B-B33F3862CE01}" type="datetimeFigureOut">
               <a:rPr lang="en-US" smtClean="0"/>
-              <a:t>9/12/2022</a:t>
+              <a:t>9/14/2022</a:t>
             </a:fld>
             <a:endParaRPr lang="en-US"/>
           </a:p>
@@ -1236,7 +1236,7 @@
           <a:p>
             <a:fld id="{31344A68-CF47-4359-963B-B33F3862CE01}" type="datetimeFigureOut">
               <a:rPr lang="en-US" smtClean="0"/>
-              <a:t>9/12/2022</a:t>
+              <a:t>9/14/2022</a:t>
             </a:fld>
             <a:endParaRPr lang="en-US"/>
           </a:p>
@@ -1600,7 +1600,7 @@
           <a:p>
             <a:fld id="{31344A68-CF47-4359-963B-B33F3862CE01}" type="datetimeFigureOut">
               <a:rPr lang="en-US" smtClean="0"/>
-              <a:t>9/12/2022</a:t>
+              <a:t>9/14/2022</a:t>
             </a:fld>
             <a:endParaRPr lang="en-US"/>
           </a:p>
@@ -1717,7 +1717,7 @@
           <a:p>
             <a:fld id="{31344A68-CF47-4359-963B-B33F3862CE01}" type="datetimeFigureOut">
               <a:rPr lang="en-US" smtClean="0"/>
-              <a:t>9/12/2022</a:t>
+              <a:t>9/14/2022</a:t>
             </a:fld>
             <a:endParaRPr lang="en-US"/>
           </a:p>
@@ -1812,7 +1812,7 @@
           <a:p>
             <a:fld id="{31344A68-CF47-4359-963B-B33F3862CE01}" type="datetimeFigureOut">
               <a:rPr lang="en-US" smtClean="0"/>
-              <a:t>9/12/2022</a:t>
+              <a:t>9/14/2022</a:t>
             </a:fld>
             <a:endParaRPr lang="en-US"/>
           </a:p>
@@ -2087,7 +2087,7 @@
           <a:p>
             <a:fld id="{31344A68-CF47-4359-963B-B33F3862CE01}" type="datetimeFigureOut">
               <a:rPr lang="en-US" smtClean="0"/>
-              <a:t>9/12/2022</a:t>
+              <a:t>9/14/2022</a:t>
             </a:fld>
             <a:endParaRPr lang="en-US"/>
           </a:p>
@@ -2339,7 +2339,7 @@
           <a:p>
             <a:fld id="{31344A68-CF47-4359-963B-B33F3862CE01}" type="datetimeFigureOut">
               <a:rPr lang="en-US" smtClean="0"/>
-              <a:t>9/12/2022</a:t>
+              <a:t>9/14/2022</a:t>
             </a:fld>
             <a:endParaRPr lang="en-US"/>
           </a:p>
@@ -2550,7 +2550,7 @@
           <a:p>
             <a:fld id="{31344A68-CF47-4359-963B-B33F3862CE01}" type="datetimeFigureOut">
               <a:rPr lang="en-US" smtClean="0"/>
-              <a:t>9/12/2022</a:t>
+              <a:t>9/14/2022</a:t>
             </a:fld>
             <a:endParaRPr lang="en-US"/>
           </a:p>
@@ -5149,28 +5149,7 @@
                         <a:latin typeface="Cambria Math" panose="02040503050406030204" pitchFamily="18" charset="0"/>
                         <a:ea typeface="Microsoft JhengHei" panose="020B0604030504040204" pitchFamily="34" charset="-120"/>
                       </a:rPr>
-                      <m:t>現在狀態</m:t>
-                    </m:r>
-                    <m:r>
-                      <a:rPr lang="zh-TW" altLang="en-US" sz="1200" i="1">
-                        <a:latin typeface="Cambria Math" panose="02040503050406030204" pitchFamily="18" charset="0"/>
-                        <a:ea typeface="Microsoft JhengHei" panose="020B0604030504040204" pitchFamily="34" charset="-120"/>
-                      </a:rPr>
-                      <m:t>、</m:t>
-                    </m:r>
-                    <m:r>
-                      <a:rPr lang="zh-TW" altLang="en-US" sz="1200" i="1">
-                        <a:latin typeface="Cambria Math" panose="02040503050406030204" pitchFamily="18" charset="0"/>
-                        <a:ea typeface="Microsoft JhengHei" panose="020B0604030504040204" pitchFamily="34" charset="-120"/>
-                      </a:rPr>
-                      <m:t>模具</m:t>
-                    </m:r>
-                    <m:r>
-                      <a:rPr lang="zh-TW" altLang="en-US" sz="1200" i="1">
-                        <a:latin typeface="Cambria Math" panose="02040503050406030204" pitchFamily="18" charset="0"/>
-                        <a:ea typeface="Microsoft JhengHei" panose="020B0604030504040204" pitchFamily="34" charset="-120"/>
-                      </a:rPr>
-                      <m:t>、</m:t>
+                      <m:t>現在狀態、模具、</m:t>
                     </m:r>
                     <m:r>
                       <a:rPr lang="zh-TW" altLang="en-US" sz="1200" i="1" smtClean="0">
@@ -7325,13 +7304,7 @@
                           <a:rPr lang="en-US" sz="1600" b="0" i="1" smtClean="0">
                             <a:latin typeface="Cambria Math" panose="02040503050406030204" pitchFamily="18" charset="0"/>
                           </a:rPr>
-                          <m:t>+</m:t>
-                        </m:r>
-                        <m:r>
-                          <a:rPr lang="en-US" sz="1600" b="0" i="1" smtClean="0">
-                            <a:latin typeface="Cambria Math" panose="02040503050406030204" pitchFamily="18" charset="0"/>
-                          </a:rPr>
-                          <m:t>1</m:t>
+                          <m:t>+1</m:t>
                         </m:r>
                       </m:sup>
                     </m:sSup>
@@ -10111,13 +10084,7 @@
                           <a:rPr lang="en-US" sz="1400" i="1">
                             <a:latin typeface="Cambria Math" panose="02040503050406030204" pitchFamily="18" charset="0"/>
                           </a:rPr>
-                          <m:t>+</m:t>
-                        </m:r>
-                        <m:r>
-                          <a:rPr lang="en-US" sz="1400" i="1">
-                            <a:latin typeface="Cambria Math" panose="02040503050406030204" pitchFamily="18" charset="0"/>
-                          </a:rPr>
-                          <m:t>1</m:t>
+                          <m:t>+1</m:t>
                         </m:r>
                       </m:sup>
                     </m:sSup>
@@ -10738,13 +10705,7 @@
                           <a:rPr lang="en-US" sz="1600" b="0" i="1" smtClean="0">
                             <a:latin typeface="Cambria Math" panose="02040503050406030204" pitchFamily="18" charset="0"/>
                           </a:rPr>
-                          <m:t>−</m:t>
-                        </m:r>
-                        <m:r>
-                          <a:rPr lang="en-US" sz="1600" b="0" i="1" smtClean="0">
-                            <a:latin typeface="Cambria Math" panose="02040503050406030204" pitchFamily="18" charset="0"/>
-                          </a:rPr>
-                          <m:t>1</m:t>
+                          <m:t>−1</m:t>
                         </m:r>
                       </m:sup>
                     </m:sSup>
@@ -10985,13 +10946,7 @@
                           <a:rPr lang="en-US" sz="1600" b="0" i="1" smtClean="0">
                             <a:latin typeface="Cambria Math" panose="02040503050406030204" pitchFamily="18" charset="0"/>
                           </a:rPr>
-                          <m:t>+</m:t>
-                        </m:r>
-                        <m:r>
-                          <a:rPr lang="en-US" sz="1600" b="0" i="1" smtClean="0">
-                            <a:latin typeface="Cambria Math" panose="02040503050406030204" pitchFamily="18" charset="0"/>
-                          </a:rPr>
-                          <m:t>1</m:t>
+                          <m:t>+1</m:t>
                         </m:r>
                       </m:sup>
                     </m:sSup>
@@ -12949,13 +12904,7 @@
                           <a:rPr lang="en-US" sz="1600" i="1">
                             <a:latin typeface="Cambria Math" panose="02040503050406030204" pitchFamily="18" charset="0"/>
                           </a:rPr>
-                          <m:t>+</m:t>
-                        </m:r>
-                        <m:r>
-                          <a:rPr lang="en-US" sz="1600" i="1">
-                            <a:latin typeface="Cambria Math" panose="02040503050406030204" pitchFamily="18" charset="0"/>
-                          </a:rPr>
-                          <m:t>1</m:t>
+                          <m:t>+1</m:t>
                         </m:r>
                       </m:sup>
                     </m:sSup>
@@ -20800,7 +20749,7 @@
         <p:spPr>
           <a:xfrm>
             <a:off x="3366134" y="1733072"/>
-            <a:ext cx="2404761" cy="400110"/>
+            <a:ext cx="2347053" cy="400110"/>
           </a:xfrm>
           <a:prstGeom prst="rect">
             <a:avLst/>
@@ -20817,10 +20766,7 @@
               <a:rPr lang="en-US" sz="2000" b="1" dirty="0" err="1"/>
               <a:t>CAA_MachineStatus</a:t>
             </a:r>
-            <a:r>
-              <a:rPr lang="en-US" sz="2000" b="1" dirty="0"/>
-              <a:t> </a:t>
-            </a:r>
+            <a:endParaRPr lang="en-US" sz="2000" b="1" dirty="0"/>
           </a:p>
         </p:txBody>
       </p:sp>
@@ -21387,7 +21333,7 @@
         <p:spPr>
           <a:xfrm>
             <a:off x="3232503" y="4104005"/>
-            <a:ext cx="3433953" cy="1661993"/>
+            <a:ext cx="3433953" cy="1877437"/>
           </a:xfrm>
           <a:prstGeom prst="rect">
             <a:avLst/>
@@ -21402,7 +21348,13 @@
           <a:p>
             <a:r>
               <a:rPr lang="en-US" b="1" dirty="0"/>
-              <a:t>SOTOOL</a:t>
+              <a:t>CAA_OSTOOLs</a:t>
+            </a:r>
+          </a:p>
+          <a:p>
+            <a:r>
+              <a:rPr lang="en-US" sz="1400" b="1" dirty="0"/>
+              <a:t>OSTOOL</a:t>
             </a:r>
           </a:p>
           <a:p>
@@ -21491,7 +21443,7 @@
         </p:nvSpPr>
         <p:spPr>
           <a:xfrm>
-            <a:off x="3207657" y="5448876"/>
+            <a:off x="3207657" y="5590360"/>
             <a:ext cx="1594411" cy="307777"/>
           </a:xfrm>
           <a:prstGeom prst="rect">
@@ -21661,7 +21613,7 @@
         <p:spPr>
           <a:xfrm>
             <a:off x="1156578" y="2024691"/>
-            <a:ext cx="945452" cy="800219"/>
+            <a:ext cx="1591846" cy="800219"/>
           </a:xfrm>
           <a:prstGeom prst="rect">
             <a:avLst/>
@@ -21676,7 +21628,7 @@
           <a:p>
             <a:r>
               <a:rPr lang="en-US" b="1" dirty="0"/>
-              <a:t>SO_ART</a:t>
+              <a:t>CAS_OSARTMJ</a:t>
             </a:r>
           </a:p>
           <a:p>
@@ -21837,7 +21789,7 @@
         </p:nvSpPr>
         <p:spPr>
           <a:xfrm>
-            <a:off x="3205498" y="5706119"/>
+            <a:off x="3207657" y="5887116"/>
             <a:ext cx="3376309" cy="954107"/>
           </a:xfrm>
           <a:prstGeom prst="rect">
@@ -22173,6 +22125,255 @@
           </a:p>
         </p:txBody>
       </p:sp>
+      <p:sp>
+        <p:nvSpPr>
+          <p:cNvPr id="25" name="TextBox 24">
+            <a:extLst>
+              <a:ext uri="{FF2B5EF4-FFF2-40B4-BE49-F238E27FC236}">
+                <a16:creationId xmlns:a16="http://schemas.microsoft.com/office/drawing/2014/main" id="{234E1A92-4675-1A87-B218-4992AD6A14D5}"/>
+              </a:ext>
+            </a:extLst>
+          </p:cNvPr>
+          <p:cNvSpPr txBox="1"/>
+          <p:nvPr/>
+        </p:nvSpPr>
+        <p:spPr>
+          <a:xfrm>
+            <a:off x="9799885" y="1532230"/>
+            <a:ext cx="1321196" cy="261610"/>
+          </a:xfrm>
+          <a:prstGeom prst="rect">
+            <a:avLst/>
+          </a:prstGeom>
+          <a:noFill/>
+        </p:spPr>
+        <p:txBody>
+          <a:bodyPr wrap="none" rtlCol="0">
+            <a:spAutoFit/>
+          </a:bodyPr>
+          <a:lstStyle/>
+          <a:p>
+            <a:r>
+              <a:rPr lang="en-US" sz="1100" b="1" dirty="0">
+                <a:solidFill>
+                  <a:schemeClr val="accent1">
+                    <a:lumMod val="75000"/>
+                  </a:schemeClr>
+                </a:solidFill>
+              </a:rPr>
+              <a:t>This is color change</a:t>
+            </a:r>
+          </a:p>
+        </p:txBody>
+      </p:sp>
+      <p:sp>
+        <p:nvSpPr>
+          <p:cNvPr id="26" name="TextBox 25">
+            <a:extLst>
+              <a:ext uri="{FF2B5EF4-FFF2-40B4-BE49-F238E27FC236}">
+                <a16:creationId xmlns:a16="http://schemas.microsoft.com/office/drawing/2014/main" id="{F5F1EFDC-FC78-D1F1-D620-2CCDA3C117E1}"/>
+              </a:ext>
+            </a:extLst>
+          </p:cNvPr>
+          <p:cNvSpPr txBox="1"/>
+          <p:nvPr/>
+        </p:nvSpPr>
+        <p:spPr>
+          <a:xfrm>
+            <a:off x="7724178" y="349878"/>
+            <a:ext cx="2258952" cy="1954381"/>
+          </a:xfrm>
+          <a:prstGeom prst="rect">
+            <a:avLst/>
+          </a:prstGeom>
+          <a:noFill/>
+        </p:spPr>
+        <p:txBody>
+          <a:bodyPr wrap="none" rtlCol="0">
+            <a:spAutoFit/>
+          </a:bodyPr>
+          <a:lstStyle/>
+          <a:p>
+            <a:r>
+              <a:rPr lang="en-US" sz="1100" dirty="0"/>
+              <a:t>Public Enum </a:t>
+            </a:r>
+            <a:r>
+              <a:rPr lang="en-US" sz="1100" dirty="0" err="1"/>
+              <a:t>MachineToolStatus</a:t>
+            </a:r>
+            <a:endParaRPr lang="en-US" sz="1100" dirty="0"/>
+          </a:p>
+          <a:p>
+            <a:r>
+              <a:rPr lang="en-US" sz="1100" dirty="0"/>
+              <a:t>            Available</a:t>
+            </a:r>
+          </a:p>
+          <a:p>
+            <a:r>
+              <a:rPr lang="en-US" sz="1100" dirty="0"/>
+              <a:t>            </a:t>
+            </a:r>
+            <a:r>
+              <a:rPr lang="en-US" sz="1100" dirty="0" err="1"/>
+              <a:t>InMaintainence</a:t>
+            </a:r>
+            <a:endParaRPr lang="en-US" sz="1100" dirty="0"/>
+          </a:p>
+          <a:p>
+            <a:r>
+              <a:rPr lang="en-US" sz="1100" dirty="0"/>
+              <a:t>            Down</a:t>
+            </a:r>
+          </a:p>
+          <a:p>
+            <a:r>
+              <a:rPr lang="en-US" sz="1100" dirty="0"/>
+              <a:t>            </a:t>
+            </a:r>
+            <a:r>
+              <a:rPr lang="en-US" sz="1100" dirty="0" err="1"/>
+              <a:t>Not_Available</a:t>
+            </a:r>
+            <a:endParaRPr lang="en-US" sz="1100" dirty="0"/>
+          </a:p>
+          <a:p>
+            <a:r>
+              <a:rPr lang="en-US" sz="1100" dirty="0"/>
+              <a:t>            </a:t>
+            </a:r>
+            <a:r>
+              <a:rPr lang="en-US" sz="1100" dirty="0" err="1"/>
+              <a:t>Available_Plan_free</a:t>
+            </a:r>
+            <a:r>
+              <a:rPr lang="en-US" sz="1100" dirty="0"/>
+              <a:t> = 100</a:t>
+            </a:r>
+          </a:p>
+          <a:p>
+            <a:r>
+              <a:rPr lang="en-US" sz="1100" dirty="0"/>
+              <a:t>            </a:t>
+            </a:r>
+            <a:r>
+              <a:rPr lang="en-US" sz="1100" dirty="0" err="1"/>
+              <a:t>Available_Plan_inUse</a:t>
+            </a:r>
+            <a:r>
+              <a:rPr lang="en-US" sz="1100" dirty="0"/>
+              <a:t> = 150</a:t>
+            </a:r>
+          </a:p>
+          <a:p>
+            <a:r>
+              <a:rPr lang="en-US" sz="1100" dirty="0"/>
+              <a:t>            Available_ToolChange1 = 200</a:t>
+            </a:r>
+          </a:p>
+          <a:p>
+            <a:r>
+              <a:rPr lang="en-US" sz="1100" dirty="0"/>
+              <a:t>            Available_ToolChange2 = 250</a:t>
+            </a:r>
+          </a:p>
+          <a:p>
+            <a:r>
+              <a:rPr lang="en-US" sz="1100" dirty="0"/>
+              <a:t>            Available_ToolChange3 = 300</a:t>
+            </a:r>
+          </a:p>
+          <a:p>
+            <a:r>
+              <a:rPr lang="en-US" sz="1100" dirty="0"/>
+              <a:t>        End Enum</a:t>
+            </a:r>
+          </a:p>
+        </p:txBody>
+      </p:sp>
+      <p:sp>
+        <p:nvSpPr>
+          <p:cNvPr id="28" name="TextBox 27">
+            <a:extLst>
+              <a:ext uri="{FF2B5EF4-FFF2-40B4-BE49-F238E27FC236}">
+                <a16:creationId xmlns:a16="http://schemas.microsoft.com/office/drawing/2014/main" id="{CF2D5CF2-3484-6FCB-3630-52F8FB3AA459}"/>
+              </a:ext>
+            </a:extLst>
+          </p:cNvPr>
+          <p:cNvSpPr txBox="1"/>
+          <p:nvPr/>
+        </p:nvSpPr>
+        <p:spPr>
+          <a:xfrm>
+            <a:off x="9799885" y="1680799"/>
+            <a:ext cx="1327608" cy="261610"/>
+          </a:xfrm>
+          <a:prstGeom prst="rect">
+            <a:avLst/>
+          </a:prstGeom>
+          <a:noFill/>
+        </p:spPr>
+        <p:txBody>
+          <a:bodyPr wrap="none" rtlCol="0">
+            <a:spAutoFit/>
+          </a:bodyPr>
+          <a:lstStyle/>
+          <a:p>
+            <a:r>
+              <a:rPr lang="en-US" sz="1100" b="1" dirty="0">
+                <a:solidFill>
+                  <a:schemeClr val="accent1">
+                    <a:lumMod val="75000"/>
+                  </a:schemeClr>
+                </a:solidFill>
+              </a:rPr>
+              <a:t>This is mold change</a:t>
+            </a:r>
+          </a:p>
+        </p:txBody>
+      </p:sp>
+      <p:sp>
+        <p:nvSpPr>
+          <p:cNvPr id="30" name="TextBox 29">
+            <a:extLst>
+              <a:ext uri="{FF2B5EF4-FFF2-40B4-BE49-F238E27FC236}">
+                <a16:creationId xmlns:a16="http://schemas.microsoft.com/office/drawing/2014/main" id="{AA8BAA80-CACE-E0CC-85F9-B5556492874D}"/>
+              </a:ext>
+            </a:extLst>
+          </p:cNvPr>
+          <p:cNvSpPr txBox="1"/>
+          <p:nvPr/>
+        </p:nvSpPr>
+        <p:spPr>
+          <a:xfrm>
+            <a:off x="9799885" y="1820100"/>
+            <a:ext cx="2295821" cy="261610"/>
+          </a:xfrm>
+          <a:prstGeom prst="rect">
+            <a:avLst/>
+          </a:prstGeom>
+          <a:noFill/>
+        </p:spPr>
+        <p:txBody>
+          <a:bodyPr wrap="none" rtlCol="0">
+            <a:spAutoFit/>
+          </a:bodyPr>
+          <a:lstStyle/>
+          <a:p>
+            <a:r>
+              <a:rPr lang="en-US" sz="1100" b="1" dirty="0">
+                <a:solidFill>
+                  <a:schemeClr val="accent1">
+                    <a:lumMod val="75000"/>
+                  </a:schemeClr>
+                </a:solidFill>
+              </a:rPr>
+              <a:t>This is size change (no mold change)</a:t>
+            </a:r>
+          </a:p>
+        </p:txBody>
+      </p:sp>
     </p:spTree>
     <p:extLst>
       <p:ext uri="{BB962C8B-B14F-4D97-AF65-F5344CB8AC3E}">
@@ -22233,6 +22434,47 @@
           </a:prstGeom>
         </p:spPr>
       </p:pic>
+      <p:sp>
+        <p:nvSpPr>
+          <p:cNvPr id="2" name="TextBox 1">
+            <a:extLst>
+              <a:ext uri="{FF2B5EF4-FFF2-40B4-BE49-F238E27FC236}">
+                <a16:creationId xmlns:a16="http://schemas.microsoft.com/office/drawing/2014/main" id="{B8191A97-7E00-53EF-B73D-0DE017DFF89C}"/>
+              </a:ext>
+            </a:extLst>
+          </p:cNvPr>
+          <p:cNvSpPr txBox="1"/>
+          <p:nvPr/>
+        </p:nvSpPr>
+        <p:spPr>
+          <a:xfrm>
+            <a:off x="4955458" y="2320412"/>
+            <a:ext cx="1491562" cy="646331"/>
+          </a:xfrm>
+          <a:prstGeom prst="rect">
+            <a:avLst/>
+          </a:prstGeom>
+          <a:noFill/>
+        </p:spPr>
+        <p:txBody>
+          <a:bodyPr wrap="none" rtlCol="0">
+            <a:spAutoFit/>
+          </a:bodyPr>
+          <a:lstStyle/>
+          <a:p>
+            <a:r>
+              <a:rPr lang="en-US" dirty="0"/>
+              <a:t>Machine view</a:t>
+            </a:r>
+          </a:p>
+          <a:p>
+            <a:r>
+              <a:rPr lang="en-US" dirty="0"/>
+              <a:t>Order view</a:t>
+            </a:r>
+          </a:p>
+        </p:txBody>
+      </p:sp>
     </p:spTree>
     <p:extLst>
       <p:ext uri="{BB962C8B-B14F-4D97-AF65-F5344CB8AC3E}">
